--- a/oxford/Oxford_2019.pptx
+++ b/oxford/Oxford_2019.pptx
@@ -42,6 +42,19 @@
     <p:sldId id="337" r:id="rId39"/>
     <p:sldId id="336" r:id="rId40"/>
     <p:sldId id="259" r:id="rId41"/>
+    <p:sldId id="294" r:id="rId42"/>
+    <p:sldId id="338" r:id="rId43"/>
+    <p:sldId id="292" r:id="rId44"/>
+    <p:sldId id="270" r:id="rId45"/>
+    <p:sldId id="339" r:id="rId46"/>
+    <p:sldId id="340" r:id="rId47"/>
+    <p:sldId id="341" r:id="rId48"/>
+    <p:sldId id="342" r:id="rId49"/>
+    <p:sldId id="343" r:id="rId50"/>
+    <p:sldId id="344" r:id="rId51"/>
+    <p:sldId id="345" r:id="rId52"/>
+    <p:sldId id="346" r:id="rId53"/>
+    <p:sldId id="347" r:id="rId54"/>
   </p:sldIdLst>
   <p:sldSz cx="12192000" cy="6858000"/>
   <p:notesSz cx="6858000" cy="9144000"/>
@@ -151,7 +164,7 @@
 <file path=ppt/revisionInfo.xml><?xml version="1.0" encoding="utf-8"?>
 <p1510:revInfo xmlns:a="http://schemas.openxmlformats.org/drawingml/2006/main" xmlns:r="http://schemas.openxmlformats.org/officeDocument/2006/relationships" xmlns:p1510="http://schemas.microsoft.com/office/powerpoint/2015/10/main">
   <p1510:revLst>
-    <p1510:client id="{D2CBAF8C-0DC0-434D-AC50-CC354D962A53}" v="11362" dt="2019-11-01T01:27:30.927"/>
+    <p1510:client id="{D2CBAF8C-0DC0-434D-AC50-CC354D962A53}" v="11393" dt="2019-11-01T09:35:16.080"/>
   </p1510:revLst>
 </p1510:revInfo>
 </file>
@@ -160,8 +173,8 @@
 <pc:chgInfo xmlns:a="http://schemas.openxmlformats.org/drawingml/2006/main" xmlns:r="http://schemas.openxmlformats.org/officeDocument/2006/relationships" xmlns:ac="http://schemas.microsoft.com/office/drawing/2013/main/command" xmlns:pc="http://schemas.microsoft.com/office/powerpoint/2013/main/command">
   <pc:docChgLst>
     <pc:chgData name="Fabian Wosar" userId="f59eda9b-2093-4b17-b2e8-c9fbc41c9cab" providerId="ADAL" clId="{D2CBAF8C-0DC0-434D-AC50-CC354D962A53}"/>
-    <pc:docChg chg="undo custSel addSld delSld modSld sldOrd">
-      <pc:chgData name="Fabian Wosar" userId="f59eda9b-2093-4b17-b2e8-c9fbc41c9cab" providerId="ADAL" clId="{D2CBAF8C-0DC0-434D-AC50-CC354D962A53}" dt="2019-11-01T01:27:30.927" v="12971" actId="20577"/>
+    <pc:docChg chg="undo custSel mod addSld delSld modSld sldOrd">
+      <pc:chgData name="Fabian Wosar" userId="f59eda9b-2093-4b17-b2e8-c9fbc41c9cab" providerId="ADAL" clId="{D2CBAF8C-0DC0-434D-AC50-CC354D962A53}" dt="2019-11-01T09:36:06.735" v="13169" actId="26606"/>
       <pc:docMkLst>
         <pc:docMk/>
       </pc:docMkLst>
@@ -284,12 +297,36 @@
           <pc:sldMk cId="2907756460" sldId="269"/>
         </pc:sldMkLst>
       </pc:sldChg>
-      <pc:sldChg chg="del">
-        <pc:chgData name="Fabian Wosar" userId="f59eda9b-2093-4b17-b2e8-c9fbc41c9cab" providerId="ADAL" clId="{D2CBAF8C-0DC0-434D-AC50-CC354D962A53}" dt="2019-10-31T22:23:03.519" v="1220" actId="2696"/>
+      <pc:sldChg chg="delSp modSp add del">
+        <pc:chgData name="Fabian Wosar" userId="f59eda9b-2093-4b17-b2e8-c9fbc41c9cab" providerId="ADAL" clId="{D2CBAF8C-0DC0-434D-AC50-CC354D962A53}" dt="2019-11-01T09:26:57.443" v="13037" actId="1076"/>
         <pc:sldMkLst>
           <pc:docMk/>
           <pc:sldMk cId="3995193072" sldId="270"/>
         </pc:sldMkLst>
+        <pc:spChg chg="mod">
+          <ac:chgData name="Fabian Wosar" userId="f59eda9b-2093-4b17-b2e8-c9fbc41c9cab" providerId="ADAL" clId="{D2CBAF8C-0DC0-434D-AC50-CC354D962A53}" dt="2019-11-01T09:26:41.717" v="13034" actId="20577"/>
+          <ac:spMkLst>
+            <pc:docMk/>
+            <pc:sldMk cId="3995193072" sldId="270"/>
+            <ac:spMk id="2" creationId="{966D7C58-E6A9-491B-AB0A-0B64DC8CA38A}"/>
+          </ac:spMkLst>
+        </pc:spChg>
+        <pc:spChg chg="del">
+          <ac:chgData name="Fabian Wosar" userId="f59eda9b-2093-4b17-b2e8-c9fbc41c9cab" providerId="ADAL" clId="{D2CBAF8C-0DC0-434D-AC50-CC354D962A53}" dt="2019-11-01T09:26:47.171" v="13035" actId="478"/>
+          <ac:spMkLst>
+            <pc:docMk/>
+            <pc:sldMk cId="3995193072" sldId="270"/>
+            <ac:spMk id="13" creationId="{8977D6E2-FE11-45C0-94B7-FC44C4DF928D}"/>
+          </ac:spMkLst>
+        </pc:spChg>
+        <pc:picChg chg="mod">
+          <ac:chgData name="Fabian Wosar" userId="f59eda9b-2093-4b17-b2e8-c9fbc41c9cab" providerId="ADAL" clId="{D2CBAF8C-0DC0-434D-AC50-CC354D962A53}" dt="2019-11-01T09:26:57.443" v="13037" actId="1076"/>
+          <ac:picMkLst>
+            <pc:docMk/>
+            <pc:sldMk cId="3995193072" sldId="270"/>
+            <ac:picMk id="4" creationId="{7676B4F5-B1E5-4C14-83A4-84F06B22C0A5}"/>
+          </ac:picMkLst>
+        </pc:picChg>
       </pc:sldChg>
       <pc:sldChg chg="del">
         <pc:chgData name="Fabian Wosar" userId="f59eda9b-2093-4b17-b2e8-c9fbc41c9cab" providerId="ADAL" clId="{D2CBAF8C-0DC0-434D-AC50-CC354D962A53}" dt="2019-10-31T22:23:03.525" v="1221" actId="2696"/>
@@ -354,19 +391,83 @@
           <pc:sldMk cId="4185845497" sldId="282"/>
         </pc:sldMkLst>
       </pc:sldChg>
-      <pc:sldChg chg="del">
-        <pc:chgData name="Fabian Wosar" userId="f59eda9b-2093-4b17-b2e8-c9fbc41c9cab" providerId="ADAL" clId="{D2CBAF8C-0DC0-434D-AC50-CC354D962A53}" dt="2019-10-31T22:23:03.512" v="1219" actId="2696"/>
+      <pc:sldChg chg="addSp delSp modSp add del">
+        <pc:chgData name="Fabian Wosar" userId="f59eda9b-2093-4b17-b2e8-c9fbc41c9cab" providerId="ADAL" clId="{D2CBAF8C-0DC0-434D-AC50-CC354D962A53}" dt="2019-11-01T09:26:32.392" v="13023" actId="1076"/>
         <pc:sldMkLst>
           <pc:docMk/>
           <pc:sldMk cId="2991819688" sldId="292"/>
         </pc:sldMkLst>
+        <pc:spChg chg="mod">
+          <ac:chgData name="Fabian Wosar" userId="f59eda9b-2093-4b17-b2e8-c9fbc41c9cab" providerId="ADAL" clId="{D2CBAF8C-0DC0-434D-AC50-CC354D962A53}" dt="2019-11-01T09:26:09.618" v="13017" actId="20577"/>
+          <ac:spMkLst>
+            <pc:docMk/>
+            <pc:sldMk cId="2991819688" sldId="292"/>
+            <ac:spMk id="2" creationId="{966D7C58-E6A9-491B-AB0A-0B64DC8CA38A}"/>
+          </ac:spMkLst>
+        </pc:spChg>
+        <pc:spChg chg="del mod">
+          <ac:chgData name="Fabian Wosar" userId="f59eda9b-2093-4b17-b2e8-c9fbc41c9cab" providerId="ADAL" clId="{D2CBAF8C-0DC0-434D-AC50-CC354D962A53}" dt="2019-11-01T09:26:17.918" v="13020" actId="478"/>
+          <ac:spMkLst>
+            <pc:docMk/>
+            <pc:sldMk cId="2991819688" sldId="292"/>
+            <ac:spMk id="13" creationId="{8977D6E2-FE11-45C0-94B7-FC44C4DF928D}"/>
+          </ac:spMkLst>
+        </pc:spChg>
+        <pc:picChg chg="del">
+          <ac:chgData name="Fabian Wosar" userId="f59eda9b-2093-4b17-b2e8-c9fbc41c9cab" providerId="ADAL" clId="{D2CBAF8C-0DC0-434D-AC50-CC354D962A53}" dt="2019-11-01T09:26:13.430" v="13018"/>
+          <ac:picMkLst>
+            <pc:docMk/>
+            <pc:sldMk cId="2991819688" sldId="292"/>
+            <ac:picMk id="4" creationId="{8277EAF2-589F-4C30-AF8E-CB39381A8157}"/>
+          </ac:picMkLst>
+        </pc:picChg>
+        <pc:picChg chg="add mod">
+          <ac:chgData name="Fabian Wosar" userId="f59eda9b-2093-4b17-b2e8-c9fbc41c9cab" providerId="ADAL" clId="{D2CBAF8C-0DC0-434D-AC50-CC354D962A53}" dt="2019-11-01T09:26:32.392" v="13023" actId="1076"/>
+          <ac:picMkLst>
+            <pc:docMk/>
+            <pc:sldMk cId="2991819688" sldId="292"/>
+            <ac:picMk id="8" creationId="{43098F36-0020-42E1-9A0C-B5913DCAA5E4}"/>
+          </ac:picMkLst>
+        </pc:picChg>
       </pc:sldChg>
-      <pc:sldChg chg="del">
-        <pc:chgData name="Fabian Wosar" userId="f59eda9b-2093-4b17-b2e8-c9fbc41c9cab" providerId="ADAL" clId="{D2CBAF8C-0DC0-434D-AC50-CC354D962A53}" dt="2019-10-31T22:23:03.480" v="1215" actId="2696"/>
+      <pc:sldChg chg="delSp modSp add del">
+        <pc:chgData name="Fabian Wosar" userId="f59eda9b-2093-4b17-b2e8-c9fbc41c9cab" providerId="ADAL" clId="{D2CBAF8C-0DC0-434D-AC50-CC354D962A53}" dt="2019-11-01T09:25:32.752" v="12991" actId="20577"/>
         <pc:sldMkLst>
           <pc:docMk/>
           <pc:sldMk cId="211549608" sldId="294"/>
         </pc:sldMkLst>
+        <pc:spChg chg="mod">
+          <ac:chgData name="Fabian Wosar" userId="f59eda9b-2093-4b17-b2e8-c9fbc41c9cab" providerId="ADAL" clId="{D2CBAF8C-0DC0-434D-AC50-CC354D962A53}" dt="2019-11-01T09:25:32.752" v="12991" actId="20577"/>
+          <ac:spMkLst>
+            <pc:docMk/>
+            <pc:sldMk cId="211549608" sldId="294"/>
+            <ac:spMk id="2" creationId="{966D7C58-E6A9-491B-AB0A-0B64DC8CA38A}"/>
+          </ac:spMkLst>
+        </pc:spChg>
+        <pc:spChg chg="mod">
+          <ac:chgData name="Fabian Wosar" userId="f59eda9b-2093-4b17-b2e8-c9fbc41c9cab" providerId="ADAL" clId="{D2CBAF8C-0DC0-434D-AC50-CC354D962A53}" dt="2019-11-01T09:25:04.777" v="12975" actId="6549"/>
+          <ac:spMkLst>
+            <pc:docMk/>
+            <pc:sldMk cId="211549608" sldId="294"/>
+            <ac:spMk id="13" creationId="{8977D6E2-FE11-45C0-94B7-FC44C4DF928D}"/>
+          </ac:spMkLst>
+        </pc:spChg>
+        <pc:picChg chg="del">
+          <ac:chgData name="Fabian Wosar" userId="f59eda9b-2093-4b17-b2e8-c9fbc41c9cab" providerId="ADAL" clId="{D2CBAF8C-0DC0-434D-AC50-CC354D962A53}" dt="2019-11-01T09:25:11.773" v="12976"/>
+          <ac:picMkLst>
+            <pc:docMk/>
+            <pc:sldMk cId="211549608" sldId="294"/>
+            <ac:picMk id="7" creationId="{E5799A3B-B816-4033-9D18-154918783DA2}"/>
+          </ac:picMkLst>
+        </pc:picChg>
+        <pc:picChg chg="mod">
+          <ac:chgData name="Fabian Wosar" userId="f59eda9b-2093-4b17-b2e8-c9fbc41c9cab" providerId="ADAL" clId="{D2CBAF8C-0DC0-434D-AC50-CC354D962A53}" dt="2019-11-01T09:25:26.453" v="12977" actId="1076"/>
+          <ac:picMkLst>
+            <pc:docMk/>
+            <pc:sldMk cId="211549608" sldId="294"/>
+            <ac:picMk id="12" creationId="{CCCE9A16-69CC-4A41-B1C9-3C5582CE257D}"/>
+          </ac:picMkLst>
+        </pc:picChg>
       </pc:sldChg>
       <pc:sldChg chg="del">
         <pc:chgData name="Fabian Wosar" userId="f59eda9b-2093-4b17-b2e8-c9fbc41c9cab" providerId="ADAL" clId="{D2CBAF8C-0DC0-434D-AC50-CC354D962A53}" dt="2019-10-31T22:23:03.592" v="1230" actId="2696"/>
@@ -1319,6 +1420,468 @@
           </ac:spMkLst>
         </pc:spChg>
       </pc:sldChg>
+      <pc:sldChg chg="addSp delSp modSp add">
+        <pc:chgData name="Fabian Wosar" userId="f59eda9b-2093-4b17-b2e8-c9fbc41c9cab" providerId="ADAL" clId="{D2CBAF8C-0DC0-434D-AC50-CC354D962A53}" dt="2019-11-01T09:26:01.584" v="13007" actId="1076"/>
+        <pc:sldMkLst>
+          <pc:docMk/>
+          <pc:sldMk cId="3429489752" sldId="338"/>
+        </pc:sldMkLst>
+        <pc:spChg chg="mod">
+          <ac:chgData name="Fabian Wosar" userId="f59eda9b-2093-4b17-b2e8-c9fbc41c9cab" providerId="ADAL" clId="{D2CBAF8C-0DC0-434D-AC50-CC354D962A53}" dt="2019-11-01T09:25:43.283" v="13004" actId="20577"/>
+          <ac:spMkLst>
+            <pc:docMk/>
+            <pc:sldMk cId="3429489752" sldId="338"/>
+            <ac:spMk id="2" creationId="{966D7C58-E6A9-491B-AB0A-0B64DC8CA38A}"/>
+          </ac:spMkLst>
+        </pc:spChg>
+        <pc:picChg chg="add mod">
+          <ac:chgData name="Fabian Wosar" userId="f59eda9b-2093-4b17-b2e8-c9fbc41c9cab" providerId="ADAL" clId="{D2CBAF8C-0DC0-434D-AC50-CC354D962A53}" dt="2019-11-01T09:26:01.584" v="13007" actId="1076"/>
+          <ac:picMkLst>
+            <pc:docMk/>
+            <pc:sldMk cId="3429489752" sldId="338"/>
+            <ac:picMk id="8" creationId="{7C8CE783-147E-4126-97AD-4BB8FF724D2F}"/>
+          </ac:picMkLst>
+        </pc:picChg>
+        <pc:picChg chg="del">
+          <ac:chgData name="Fabian Wosar" userId="f59eda9b-2093-4b17-b2e8-c9fbc41c9cab" providerId="ADAL" clId="{D2CBAF8C-0DC0-434D-AC50-CC354D962A53}" dt="2019-11-01T09:25:46.320" v="13005" actId="478"/>
+          <ac:picMkLst>
+            <pc:docMk/>
+            <pc:sldMk cId="3429489752" sldId="338"/>
+            <ac:picMk id="12" creationId="{CCCE9A16-69CC-4A41-B1C9-3C5582CE257D}"/>
+          </ac:picMkLst>
+        </pc:picChg>
+      </pc:sldChg>
+      <pc:sldChg chg="addSp delSp modSp add">
+        <pc:chgData name="Fabian Wosar" userId="f59eda9b-2093-4b17-b2e8-c9fbc41c9cab" providerId="ADAL" clId="{D2CBAF8C-0DC0-434D-AC50-CC354D962A53}" dt="2019-11-01T09:28:38.218" v="13055" actId="1076"/>
+        <pc:sldMkLst>
+          <pc:docMk/>
+          <pc:sldMk cId="775755532" sldId="339"/>
+        </pc:sldMkLst>
+        <pc:spChg chg="mod">
+          <ac:chgData name="Fabian Wosar" userId="f59eda9b-2093-4b17-b2e8-c9fbc41c9cab" providerId="ADAL" clId="{D2CBAF8C-0DC0-434D-AC50-CC354D962A53}" dt="2019-11-01T09:28:18.436" v="13051" actId="20577"/>
+          <ac:spMkLst>
+            <pc:docMk/>
+            <pc:sldMk cId="775755532" sldId="339"/>
+            <ac:spMk id="2" creationId="{966D7C58-E6A9-491B-AB0A-0B64DC8CA38A}"/>
+          </ac:spMkLst>
+        </pc:spChg>
+        <pc:grpChg chg="add mod">
+          <ac:chgData name="Fabian Wosar" userId="f59eda9b-2093-4b17-b2e8-c9fbc41c9cab" providerId="ADAL" clId="{D2CBAF8C-0DC0-434D-AC50-CC354D962A53}" dt="2019-11-01T09:28:38.218" v="13055" actId="1076"/>
+          <ac:grpSpMkLst>
+            <pc:docMk/>
+            <pc:sldMk cId="775755532" sldId="339"/>
+            <ac:grpSpMk id="9" creationId="{CEA33947-8296-403E-9C5F-7FFCC6269B60}"/>
+          </ac:grpSpMkLst>
+        </pc:grpChg>
+        <pc:picChg chg="del">
+          <ac:chgData name="Fabian Wosar" userId="f59eda9b-2093-4b17-b2e8-c9fbc41c9cab" providerId="ADAL" clId="{D2CBAF8C-0DC0-434D-AC50-CC354D962A53}" dt="2019-11-01T09:28:20.579" v="13052" actId="478"/>
+          <ac:picMkLst>
+            <pc:docMk/>
+            <pc:sldMk cId="775755532" sldId="339"/>
+            <ac:picMk id="4" creationId="{7676B4F5-B1E5-4C14-83A4-84F06B22C0A5}"/>
+          </ac:picMkLst>
+        </pc:picChg>
+        <pc:picChg chg="add mod">
+          <ac:chgData name="Fabian Wosar" userId="f59eda9b-2093-4b17-b2e8-c9fbc41c9cab" providerId="ADAL" clId="{D2CBAF8C-0DC0-434D-AC50-CC354D962A53}" dt="2019-11-01T09:28:29.936" v="13054" actId="164"/>
+          <ac:picMkLst>
+            <pc:docMk/>
+            <pc:sldMk cId="775755532" sldId="339"/>
+            <ac:picMk id="7" creationId="{21D87445-2596-4C16-8C65-722A9ADF2425}"/>
+          </ac:picMkLst>
+        </pc:picChg>
+        <pc:picChg chg="add mod">
+          <ac:chgData name="Fabian Wosar" userId="f59eda9b-2093-4b17-b2e8-c9fbc41c9cab" providerId="ADAL" clId="{D2CBAF8C-0DC0-434D-AC50-CC354D962A53}" dt="2019-11-01T09:28:29.936" v="13054" actId="164"/>
+          <ac:picMkLst>
+            <pc:docMk/>
+            <pc:sldMk cId="775755532" sldId="339"/>
+            <ac:picMk id="8" creationId="{D7F98804-C06E-431F-BDDE-C005B7A14911}"/>
+          </ac:picMkLst>
+        </pc:picChg>
+      </pc:sldChg>
+      <pc:sldChg chg="addSp delSp modSp add">
+        <pc:chgData name="Fabian Wosar" userId="f59eda9b-2093-4b17-b2e8-c9fbc41c9cab" providerId="ADAL" clId="{D2CBAF8C-0DC0-434D-AC50-CC354D962A53}" dt="2019-11-01T09:29:16.390" v="13069" actId="20577"/>
+        <pc:sldMkLst>
+          <pc:docMk/>
+          <pc:sldMk cId="1739161987" sldId="340"/>
+        </pc:sldMkLst>
+        <pc:spChg chg="mod">
+          <ac:chgData name="Fabian Wosar" userId="f59eda9b-2093-4b17-b2e8-c9fbc41c9cab" providerId="ADAL" clId="{D2CBAF8C-0DC0-434D-AC50-CC354D962A53}" dt="2019-11-01T09:29:16.390" v="13069" actId="20577"/>
+          <ac:spMkLst>
+            <pc:docMk/>
+            <pc:sldMk cId="1739161987" sldId="340"/>
+            <ac:spMk id="2" creationId="{966D7C58-E6A9-491B-AB0A-0B64DC8CA38A}"/>
+          </ac:spMkLst>
+        </pc:spChg>
+        <pc:grpChg chg="del">
+          <ac:chgData name="Fabian Wosar" userId="f59eda9b-2093-4b17-b2e8-c9fbc41c9cab" providerId="ADAL" clId="{D2CBAF8C-0DC0-434D-AC50-CC354D962A53}" dt="2019-11-01T09:28:53.102" v="13057" actId="478"/>
+          <ac:grpSpMkLst>
+            <pc:docMk/>
+            <pc:sldMk cId="1739161987" sldId="340"/>
+            <ac:grpSpMk id="9" creationId="{CEA33947-8296-403E-9C5F-7FFCC6269B60}"/>
+          </ac:grpSpMkLst>
+        </pc:grpChg>
+        <pc:picChg chg="add mod">
+          <ac:chgData name="Fabian Wosar" userId="f59eda9b-2093-4b17-b2e8-c9fbc41c9cab" providerId="ADAL" clId="{D2CBAF8C-0DC0-434D-AC50-CC354D962A53}" dt="2019-11-01T09:29:09.959" v="13059" actId="1076"/>
+          <ac:picMkLst>
+            <pc:docMk/>
+            <pc:sldMk cId="1739161987" sldId="340"/>
+            <ac:picMk id="10" creationId="{44C9C974-64D0-422C-BDE9-9A339DC7FA56}"/>
+          </ac:picMkLst>
+        </pc:picChg>
+      </pc:sldChg>
+      <pc:sldChg chg="addSp delSp modSp add">
+        <pc:chgData name="Fabian Wosar" userId="f59eda9b-2093-4b17-b2e8-c9fbc41c9cab" providerId="ADAL" clId="{D2CBAF8C-0DC0-434D-AC50-CC354D962A53}" dt="2019-11-01T09:30:20.838" v="13088" actId="20577"/>
+        <pc:sldMkLst>
+          <pc:docMk/>
+          <pc:sldMk cId="3162561954" sldId="341"/>
+        </pc:sldMkLst>
+        <pc:spChg chg="mod">
+          <ac:chgData name="Fabian Wosar" userId="f59eda9b-2093-4b17-b2e8-c9fbc41c9cab" providerId="ADAL" clId="{D2CBAF8C-0DC0-434D-AC50-CC354D962A53}" dt="2019-11-01T09:30:20.838" v="13088" actId="20577"/>
+          <ac:spMkLst>
+            <pc:docMk/>
+            <pc:sldMk cId="3162561954" sldId="341"/>
+            <ac:spMk id="2" creationId="{966D7C58-E6A9-491B-AB0A-0B64DC8CA38A}"/>
+          </ac:spMkLst>
+        </pc:spChg>
+        <pc:picChg chg="add mod">
+          <ac:chgData name="Fabian Wosar" userId="f59eda9b-2093-4b17-b2e8-c9fbc41c9cab" providerId="ADAL" clId="{D2CBAF8C-0DC0-434D-AC50-CC354D962A53}" dt="2019-11-01T09:30:09.047" v="13073" actId="1076"/>
+          <ac:picMkLst>
+            <pc:docMk/>
+            <pc:sldMk cId="3162561954" sldId="341"/>
+            <ac:picMk id="7" creationId="{7C3F9D5A-42B8-4854-8CB7-1F22097D158A}"/>
+          </ac:picMkLst>
+        </pc:picChg>
+        <pc:picChg chg="del">
+          <ac:chgData name="Fabian Wosar" userId="f59eda9b-2093-4b17-b2e8-c9fbc41c9cab" providerId="ADAL" clId="{D2CBAF8C-0DC0-434D-AC50-CC354D962A53}" dt="2019-11-01T09:29:34.616" v="13071" actId="478"/>
+          <ac:picMkLst>
+            <pc:docMk/>
+            <pc:sldMk cId="3162561954" sldId="341"/>
+            <ac:picMk id="10" creationId="{44C9C974-64D0-422C-BDE9-9A339DC7FA56}"/>
+          </ac:picMkLst>
+        </pc:picChg>
+      </pc:sldChg>
+      <pc:sldChg chg="addSp delSp modSp add">
+        <pc:chgData name="Fabian Wosar" userId="f59eda9b-2093-4b17-b2e8-c9fbc41c9cab" providerId="ADAL" clId="{D2CBAF8C-0DC0-434D-AC50-CC354D962A53}" dt="2019-11-01T09:31:06.256" v="13094" actId="1076"/>
+        <pc:sldMkLst>
+          <pc:docMk/>
+          <pc:sldMk cId="3392001884" sldId="342"/>
+        </pc:sldMkLst>
+        <pc:spChg chg="mod">
+          <ac:chgData name="Fabian Wosar" userId="f59eda9b-2093-4b17-b2e8-c9fbc41c9cab" providerId="ADAL" clId="{D2CBAF8C-0DC0-434D-AC50-CC354D962A53}" dt="2019-11-01T09:30:54.020" v="13091" actId="20577"/>
+          <ac:spMkLst>
+            <pc:docMk/>
+            <pc:sldMk cId="3392001884" sldId="342"/>
+            <ac:spMk id="2" creationId="{966D7C58-E6A9-491B-AB0A-0B64DC8CA38A}"/>
+          </ac:spMkLst>
+        </pc:spChg>
+        <pc:picChg chg="del">
+          <ac:chgData name="Fabian Wosar" userId="f59eda9b-2093-4b17-b2e8-c9fbc41c9cab" providerId="ADAL" clId="{D2CBAF8C-0DC0-434D-AC50-CC354D962A53}" dt="2019-11-01T09:30:56.595" v="13092" actId="478"/>
+          <ac:picMkLst>
+            <pc:docMk/>
+            <pc:sldMk cId="3392001884" sldId="342"/>
+            <ac:picMk id="7" creationId="{7C3F9D5A-42B8-4854-8CB7-1F22097D158A}"/>
+          </ac:picMkLst>
+        </pc:picChg>
+        <pc:picChg chg="add mod">
+          <ac:chgData name="Fabian Wosar" userId="f59eda9b-2093-4b17-b2e8-c9fbc41c9cab" providerId="ADAL" clId="{D2CBAF8C-0DC0-434D-AC50-CC354D962A53}" dt="2019-11-01T09:31:06.256" v="13094" actId="1076"/>
+          <ac:picMkLst>
+            <pc:docMk/>
+            <pc:sldMk cId="3392001884" sldId="342"/>
+            <ac:picMk id="8" creationId="{6F0991C7-24BE-42F5-8411-FB6C6BF056E2}"/>
+          </ac:picMkLst>
+        </pc:picChg>
+      </pc:sldChg>
+      <pc:sldChg chg="addSp delSp modSp add">
+        <pc:chgData name="Fabian Wosar" userId="f59eda9b-2093-4b17-b2e8-c9fbc41c9cab" providerId="ADAL" clId="{D2CBAF8C-0DC0-434D-AC50-CC354D962A53}" dt="2019-11-01T09:31:53.136" v="13116" actId="1076"/>
+        <pc:sldMkLst>
+          <pc:docMk/>
+          <pc:sldMk cId="3924386771" sldId="343"/>
+        </pc:sldMkLst>
+        <pc:spChg chg="mod">
+          <ac:chgData name="Fabian Wosar" userId="f59eda9b-2093-4b17-b2e8-c9fbc41c9cab" providerId="ADAL" clId="{D2CBAF8C-0DC0-434D-AC50-CC354D962A53}" dt="2019-11-01T09:31:28.314" v="13108" actId="20577"/>
+          <ac:spMkLst>
+            <pc:docMk/>
+            <pc:sldMk cId="3924386771" sldId="343"/>
+            <ac:spMk id="2" creationId="{966D7C58-E6A9-491B-AB0A-0B64DC8CA38A}"/>
+          </ac:spMkLst>
+        </pc:spChg>
+        <pc:picChg chg="add mod">
+          <ac:chgData name="Fabian Wosar" userId="f59eda9b-2093-4b17-b2e8-c9fbc41c9cab" providerId="ADAL" clId="{D2CBAF8C-0DC0-434D-AC50-CC354D962A53}" dt="2019-11-01T09:31:53.136" v="13116" actId="1076"/>
+          <ac:picMkLst>
+            <pc:docMk/>
+            <pc:sldMk cId="3924386771" sldId="343"/>
+            <ac:picMk id="7" creationId="{98AB3F6C-732D-480E-A96C-169AC4E1244C}"/>
+          </ac:picMkLst>
+        </pc:picChg>
+        <pc:picChg chg="del">
+          <ac:chgData name="Fabian Wosar" userId="f59eda9b-2093-4b17-b2e8-c9fbc41c9cab" providerId="ADAL" clId="{D2CBAF8C-0DC0-434D-AC50-CC354D962A53}" dt="2019-11-01T09:31:30.408" v="13109" actId="478"/>
+          <ac:picMkLst>
+            <pc:docMk/>
+            <pc:sldMk cId="3924386771" sldId="343"/>
+            <ac:picMk id="8" creationId="{6F0991C7-24BE-42F5-8411-FB6C6BF056E2}"/>
+          </ac:picMkLst>
+        </pc:picChg>
+        <pc:picChg chg="add mod">
+          <ac:chgData name="Fabian Wosar" userId="f59eda9b-2093-4b17-b2e8-c9fbc41c9cab" providerId="ADAL" clId="{D2CBAF8C-0DC0-434D-AC50-CC354D962A53}" dt="2019-11-01T09:31:45.611" v="13114" actId="1076"/>
+          <ac:picMkLst>
+            <pc:docMk/>
+            <pc:sldMk cId="3924386771" sldId="343"/>
+            <ac:picMk id="9" creationId="{616A55DD-7488-4D2B-9C0A-DAD576AAB217}"/>
+          </ac:picMkLst>
+        </pc:picChg>
+      </pc:sldChg>
+      <pc:sldChg chg="addSp delSp modSp add">
+        <pc:chgData name="Fabian Wosar" userId="f59eda9b-2093-4b17-b2e8-c9fbc41c9cab" providerId="ADAL" clId="{D2CBAF8C-0DC0-434D-AC50-CC354D962A53}" dt="2019-11-01T09:33:23.372" v="13142" actId="1076"/>
+        <pc:sldMkLst>
+          <pc:docMk/>
+          <pc:sldMk cId="4092045904" sldId="344"/>
+        </pc:sldMkLst>
+        <pc:spChg chg="mod">
+          <ac:chgData name="Fabian Wosar" userId="f59eda9b-2093-4b17-b2e8-c9fbc41c9cab" providerId="ADAL" clId="{D2CBAF8C-0DC0-434D-AC50-CC354D962A53}" dt="2019-11-01T09:32:19.516" v="13127" actId="20577"/>
+          <ac:spMkLst>
+            <pc:docMk/>
+            <pc:sldMk cId="4092045904" sldId="344"/>
+            <ac:spMk id="2" creationId="{966D7C58-E6A9-491B-AB0A-0B64DC8CA38A}"/>
+          </ac:spMkLst>
+        </pc:spChg>
+        <pc:picChg chg="del">
+          <ac:chgData name="Fabian Wosar" userId="f59eda9b-2093-4b17-b2e8-c9fbc41c9cab" providerId="ADAL" clId="{D2CBAF8C-0DC0-434D-AC50-CC354D962A53}" dt="2019-11-01T09:32:21.466" v="13128" actId="478"/>
+          <ac:picMkLst>
+            <pc:docMk/>
+            <pc:sldMk cId="4092045904" sldId="344"/>
+            <ac:picMk id="7" creationId="{98AB3F6C-732D-480E-A96C-169AC4E1244C}"/>
+          </ac:picMkLst>
+        </pc:picChg>
+        <pc:picChg chg="add mod">
+          <ac:chgData name="Fabian Wosar" userId="f59eda9b-2093-4b17-b2e8-c9fbc41c9cab" providerId="ADAL" clId="{D2CBAF8C-0DC0-434D-AC50-CC354D962A53}" dt="2019-11-01T09:33:06.672" v="13139" actId="1076"/>
+          <ac:picMkLst>
+            <pc:docMk/>
+            <pc:sldMk cId="4092045904" sldId="344"/>
+            <ac:picMk id="8" creationId="{05D54DC8-56F1-43CF-A79B-891CF9C4B679}"/>
+          </ac:picMkLst>
+        </pc:picChg>
+        <pc:picChg chg="del">
+          <ac:chgData name="Fabian Wosar" userId="f59eda9b-2093-4b17-b2e8-c9fbc41c9cab" providerId="ADAL" clId="{D2CBAF8C-0DC0-434D-AC50-CC354D962A53}" dt="2019-11-01T09:32:21.961" v="13129" actId="478"/>
+          <ac:picMkLst>
+            <pc:docMk/>
+            <pc:sldMk cId="4092045904" sldId="344"/>
+            <ac:picMk id="9" creationId="{616A55DD-7488-4D2B-9C0A-DAD576AAB217}"/>
+          </ac:picMkLst>
+        </pc:picChg>
+        <pc:picChg chg="add mod">
+          <ac:chgData name="Fabian Wosar" userId="f59eda9b-2093-4b17-b2e8-c9fbc41c9cab" providerId="ADAL" clId="{D2CBAF8C-0DC0-434D-AC50-CC354D962A53}" dt="2019-11-01T09:33:23.372" v="13142" actId="1076"/>
+          <ac:picMkLst>
+            <pc:docMk/>
+            <pc:sldMk cId="4092045904" sldId="344"/>
+            <ac:picMk id="10" creationId="{1CD533AF-B059-4A83-B806-EC4393BD49EB}"/>
+          </ac:picMkLst>
+        </pc:picChg>
+      </pc:sldChg>
+      <pc:sldChg chg="addSp delSp modSp add">
+        <pc:chgData name="Fabian Wosar" userId="f59eda9b-2093-4b17-b2e8-c9fbc41c9cab" providerId="ADAL" clId="{D2CBAF8C-0DC0-434D-AC50-CC354D962A53}" dt="2019-11-01T09:34:01.183" v="13151" actId="1076"/>
+        <pc:sldMkLst>
+          <pc:docMk/>
+          <pc:sldMk cId="2596367864" sldId="345"/>
+        </pc:sldMkLst>
+        <pc:spChg chg="mod">
+          <ac:chgData name="Fabian Wosar" userId="f59eda9b-2093-4b17-b2e8-c9fbc41c9cab" providerId="ADAL" clId="{D2CBAF8C-0DC0-434D-AC50-CC354D962A53}" dt="2019-11-01T09:33:42.142" v="13148" actId="20577"/>
+          <ac:spMkLst>
+            <pc:docMk/>
+            <pc:sldMk cId="2596367864" sldId="345"/>
+            <ac:spMk id="2" creationId="{966D7C58-E6A9-491B-AB0A-0B64DC8CA38A}"/>
+          </ac:spMkLst>
+        </pc:spChg>
+        <pc:picChg chg="del">
+          <ac:chgData name="Fabian Wosar" userId="f59eda9b-2093-4b17-b2e8-c9fbc41c9cab" providerId="ADAL" clId="{D2CBAF8C-0DC0-434D-AC50-CC354D962A53}" dt="2019-11-01T09:33:45.593" v="13149" actId="478"/>
+          <ac:picMkLst>
+            <pc:docMk/>
+            <pc:sldMk cId="2596367864" sldId="345"/>
+            <ac:picMk id="8" creationId="{05D54DC8-56F1-43CF-A79B-891CF9C4B679}"/>
+          </ac:picMkLst>
+        </pc:picChg>
+        <pc:picChg chg="add mod">
+          <ac:chgData name="Fabian Wosar" userId="f59eda9b-2093-4b17-b2e8-c9fbc41c9cab" providerId="ADAL" clId="{D2CBAF8C-0DC0-434D-AC50-CC354D962A53}" dt="2019-11-01T09:34:01.183" v="13151" actId="1076"/>
+          <ac:picMkLst>
+            <pc:docMk/>
+            <pc:sldMk cId="2596367864" sldId="345"/>
+            <ac:picMk id="9" creationId="{25A2D08C-5E06-4AE9-B34B-10D06C97A9E8}"/>
+          </ac:picMkLst>
+        </pc:picChg>
+        <pc:picChg chg="del">
+          <ac:chgData name="Fabian Wosar" userId="f59eda9b-2093-4b17-b2e8-c9fbc41c9cab" providerId="ADAL" clId="{D2CBAF8C-0DC0-434D-AC50-CC354D962A53}" dt="2019-11-01T09:33:45.593" v="13149" actId="478"/>
+          <ac:picMkLst>
+            <pc:docMk/>
+            <pc:sldMk cId="2596367864" sldId="345"/>
+            <ac:picMk id="10" creationId="{1CD533AF-B059-4A83-B806-EC4393BD49EB}"/>
+          </ac:picMkLst>
+        </pc:picChg>
+      </pc:sldChg>
+      <pc:sldChg chg="addSp delSp modSp add">
+        <pc:chgData name="Fabian Wosar" userId="f59eda9b-2093-4b17-b2e8-c9fbc41c9cab" providerId="ADAL" clId="{D2CBAF8C-0DC0-434D-AC50-CC354D962A53}" dt="2019-11-01T09:34:53.051" v="13155" actId="1076"/>
+        <pc:sldMkLst>
+          <pc:docMk/>
+          <pc:sldMk cId="1175399955" sldId="346"/>
+        </pc:sldMkLst>
+        <pc:picChg chg="add mod">
+          <ac:chgData name="Fabian Wosar" userId="f59eda9b-2093-4b17-b2e8-c9fbc41c9cab" providerId="ADAL" clId="{D2CBAF8C-0DC0-434D-AC50-CC354D962A53}" dt="2019-11-01T09:34:53.051" v="13155" actId="1076"/>
+          <ac:picMkLst>
+            <pc:docMk/>
+            <pc:sldMk cId="1175399955" sldId="346"/>
+            <ac:picMk id="7" creationId="{18FF4D9E-2B7A-4DD3-BB9C-E86A4B671FCE}"/>
+          </ac:picMkLst>
+        </pc:picChg>
+        <pc:picChg chg="del">
+          <ac:chgData name="Fabian Wosar" userId="f59eda9b-2093-4b17-b2e8-c9fbc41c9cab" providerId="ADAL" clId="{D2CBAF8C-0DC0-434D-AC50-CC354D962A53}" dt="2019-11-01T09:34:38.142" v="13153" actId="478"/>
+          <ac:picMkLst>
+            <pc:docMk/>
+            <pc:sldMk cId="1175399955" sldId="346"/>
+            <ac:picMk id="9" creationId="{25A2D08C-5E06-4AE9-B34B-10D06C97A9E8}"/>
+          </ac:picMkLst>
+        </pc:picChg>
+      </pc:sldChg>
+      <pc:sldChg chg="addSp delSp modSp add mod setBg">
+        <pc:chgData name="Fabian Wosar" userId="f59eda9b-2093-4b17-b2e8-c9fbc41c9cab" providerId="ADAL" clId="{D2CBAF8C-0DC0-434D-AC50-CC354D962A53}" dt="2019-11-01T09:36:06.735" v="13169" actId="26606"/>
+        <pc:sldMkLst>
+          <pc:docMk/>
+          <pc:sldMk cId="3674930845" sldId="347"/>
+        </pc:sldMkLst>
+        <pc:spChg chg="mod ord">
+          <ac:chgData name="Fabian Wosar" userId="f59eda9b-2093-4b17-b2e8-c9fbc41c9cab" providerId="ADAL" clId="{D2CBAF8C-0DC0-434D-AC50-CC354D962A53}" dt="2019-11-01T09:36:06.735" v="13169" actId="26606"/>
+          <ac:spMkLst>
+            <pc:docMk/>
+            <pc:sldMk cId="3674930845" sldId="347"/>
+            <ac:spMk id="2" creationId="{966D7C58-E6A9-491B-AB0A-0B64DC8CA38A}"/>
+          </ac:spMkLst>
+        </pc:spChg>
+        <pc:spChg chg="mod">
+          <ac:chgData name="Fabian Wosar" userId="f59eda9b-2093-4b17-b2e8-c9fbc41c9cab" providerId="ADAL" clId="{D2CBAF8C-0DC0-434D-AC50-CC354D962A53}" dt="2019-11-01T09:36:06.735" v="13169" actId="26606"/>
+          <ac:spMkLst>
+            <pc:docMk/>
+            <pc:sldMk cId="3674930845" sldId="347"/>
+            <ac:spMk id="3" creationId="{18915AA8-A8A4-4B05-99EE-CC8B2D7EA426}"/>
+          </ac:spMkLst>
+        </pc:spChg>
+        <pc:spChg chg="add del">
+          <ac:chgData name="Fabian Wosar" userId="f59eda9b-2093-4b17-b2e8-c9fbc41c9cab" providerId="ADAL" clId="{D2CBAF8C-0DC0-434D-AC50-CC354D962A53}" dt="2019-11-01T09:35:49.191" v="13162" actId="26606"/>
+          <ac:spMkLst>
+            <pc:docMk/>
+            <pc:sldMk cId="3674930845" sldId="347"/>
+            <ac:spMk id="15" creationId="{823AC064-BC96-4F32-8AE1-B2FD38754823}"/>
+          </ac:spMkLst>
+        </pc:spChg>
+        <pc:spChg chg="add del">
+          <ac:chgData name="Fabian Wosar" userId="f59eda9b-2093-4b17-b2e8-c9fbc41c9cab" providerId="ADAL" clId="{D2CBAF8C-0DC0-434D-AC50-CC354D962A53}" dt="2019-11-01T09:35:53.733" v="13166" actId="26606"/>
+          <ac:spMkLst>
+            <pc:docMk/>
+            <pc:sldMk cId="3674930845" sldId="347"/>
+            <ac:spMk id="19" creationId="{F0810290-E788-4DE3-B716-DBE58CC6A8EF}"/>
+          </ac:spMkLst>
+        </pc:spChg>
+        <pc:spChg chg="add del">
+          <ac:chgData name="Fabian Wosar" userId="f59eda9b-2093-4b17-b2e8-c9fbc41c9cab" providerId="ADAL" clId="{D2CBAF8C-0DC0-434D-AC50-CC354D962A53}" dt="2019-11-01T09:35:51.457" v="13164" actId="26606"/>
+          <ac:spMkLst>
+            <pc:docMk/>
+            <pc:sldMk cId="3674930845" sldId="347"/>
+            <ac:spMk id="35" creationId="{8CF5712B-BD67-4161-B14B-39305B4145CF}"/>
+          </ac:spMkLst>
+        </pc:spChg>
+        <pc:spChg chg="add del">
+          <ac:chgData name="Fabian Wosar" userId="f59eda9b-2093-4b17-b2e8-c9fbc41c9cab" providerId="ADAL" clId="{D2CBAF8C-0DC0-434D-AC50-CC354D962A53}" dt="2019-11-01T09:35:51.457" v="13164" actId="26606"/>
+          <ac:spMkLst>
+            <pc:docMk/>
+            <pc:sldMk cId="3674930845" sldId="347"/>
+            <ac:spMk id="40" creationId="{092CB381-4D9E-4FF9-8B69-2F3D812EB9ED}"/>
+          </ac:spMkLst>
+        </pc:spChg>
+        <pc:spChg chg="add del">
+          <ac:chgData name="Fabian Wosar" userId="f59eda9b-2093-4b17-b2e8-c9fbc41c9cab" providerId="ADAL" clId="{D2CBAF8C-0DC0-434D-AC50-CC354D962A53}" dt="2019-11-01T09:35:53.733" v="13166" actId="26606"/>
+          <ac:spMkLst>
+            <pc:docMk/>
+            <pc:sldMk cId="3674930845" sldId="347"/>
+            <ac:spMk id="43" creationId="{5434194B-EB56-4062-98C6-CB72F287E3F7}"/>
+          </ac:spMkLst>
+        </pc:spChg>
+        <pc:spChg chg="add del">
+          <ac:chgData name="Fabian Wosar" userId="f59eda9b-2093-4b17-b2e8-c9fbc41c9cab" providerId="ADAL" clId="{D2CBAF8C-0DC0-434D-AC50-CC354D962A53}" dt="2019-11-01T09:35:53.733" v="13166" actId="26606"/>
+          <ac:spMkLst>
+            <pc:docMk/>
+            <pc:sldMk cId="3674930845" sldId="347"/>
+            <ac:spMk id="45" creationId="{B817D9AD-5E85-4E85-AC3E-43E24FA91AA1}"/>
+          </ac:spMkLst>
+        </pc:spChg>
+        <pc:grpChg chg="add del">
+          <ac:chgData name="Fabian Wosar" userId="f59eda9b-2093-4b17-b2e8-c9fbc41c9cab" providerId="ADAL" clId="{D2CBAF8C-0DC0-434D-AC50-CC354D962A53}" dt="2019-11-01T09:35:51.457" v="13164" actId="26606"/>
+          <ac:grpSpMkLst>
+            <pc:docMk/>
+            <pc:sldMk cId="3674930845" sldId="347"/>
+            <ac:grpSpMk id="36" creationId="{34737399-EF40-4483-BDC3-A8E5D463F0A2}"/>
+          </ac:grpSpMkLst>
+        </pc:grpChg>
+        <pc:grpChg chg="add del">
+          <ac:chgData name="Fabian Wosar" userId="f59eda9b-2093-4b17-b2e8-c9fbc41c9cab" providerId="ADAL" clId="{D2CBAF8C-0DC0-434D-AC50-CC354D962A53}" dt="2019-11-01T09:35:51.457" v="13164" actId="26606"/>
+          <ac:grpSpMkLst>
+            <pc:docMk/>
+            <pc:sldMk cId="3674930845" sldId="347"/>
+            <ac:grpSpMk id="39" creationId="{029BEE5B-DF13-4270-850B-9FA09569C317}"/>
+          </ac:grpSpMkLst>
+        </pc:grpChg>
+        <pc:picChg chg="ord">
+          <ac:chgData name="Fabian Wosar" userId="f59eda9b-2093-4b17-b2e8-c9fbc41c9cab" providerId="ADAL" clId="{D2CBAF8C-0DC0-434D-AC50-CC354D962A53}" dt="2019-11-01T09:36:06.735" v="13169" actId="26606"/>
+          <ac:picMkLst>
+            <pc:docMk/>
+            <pc:sldMk cId="3674930845" sldId="347"/>
+            <ac:picMk id="5" creationId="{F434360A-A163-4B55-8A94-E94BE8D0CC19}"/>
+          </ac:picMkLst>
+        </pc:picChg>
+        <pc:picChg chg="mod ord">
+          <ac:chgData name="Fabian Wosar" userId="f59eda9b-2093-4b17-b2e8-c9fbc41c9cab" providerId="ADAL" clId="{D2CBAF8C-0DC0-434D-AC50-CC354D962A53}" dt="2019-11-01T09:36:06.735" v="13169" actId="26606"/>
+          <ac:picMkLst>
+            <pc:docMk/>
+            <pc:sldMk cId="3674930845" sldId="347"/>
+            <ac:picMk id="6" creationId="{9F4AC47D-2668-4D2A-8F59-55B0D90C063A}"/>
+          </ac:picMkLst>
+        </pc:picChg>
+        <pc:picChg chg="del">
+          <ac:chgData name="Fabian Wosar" userId="f59eda9b-2093-4b17-b2e8-c9fbc41c9cab" providerId="ADAL" clId="{D2CBAF8C-0DC0-434D-AC50-CC354D962A53}" dt="2019-11-01T09:35:15.742" v="13157" actId="478"/>
+          <ac:picMkLst>
+            <pc:docMk/>
+            <pc:sldMk cId="3674930845" sldId="347"/>
+            <ac:picMk id="7" creationId="{18FF4D9E-2B7A-4DD3-BB9C-E86A4B671FCE}"/>
+          </ac:picMkLst>
+        </pc:picChg>
+        <pc:picChg chg="add mod">
+          <ac:chgData name="Fabian Wosar" userId="f59eda9b-2093-4b17-b2e8-c9fbc41c9cab" providerId="ADAL" clId="{D2CBAF8C-0DC0-434D-AC50-CC354D962A53}" dt="2019-11-01T09:36:06.735" v="13169" actId="26606"/>
+          <ac:picMkLst>
+            <pc:docMk/>
+            <pc:sldMk cId="3674930845" sldId="347"/>
+            <ac:picMk id="8" creationId="{1CB03D8D-E746-432B-896D-9AB67A13D0B6}"/>
+          </ac:picMkLst>
+        </pc:picChg>
+        <pc:picChg chg="add del">
+          <ac:chgData name="Fabian Wosar" userId="f59eda9b-2093-4b17-b2e8-c9fbc41c9cab" providerId="ADAL" clId="{D2CBAF8C-0DC0-434D-AC50-CC354D962A53}" dt="2019-11-01T09:35:53.733" v="13166" actId="26606"/>
+          <ac:picMkLst>
+            <pc:docMk/>
+            <pc:sldMk cId="3674930845" sldId="347"/>
+            <ac:picMk id="44" creationId="{B3746DB1-35A8-422F-9955-4F8E75DBB077}"/>
+          </ac:picMkLst>
+        </pc:picChg>
+        <pc:cxnChg chg="add del">
+          <ac:chgData name="Fabian Wosar" userId="f59eda9b-2093-4b17-b2e8-c9fbc41c9cab" providerId="ADAL" clId="{D2CBAF8C-0DC0-434D-AC50-CC354D962A53}" dt="2019-11-01T09:35:49.191" v="13162" actId="26606"/>
+          <ac:cxnSpMkLst>
+            <pc:docMk/>
+            <pc:sldMk cId="3674930845" sldId="347"/>
+            <ac:cxnSpMk id="13" creationId="{DB146403-F3D6-484B-B2ED-97F9565D0370}"/>
+          </ac:cxnSpMkLst>
+        </pc:cxnChg>
+        <pc:cxnChg chg="add del">
+          <ac:chgData name="Fabian Wosar" userId="f59eda9b-2093-4b17-b2e8-c9fbc41c9cab" providerId="ADAL" clId="{D2CBAF8C-0DC0-434D-AC50-CC354D962A53}" dt="2019-11-01T09:35:49.191" v="13162" actId="26606"/>
+          <ac:cxnSpMkLst>
+            <pc:docMk/>
+            <pc:sldMk cId="3674930845" sldId="347"/>
+            <ac:cxnSpMk id="17" creationId="{7E7C77BC-7138-40B1-A15B-20F57A494629}"/>
+          </ac:cxnSpMkLst>
+        </pc:cxnChg>
+      </pc:sldChg>
     </pc:docChg>
   </pc:docChgLst>
   <pc:docChgLst>
@@ -1792,7 +2355,7 @@
           <a:p>
             <a:fld id="{32962B98-4F8F-4788-8149-A0D02E350435}" type="datetimeFigureOut">
               <a:rPr lang="en-NZ" smtClean="0"/>
-              <a:t>31/10/2019</a:t>
+              <a:t>1/11/2019</a:t>
             </a:fld>
             <a:endParaRPr lang="en-NZ"/>
           </a:p>
@@ -1962,7 +2525,7 @@
           <a:p>
             <a:fld id="{32962B98-4F8F-4788-8149-A0D02E350435}" type="datetimeFigureOut">
               <a:rPr lang="en-NZ" smtClean="0"/>
-              <a:t>31/10/2019</a:t>
+              <a:t>1/11/2019</a:t>
             </a:fld>
             <a:endParaRPr lang="en-NZ"/>
           </a:p>
@@ -2142,7 +2705,7 @@
           <a:p>
             <a:fld id="{32962B98-4F8F-4788-8149-A0D02E350435}" type="datetimeFigureOut">
               <a:rPr lang="en-NZ" smtClean="0"/>
-              <a:t>31/10/2019</a:t>
+              <a:t>1/11/2019</a:t>
             </a:fld>
             <a:endParaRPr lang="en-NZ"/>
           </a:p>
@@ -2312,7 +2875,7 @@
           <a:p>
             <a:fld id="{32962B98-4F8F-4788-8149-A0D02E350435}" type="datetimeFigureOut">
               <a:rPr lang="en-NZ" smtClean="0"/>
-              <a:t>31/10/2019</a:t>
+              <a:t>1/11/2019</a:t>
             </a:fld>
             <a:endParaRPr lang="en-NZ"/>
           </a:p>
@@ -2558,7 +3121,7 @@
           <a:p>
             <a:fld id="{32962B98-4F8F-4788-8149-A0D02E350435}" type="datetimeFigureOut">
               <a:rPr lang="en-NZ" smtClean="0"/>
-              <a:t>31/10/2019</a:t>
+              <a:t>1/11/2019</a:t>
             </a:fld>
             <a:endParaRPr lang="en-NZ"/>
           </a:p>
@@ -2790,7 +3353,7 @@
           <a:p>
             <a:fld id="{32962B98-4F8F-4788-8149-A0D02E350435}" type="datetimeFigureOut">
               <a:rPr lang="en-NZ" smtClean="0"/>
-              <a:t>31/10/2019</a:t>
+              <a:t>1/11/2019</a:t>
             </a:fld>
             <a:endParaRPr lang="en-NZ"/>
           </a:p>
@@ -3157,7 +3720,7 @@
           <a:p>
             <a:fld id="{32962B98-4F8F-4788-8149-A0D02E350435}" type="datetimeFigureOut">
               <a:rPr lang="en-NZ" smtClean="0"/>
-              <a:t>31/10/2019</a:t>
+              <a:t>1/11/2019</a:t>
             </a:fld>
             <a:endParaRPr lang="en-NZ"/>
           </a:p>
@@ -3275,7 +3838,7 @@
           <a:p>
             <a:fld id="{32962B98-4F8F-4788-8149-A0D02E350435}" type="datetimeFigureOut">
               <a:rPr lang="en-NZ" smtClean="0"/>
-              <a:t>31/10/2019</a:t>
+              <a:t>1/11/2019</a:t>
             </a:fld>
             <a:endParaRPr lang="en-NZ"/>
           </a:p>
@@ -3370,7 +3933,7 @@
           <a:p>
             <a:fld id="{32962B98-4F8F-4788-8149-A0D02E350435}" type="datetimeFigureOut">
               <a:rPr lang="en-NZ" smtClean="0"/>
-              <a:t>31/10/2019</a:t>
+              <a:t>1/11/2019</a:t>
             </a:fld>
             <a:endParaRPr lang="en-NZ"/>
           </a:p>
@@ -3647,7 +4210,7 @@
           <a:p>
             <a:fld id="{32962B98-4F8F-4788-8149-A0D02E350435}" type="datetimeFigureOut">
               <a:rPr lang="en-NZ" smtClean="0"/>
-              <a:t>31/10/2019</a:t>
+              <a:t>1/11/2019</a:t>
             </a:fld>
             <a:endParaRPr lang="en-NZ"/>
           </a:p>
@@ -3904,7 +4467,7 @@
           <a:p>
             <a:fld id="{32962B98-4F8F-4788-8149-A0D02E350435}" type="datetimeFigureOut">
               <a:rPr lang="en-NZ" smtClean="0"/>
-              <a:t>31/10/2019</a:t>
+              <a:t>1/11/2019</a:t>
             </a:fld>
             <a:endParaRPr lang="en-NZ"/>
           </a:p>
@@ -4117,7 +4680,7 @@
           <a:p>
             <a:fld id="{32962B98-4F8F-4788-8149-A0D02E350435}" type="datetimeFigureOut">
               <a:rPr lang="en-NZ" smtClean="0"/>
-              <a:t>31/10/2019</a:t>
+              <a:t>1/11/2019</a:t>
             </a:fld>
             <a:endParaRPr lang="en-NZ"/>
           </a:p>
@@ -25186,6 +25749,859 @@
 </p:sld>
 </file>
 
+<file path=ppt/slides/slide38.xml><?xml version="1.0" encoding="utf-8"?>
+<p:sld xmlns:a="http://schemas.openxmlformats.org/drawingml/2006/main" xmlns:r="http://schemas.openxmlformats.org/officeDocument/2006/relationships" xmlns:p="http://schemas.openxmlformats.org/presentationml/2006/main">
+  <p:cSld>
+    <p:spTree>
+      <p:nvGrpSpPr>
+        <p:cNvPr id="1" name=""/>
+        <p:cNvGrpSpPr/>
+        <p:nvPr/>
+      </p:nvGrpSpPr>
+      <p:grpSpPr>
+        <a:xfrm>
+          <a:off x="0" y="0"/>
+          <a:ext cx="0" cy="0"/>
+          <a:chOff x="0" y="0"/>
+          <a:chExt cx="0" cy="0"/>
+        </a:xfrm>
+      </p:grpSpPr>
+      <p:sp>
+        <p:nvSpPr>
+          <p:cNvPr id="2" name="Title 1">
+            <a:extLst>
+              <a:ext uri="{FF2B5EF4-FFF2-40B4-BE49-F238E27FC236}">
+                <a16:creationId xmlns:a16="http://schemas.microsoft.com/office/drawing/2014/main" id="{966D7C58-E6A9-491B-AB0A-0B64DC8CA38A}"/>
+              </a:ext>
+            </a:extLst>
+          </p:cNvPr>
+          <p:cNvSpPr>
+            <a:spLocks noGrp="1"/>
+          </p:cNvSpPr>
+          <p:nvPr>
+            <p:ph type="ctrTitle"/>
+          </p:nvPr>
+        </p:nvSpPr>
+        <p:spPr>
+          <a:xfrm>
+            <a:off x="425319" y="231248"/>
+            <a:ext cx="11487048" cy="699189"/>
+          </a:xfrm>
+        </p:spPr>
+        <p:txBody>
+          <a:bodyPr>
+            <a:normAutofit/>
+          </a:bodyPr>
+          <a:lstStyle/>
+          <a:p>
+            <a:pPr algn="l"/>
+            <a:r>
+              <a:rPr lang="en-GB" sz="4000" dirty="0" err="1">
+                <a:solidFill>
+                  <a:srgbClr val="2A89C6"/>
+                </a:solidFill>
+                <a:latin typeface="DINPro-CondBold" panose="020B0806020101010102" pitchFamily="34" charset="0"/>
+                <a:cs typeface="DINPro-CondBold" panose="020B0806020101010102" pitchFamily="34" charset="0"/>
+              </a:rPr>
+              <a:t>Nemucod</a:t>
+            </a:r>
+            <a:r>
+              <a:rPr lang="en-GB" sz="4000" dirty="0">
+                <a:solidFill>
+                  <a:srgbClr val="2A89C6"/>
+                </a:solidFill>
+                <a:latin typeface="DINPro-CondBold" panose="020B0806020101010102" pitchFamily="34" charset="0"/>
+                <a:cs typeface="DINPro-CondBold" panose="020B0806020101010102" pitchFamily="34" charset="0"/>
+              </a:rPr>
+              <a:t> v1</a:t>
+            </a:r>
+          </a:p>
+        </p:txBody>
+      </p:sp>
+      <p:sp>
+        <p:nvSpPr>
+          <p:cNvPr id="3" name="Subtitle 2">
+            <a:extLst>
+              <a:ext uri="{FF2B5EF4-FFF2-40B4-BE49-F238E27FC236}">
+                <a16:creationId xmlns:a16="http://schemas.microsoft.com/office/drawing/2014/main" id="{18915AA8-A8A4-4B05-99EE-CC8B2D7EA426}"/>
+              </a:ext>
+            </a:extLst>
+          </p:cNvPr>
+          <p:cNvSpPr>
+            <a:spLocks noGrp="1"/>
+          </p:cNvSpPr>
+          <p:nvPr>
+            <p:ph type="subTitle" idx="1"/>
+          </p:nvPr>
+        </p:nvSpPr>
+        <p:spPr>
+          <a:xfrm>
+            <a:off x="425319" y="6431243"/>
+            <a:ext cx="2259435" cy="321896"/>
+          </a:xfrm>
+        </p:spPr>
+        <p:txBody>
+          <a:bodyPr>
+            <a:normAutofit/>
+          </a:bodyPr>
+          <a:lstStyle/>
+          <a:p>
+            <a:pPr algn="l"/>
+            <a:r>
+              <a:rPr lang="en-NZ" sz="1600" dirty="0">
+                <a:solidFill>
+                  <a:srgbClr val="6E7B80"/>
+                </a:solidFill>
+              </a:rPr>
+              <a:t>www.emsisoft.com</a:t>
+            </a:r>
+          </a:p>
+        </p:txBody>
+      </p:sp>
+      <p:pic>
+        <p:nvPicPr>
+          <p:cNvPr id="5" name="Picture 4">
+            <a:extLst>
+              <a:ext uri="{FF2B5EF4-FFF2-40B4-BE49-F238E27FC236}">
+                <a16:creationId xmlns:a16="http://schemas.microsoft.com/office/drawing/2014/main" id="{F434360A-A163-4B55-8A94-E94BE8D0CC19}"/>
+              </a:ext>
+            </a:extLst>
+          </p:cNvPr>
+          <p:cNvPicPr>
+            <a:picLocks noChangeAspect="1"/>
+          </p:cNvPicPr>
+          <p:nvPr/>
+        </p:nvPicPr>
+        <p:blipFill>
+          <a:blip r:embed="rId2">
+            <a:extLst>
+              <a:ext uri="{28A0092B-C50C-407E-A947-70E740481C1C}">
+                <a14:useLocalDpi xmlns:a14="http://schemas.microsoft.com/office/drawing/2010/main" val="0"/>
+              </a:ext>
+            </a:extLst>
+          </a:blip>
+          <a:stretch>
+            <a:fillRect/>
+          </a:stretch>
+        </p:blipFill>
+        <p:spPr>
+          <a:xfrm>
+            <a:off x="10846965" y="6499338"/>
+            <a:ext cx="919716" cy="194191"/>
+          </a:xfrm>
+          <a:prstGeom prst="rect">
+            <a:avLst/>
+          </a:prstGeom>
+        </p:spPr>
+      </p:pic>
+      <p:pic>
+        <p:nvPicPr>
+          <p:cNvPr id="6" name="Picture 5">
+            <a:extLst>
+              <a:ext uri="{FF2B5EF4-FFF2-40B4-BE49-F238E27FC236}">
+                <a16:creationId xmlns:a16="http://schemas.microsoft.com/office/drawing/2014/main" id="{9F4AC47D-2668-4D2A-8F59-55B0D90C063A}"/>
+              </a:ext>
+            </a:extLst>
+          </p:cNvPr>
+          <p:cNvPicPr>
+            <a:picLocks noChangeAspect="1"/>
+          </p:cNvPicPr>
+          <p:nvPr/>
+        </p:nvPicPr>
+        <p:blipFill>
+          <a:blip r:embed="rId3">
+            <a:extLst>
+              <a:ext uri="{28A0092B-C50C-407E-A947-70E740481C1C}">
+                <a14:useLocalDpi xmlns:a14="http://schemas.microsoft.com/office/drawing/2010/main" val="0"/>
+              </a:ext>
+            </a:extLst>
+          </a:blip>
+          <a:stretch>
+            <a:fillRect/>
+          </a:stretch>
+        </p:blipFill>
+        <p:spPr>
+          <a:xfrm>
+            <a:off x="0" y="980771"/>
+            <a:ext cx="12192000" cy="50034"/>
+          </a:xfrm>
+          <a:prstGeom prst="rect">
+            <a:avLst/>
+          </a:prstGeom>
+        </p:spPr>
+      </p:pic>
+      <p:sp>
+        <p:nvSpPr>
+          <p:cNvPr id="13" name="Subtitle 2">
+            <a:extLst>
+              <a:ext uri="{FF2B5EF4-FFF2-40B4-BE49-F238E27FC236}">
+                <a16:creationId xmlns:a16="http://schemas.microsoft.com/office/drawing/2014/main" id="{8977D6E2-FE11-45C0-94B7-FC44C4DF928D}"/>
+              </a:ext>
+            </a:extLst>
+          </p:cNvPr>
+          <p:cNvSpPr txBox="1">
+            <a:spLocks/>
+          </p:cNvSpPr>
+          <p:nvPr/>
+        </p:nvSpPr>
+        <p:spPr>
+          <a:xfrm>
+            <a:off x="897622" y="1704914"/>
+            <a:ext cx="10352016" cy="4046957"/>
+          </a:xfrm>
+          <a:prstGeom prst="rect">
+            <a:avLst/>
+          </a:prstGeom>
+        </p:spPr>
+        <p:txBody>
+          <a:bodyPr vert="horz" lIns="91440" tIns="45720" rIns="91440" bIns="45720" rtlCol="0">
+            <a:normAutofit/>
+          </a:bodyPr>
+          <a:lstStyle>
+            <a:lvl1pPr marL="0" indent="0" algn="ctr" defTabSz="914400" rtl="0" eaLnBrk="1" latinLnBrk="0" hangingPunct="1">
+              <a:lnSpc>
+                <a:spcPct val="90000"/>
+              </a:lnSpc>
+              <a:spcBef>
+                <a:spcPts val="1000"/>
+              </a:spcBef>
+              <a:buFont typeface="Arial" panose="020B0604020202020204" pitchFamily="34" charset="0"/>
+              <a:buNone/>
+              <a:defRPr sz="2400" kern="1200">
+                <a:solidFill>
+                  <a:schemeClr val="tx1"/>
+                </a:solidFill>
+                <a:latin typeface="+mn-lt"/>
+                <a:ea typeface="+mn-ea"/>
+                <a:cs typeface="+mn-cs"/>
+              </a:defRPr>
+            </a:lvl1pPr>
+            <a:lvl2pPr marL="457200" indent="0" algn="ctr" defTabSz="914400" rtl="0" eaLnBrk="1" latinLnBrk="0" hangingPunct="1">
+              <a:lnSpc>
+                <a:spcPct val="90000"/>
+              </a:lnSpc>
+              <a:spcBef>
+                <a:spcPts val="500"/>
+              </a:spcBef>
+              <a:buFont typeface="Arial" panose="020B0604020202020204" pitchFamily="34" charset="0"/>
+              <a:buNone/>
+              <a:defRPr sz="2000" kern="1200">
+                <a:solidFill>
+                  <a:schemeClr val="tx1"/>
+                </a:solidFill>
+                <a:latin typeface="+mn-lt"/>
+                <a:ea typeface="+mn-ea"/>
+                <a:cs typeface="+mn-cs"/>
+              </a:defRPr>
+            </a:lvl2pPr>
+            <a:lvl3pPr marL="914400" indent="0" algn="ctr" defTabSz="914400" rtl="0" eaLnBrk="1" latinLnBrk="0" hangingPunct="1">
+              <a:lnSpc>
+                <a:spcPct val="90000"/>
+              </a:lnSpc>
+              <a:spcBef>
+                <a:spcPts val="500"/>
+              </a:spcBef>
+              <a:buFont typeface="Arial" panose="020B0604020202020204" pitchFamily="34" charset="0"/>
+              <a:buNone/>
+              <a:defRPr sz="1800" kern="1200">
+                <a:solidFill>
+                  <a:schemeClr val="tx1"/>
+                </a:solidFill>
+                <a:latin typeface="+mn-lt"/>
+                <a:ea typeface="+mn-ea"/>
+                <a:cs typeface="+mn-cs"/>
+              </a:defRPr>
+            </a:lvl3pPr>
+            <a:lvl4pPr marL="1371600" indent="0" algn="ctr" defTabSz="914400" rtl="0" eaLnBrk="1" latinLnBrk="0" hangingPunct="1">
+              <a:lnSpc>
+                <a:spcPct val="90000"/>
+              </a:lnSpc>
+              <a:spcBef>
+                <a:spcPts val="500"/>
+              </a:spcBef>
+              <a:buFont typeface="Arial" panose="020B0604020202020204" pitchFamily="34" charset="0"/>
+              <a:buNone/>
+              <a:defRPr sz="1600" kern="1200">
+                <a:solidFill>
+                  <a:schemeClr val="tx1"/>
+                </a:solidFill>
+                <a:latin typeface="+mn-lt"/>
+                <a:ea typeface="+mn-ea"/>
+                <a:cs typeface="+mn-cs"/>
+              </a:defRPr>
+            </a:lvl4pPr>
+            <a:lvl5pPr marL="1828800" indent="0" algn="ctr" defTabSz="914400" rtl="0" eaLnBrk="1" latinLnBrk="0" hangingPunct="1">
+              <a:lnSpc>
+                <a:spcPct val="90000"/>
+              </a:lnSpc>
+              <a:spcBef>
+                <a:spcPts val="500"/>
+              </a:spcBef>
+              <a:buFont typeface="Arial" panose="020B0604020202020204" pitchFamily="34" charset="0"/>
+              <a:buNone/>
+              <a:defRPr sz="1600" kern="1200">
+                <a:solidFill>
+                  <a:schemeClr val="tx1"/>
+                </a:solidFill>
+                <a:latin typeface="+mn-lt"/>
+                <a:ea typeface="+mn-ea"/>
+                <a:cs typeface="+mn-cs"/>
+              </a:defRPr>
+            </a:lvl5pPr>
+            <a:lvl6pPr marL="2286000" indent="0" algn="ctr" defTabSz="914400" rtl="0" eaLnBrk="1" latinLnBrk="0" hangingPunct="1">
+              <a:lnSpc>
+                <a:spcPct val="90000"/>
+              </a:lnSpc>
+              <a:spcBef>
+                <a:spcPts val="500"/>
+              </a:spcBef>
+              <a:buFont typeface="Arial" panose="020B0604020202020204" pitchFamily="34" charset="0"/>
+              <a:buNone/>
+              <a:defRPr sz="1600" kern="1200">
+                <a:solidFill>
+                  <a:schemeClr val="tx1"/>
+                </a:solidFill>
+                <a:latin typeface="+mn-lt"/>
+                <a:ea typeface="+mn-ea"/>
+                <a:cs typeface="+mn-cs"/>
+              </a:defRPr>
+            </a:lvl6pPr>
+            <a:lvl7pPr marL="2743200" indent="0" algn="ctr" defTabSz="914400" rtl="0" eaLnBrk="1" latinLnBrk="0" hangingPunct="1">
+              <a:lnSpc>
+                <a:spcPct val="90000"/>
+              </a:lnSpc>
+              <a:spcBef>
+                <a:spcPts val="500"/>
+              </a:spcBef>
+              <a:buFont typeface="Arial" panose="020B0604020202020204" pitchFamily="34" charset="0"/>
+              <a:buNone/>
+              <a:defRPr sz="1600" kern="1200">
+                <a:solidFill>
+                  <a:schemeClr val="tx1"/>
+                </a:solidFill>
+                <a:latin typeface="+mn-lt"/>
+                <a:ea typeface="+mn-ea"/>
+                <a:cs typeface="+mn-cs"/>
+              </a:defRPr>
+            </a:lvl7pPr>
+            <a:lvl8pPr marL="3200400" indent="0" algn="ctr" defTabSz="914400" rtl="0" eaLnBrk="1" latinLnBrk="0" hangingPunct="1">
+              <a:lnSpc>
+                <a:spcPct val="90000"/>
+              </a:lnSpc>
+              <a:spcBef>
+                <a:spcPts val="500"/>
+              </a:spcBef>
+              <a:buFont typeface="Arial" panose="020B0604020202020204" pitchFamily="34" charset="0"/>
+              <a:buNone/>
+              <a:defRPr sz="1600" kern="1200">
+                <a:solidFill>
+                  <a:schemeClr val="tx1"/>
+                </a:solidFill>
+                <a:latin typeface="+mn-lt"/>
+                <a:ea typeface="+mn-ea"/>
+                <a:cs typeface="+mn-cs"/>
+              </a:defRPr>
+            </a:lvl8pPr>
+            <a:lvl9pPr marL="3657600" indent="0" algn="ctr" defTabSz="914400" rtl="0" eaLnBrk="1" latinLnBrk="0" hangingPunct="1">
+              <a:lnSpc>
+                <a:spcPct val="90000"/>
+              </a:lnSpc>
+              <a:spcBef>
+                <a:spcPts val="500"/>
+              </a:spcBef>
+              <a:buFont typeface="Arial" panose="020B0604020202020204" pitchFamily="34" charset="0"/>
+              <a:buNone/>
+              <a:defRPr sz="1600" kern="1200">
+                <a:solidFill>
+                  <a:schemeClr val="tx1"/>
+                </a:solidFill>
+                <a:latin typeface="+mn-lt"/>
+                <a:ea typeface="+mn-ea"/>
+                <a:cs typeface="+mn-cs"/>
+              </a:defRPr>
+            </a:lvl9pPr>
+          </a:lstStyle>
+          <a:p>
+            <a:pPr marL="285750" indent="-285750" algn="l">
+              <a:buFont typeface="Arial" panose="020B0604020202020204" pitchFamily="34" charset="0"/>
+              <a:buChar char="•"/>
+            </a:pPr>
+            <a:endParaRPr lang="en-NZ" sz="2000" dirty="0">
+              <a:solidFill>
+                <a:srgbClr val="6E7B80"/>
+              </a:solidFill>
+            </a:endParaRPr>
+          </a:p>
+        </p:txBody>
+      </p:sp>
+      <p:pic>
+        <p:nvPicPr>
+          <p:cNvPr id="12" name="Picture 11">
+            <a:extLst>
+              <a:ext uri="{FF2B5EF4-FFF2-40B4-BE49-F238E27FC236}">
+                <a16:creationId xmlns:a16="http://schemas.microsoft.com/office/drawing/2014/main" id="{CCCE9A16-69CC-4A41-B1C9-3C5582CE257D}"/>
+              </a:ext>
+            </a:extLst>
+          </p:cNvPr>
+          <p:cNvPicPr>
+            <a:picLocks noChangeAspect="1"/>
+          </p:cNvPicPr>
+          <p:nvPr/>
+        </p:nvPicPr>
+        <p:blipFill>
+          <a:blip r:embed="rId4"/>
+          <a:stretch>
+            <a:fillRect/>
+          </a:stretch>
+        </p:blipFill>
+        <p:spPr>
+          <a:xfrm>
+            <a:off x="2566987" y="3728392"/>
+            <a:ext cx="7058025" cy="342900"/>
+          </a:xfrm>
+          <a:prstGeom prst="rect">
+            <a:avLst/>
+          </a:prstGeom>
+        </p:spPr>
+      </p:pic>
+    </p:spTree>
+    <p:extLst>
+      <p:ext uri="{BB962C8B-B14F-4D97-AF65-F5344CB8AC3E}">
+        <p14:creationId xmlns:p14="http://schemas.microsoft.com/office/powerpoint/2010/main" val="211549608"/>
+      </p:ext>
+    </p:extLst>
+  </p:cSld>
+  <p:clrMapOvr>
+    <a:masterClrMapping/>
+  </p:clrMapOvr>
+</p:sld>
+</file>
+
+<file path=ppt/slides/slide39.xml><?xml version="1.0" encoding="utf-8"?>
+<p:sld xmlns:a="http://schemas.openxmlformats.org/drawingml/2006/main" xmlns:r="http://schemas.openxmlformats.org/officeDocument/2006/relationships" xmlns:p="http://schemas.openxmlformats.org/presentationml/2006/main">
+  <p:cSld>
+    <p:spTree>
+      <p:nvGrpSpPr>
+        <p:cNvPr id="1" name=""/>
+        <p:cNvGrpSpPr/>
+        <p:nvPr/>
+      </p:nvGrpSpPr>
+      <p:grpSpPr>
+        <a:xfrm>
+          <a:off x="0" y="0"/>
+          <a:ext cx="0" cy="0"/>
+          <a:chOff x="0" y="0"/>
+          <a:chExt cx="0" cy="0"/>
+        </a:xfrm>
+      </p:grpSpPr>
+      <p:sp>
+        <p:nvSpPr>
+          <p:cNvPr id="2" name="Title 1">
+            <a:extLst>
+              <a:ext uri="{FF2B5EF4-FFF2-40B4-BE49-F238E27FC236}">
+                <a16:creationId xmlns:a16="http://schemas.microsoft.com/office/drawing/2014/main" id="{966D7C58-E6A9-491B-AB0A-0B64DC8CA38A}"/>
+              </a:ext>
+            </a:extLst>
+          </p:cNvPr>
+          <p:cNvSpPr>
+            <a:spLocks noGrp="1"/>
+          </p:cNvSpPr>
+          <p:nvPr>
+            <p:ph type="ctrTitle"/>
+          </p:nvPr>
+        </p:nvSpPr>
+        <p:spPr>
+          <a:xfrm>
+            <a:off x="425319" y="231248"/>
+            <a:ext cx="11487048" cy="699189"/>
+          </a:xfrm>
+        </p:spPr>
+        <p:txBody>
+          <a:bodyPr>
+            <a:normAutofit/>
+          </a:bodyPr>
+          <a:lstStyle/>
+          <a:p>
+            <a:pPr algn="l"/>
+            <a:r>
+              <a:rPr lang="en-GB" sz="4000" dirty="0" err="1">
+                <a:solidFill>
+                  <a:srgbClr val="2A89C6"/>
+                </a:solidFill>
+                <a:latin typeface="DINPro-CondBold" panose="020B0806020101010102" pitchFamily="34" charset="0"/>
+                <a:cs typeface="DINPro-CondBold" panose="020B0806020101010102" pitchFamily="34" charset="0"/>
+              </a:rPr>
+              <a:t>CryptConsole</a:t>
+            </a:r>
+            <a:endParaRPr lang="en-GB" sz="4000" dirty="0">
+              <a:solidFill>
+                <a:srgbClr val="2A89C6"/>
+              </a:solidFill>
+              <a:latin typeface="DINPro-CondBold" panose="020B0806020101010102" pitchFamily="34" charset="0"/>
+              <a:cs typeface="DINPro-CondBold" panose="020B0806020101010102" pitchFamily="34" charset="0"/>
+            </a:endParaRPr>
+          </a:p>
+        </p:txBody>
+      </p:sp>
+      <p:sp>
+        <p:nvSpPr>
+          <p:cNvPr id="3" name="Subtitle 2">
+            <a:extLst>
+              <a:ext uri="{FF2B5EF4-FFF2-40B4-BE49-F238E27FC236}">
+                <a16:creationId xmlns:a16="http://schemas.microsoft.com/office/drawing/2014/main" id="{18915AA8-A8A4-4B05-99EE-CC8B2D7EA426}"/>
+              </a:ext>
+            </a:extLst>
+          </p:cNvPr>
+          <p:cNvSpPr>
+            <a:spLocks noGrp="1"/>
+          </p:cNvSpPr>
+          <p:nvPr>
+            <p:ph type="subTitle" idx="1"/>
+          </p:nvPr>
+        </p:nvSpPr>
+        <p:spPr>
+          <a:xfrm>
+            <a:off x="425319" y="6431243"/>
+            <a:ext cx="2259435" cy="321896"/>
+          </a:xfrm>
+        </p:spPr>
+        <p:txBody>
+          <a:bodyPr>
+            <a:normAutofit/>
+          </a:bodyPr>
+          <a:lstStyle/>
+          <a:p>
+            <a:pPr algn="l"/>
+            <a:r>
+              <a:rPr lang="en-NZ" sz="1600" dirty="0">
+                <a:solidFill>
+                  <a:srgbClr val="6E7B80"/>
+                </a:solidFill>
+              </a:rPr>
+              <a:t>www.emsisoft.com</a:t>
+            </a:r>
+          </a:p>
+        </p:txBody>
+      </p:sp>
+      <p:pic>
+        <p:nvPicPr>
+          <p:cNvPr id="5" name="Picture 4">
+            <a:extLst>
+              <a:ext uri="{FF2B5EF4-FFF2-40B4-BE49-F238E27FC236}">
+                <a16:creationId xmlns:a16="http://schemas.microsoft.com/office/drawing/2014/main" id="{F434360A-A163-4B55-8A94-E94BE8D0CC19}"/>
+              </a:ext>
+            </a:extLst>
+          </p:cNvPr>
+          <p:cNvPicPr>
+            <a:picLocks noChangeAspect="1"/>
+          </p:cNvPicPr>
+          <p:nvPr/>
+        </p:nvPicPr>
+        <p:blipFill>
+          <a:blip r:embed="rId2">
+            <a:extLst>
+              <a:ext uri="{28A0092B-C50C-407E-A947-70E740481C1C}">
+                <a14:useLocalDpi xmlns:a14="http://schemas.microsoft.com/office/drawing/2010/main" val="0"/>
+              </a:ext>
+            </a:extLst>
+          </a:blip>
+          <a:stretch>
+            <a:fillRect/>
+          </a:stretch>
+        </p:blipFill>
+        <p:spPr>
+          <a:xfrm>
+            <a:off x="10846965" y="6499338"/>
+            <a:ext cx="919716" cy="194191"/>
+          </a:xfrm>
+          <a:prstGeom prst="rect">
+            <a:avLst/>
+          </a:prstGeom>
+        </p:spPr>
+      </p:pic>
+      <p:pic>
+        <p:nvPicPr>
+          <p:cNvPr id="6" name="Picture 5">
+            <a:extLst>
+              <a:ext uri="{FF2B5EF4-FFF2-40B4-BE49-F238E27FC236}">
+                <a16:creationId xmlns:a16="http://schemas.microsoft.com/office/drawing/2014/main" id="{9F4AC47D-2668-4D2A-8F59-55B0D90C063A}"/>
+              </a:ext>
+            </a:extLst>
+          </p:cNvPr>
+          <p:cNvPicPr>
+            <a:picLocks noChangeAspect="1"/>
+          </p:cNvPicPr>
+          <p:nvPr/>
+        </p:nvPicPr>
+        <p:blipFill>
+          <a:blip r:embed="rId3">
+            <a:extLst>
+              <a:ext uri="{28A0092B-C50C-407E-A947-70E740481C1C}">
+                <a14:useLocalDpi xmlns:a14="http://schemas.microsoft.com/office/drawing/2010/main" val="0"/>
+              </a:ext>
+            </a:extLst>
+          </a:blip>
+          <a:stretch>
+            <a:fillRect/>
+          </a:stretch>
+        </p:blipFill>
+        <p:spPr>
+          <a:xfrm>
+            <a:off x="0" y="980771"/>
+            <a:ext cx="12192000" cy="50034"/>
+          </a:xfrm>
+          <a:prstGeom prst="rect">
+            <a:avLst/>
+          </a:prstGeom>
+        </p:spPr>
+      </p:pic>
+      <p:sp>
+        <p:nvSpPr>
+          <p:cNvPr id="13" name="Subtitle 2">
+            <a:extLst>
+              <a:ext uri="{FF2B5EF4-FFF2-40B4-BE49-F238E27FC236}">
+                <a16:creationId xmlns:a16="http://schemas.microsoft.com/office/drawing/2014/main" id="{8977D6E2-FE11-45C0-94B7-FC44C4DF928D}"/>
+              </a:ext>
+            </a:extLst>
+          </p:cNvPr>
+          <p:cNvSpPr txBox="1">
+            <a:spLocks/>
+          </p:cNvSpPr>
+          <p:nvPr/>
+        </p:nvSpPr>
+        <p:spPr>
+          <a:xfrm>
+            <a:off x="897622" y="1704914"/>
+            <a:ext cx="10352016" cy="4046957"/>
+          </a:xfrm>
+          <a:prstGeom prst="rect">
+            <a:avLst/>
+          </a:prstGeom>
+        </p:spPr>
+        <p:txBody>
+          <a:bodyPr vert="horz" lIns="91440" tIns="45720" rIns="91440" bIns="45720" rtlCol="0">
+            <a:normAutofit/>
+          </a:bodyPr>
+          <a:lstStyle>
+            <a:lvl1pPr marL="0" indent="0" algn="ctr" defTabSz="914400" rtl="0" eaLnBrk="1" latinLnBrk="0" hangingPunct="1">
+              <a:lnSpc>
+                <a:spcPct val="90000"/>
+              </a:lnSpc>
+              <a:spcBef>
+                <a:spcPts val="1000"/>
+              </a:spcBef>
+              <a:buFont typeface="Arial" panose="020B0604020202020204" pitchFamily="34" charset="0"/>
+              <a:buNone/>
+              <a:defRPr sz="2400" kern="1200">
+                <a:solidFill>
+                  <a:schemeClr val="tx1"/>
+                </a:solidFill>
+                <a:latin typeface="+mn-lt"/>
+                <a:ea typeface="+mn-ea"/>
+                <a:cs typeface="+mn-cs"/>
+              </a:defRPr>
+            </a:lvl1pPr>
+            <a:lvl2pPr marL="457200" indent="0" algn="ctr" defTabSz="914400" rtl="0" eaLnBrk="1" latinLnBrk="0" hangingPunct="1">
+              <a:lnSpc>
+                <a:spcPct val="90000"/>
+              </a:lnSpc>
+              <a:spcBef>
+                <a:spcPts val="500"/>
+              </a:spcBef>
+              <a:buFont typeface="Arial" panose="020B0604020202020204" pitchFamily="34" charset="0"/>
+              <a:buNone/>
+              <a:defRPr sz="2000" kern="1200">
+                <a:solidFill>
+                  <a:schemeClr val="tx1"/>
+                </a:solidFill>
+                <a:latin typeface="+mn-lt"/>
+                <a:ea typeface="+mn-ea"/>
+                <a:cs typeface="+mn-cs"/>
+              </a:defRPr>
+            </a:lvl2pPr>
+            <a:lvl3pPr marL="914400" indent="0" algn="ctr" defTabSz="914400" rtl="0" eaLnBrk="1" latinLnBrk="0" hangingPunct="1">
+              <a:lnSpc>
+                <a:spcPct val="90000"/>
+              </a:lnSpc>
+              <a:spcBef>
+                <a:spcPts val="500"/>
+              </a:spcBef>
+              <a:buFont typeface="Arial" panose="020B0604020202020204" pitchFamily="34" charset="0"/>
+              <a:buNone/>
+              <a:defRPr sz="1800" kern="1200">
+                <a:solidFill>
+                  <a:schemeClr val="tx1"/>
+                </a:solidFill>
+                <a:latin typeface="+mn-lt"/>
+                <a:ea typeface="+mn-ea"/>
+                <a:cs typeface="+mn-cs"/>
+              </a:defRPr>
+            </a:lvl3pPr>
+            <a:lvl4pPr marL="1371600" indent="0" algn="ctr" defTabSz="914400" rtl="0" eaLnBrk="1" latinLnBrk="0" hangingPunct="1">
+              <a:lnSpc>
+                <a:spcPct val="90000"/>
+              </a:lnSpc>
+              <a:spcBef>
+                <a:spcPts val="500"/>
+              </a:spcBef>
+              <a:buFont typeface="Arial" panose="020B0604020202020204" pitchFamily="34" charset="0"/>
+              <a:buNone/>
+              <a:defRPr sz="1600" kern="1200">
+                <a:solidFill>
+                  <a:schemeClr val="tx1"/>
+                </a:solidFill>
+                <a:latin typeface="+mn-lt"/>
+                <a:ea typeface="+mn-ea"/>
+                <a:cs typeface="+mn-cs"/>
+              </a:defRPr>
+            </a:lvl4pPr>
+            <a:lvl5pPr marL="1828800" indent="0" algn="ctr" defTabSz="914400" rtl="0" eaLnBrk="1" latinLnBrk="0" hangingPunct="1">
+              <a:lnSpc>
+                <a:spcPct val="90000"/>
+              </a:lnSpc>
+              <a:spcBef>
+                <a:spcPts val="500"/>
+              </a:spcBef>
+              <a:buFont typeface="Arial" panose="020B0604020202020204" pitchFamily="34" charset="0"/>
+              <a:buNone/>
+              <a:defRPr sz="1600" kern="1200">
+                <a:solidFill>
+                  <a:schemeClr val="tx1"/>
+                </a:solidFill>
+                <a:latin typeface="+mn-lt"/>
+                <a:ea typeface="+mn-ea"/>
+                <a:cs typeface="+mn-cs"/>
+              </a:defRPr>
+            </a:lvl5pPr>
+            <a:lvl6pPr marL="2286000" indent="0" algn="ctr" defTabSz="914400" rtl="0" eaLnBrk="1" latinLnBrk="0" hangingPunct="1">
+              <a:lnSpc>
+                <a:spcPct val="90000"/>
+              </a:lnSpc>
+              <a:spcBef>
+                <a:spcPts val="500"/>
+              </a:spcBef>
+              <a:buFont typeface="Arial" panose="020B0604020202020204" pitchFamily="34" charset="0"/>
+              <a:buNone/>
+              <a:defRPr sz="1600" kern="1200">
+                <a:solidFill>
+                  <a:schemeClr val="tx1"/>
+                </a:solidFill>
+                <a:latin typeface="+mn-lt"/>
+                <a:ea typeface="+mn-ea"/>
+                <a:cs typeface="+mn-cs"/>
+              </a:defRPr>
+            </a:lvl6pPr>
+            <a:lvl7pPr marL="2743200" indent="0" algn="ctr" defTabSz="914400" rtl="0" eaLnBrk="1" latinLnBrk="0" hangingPunct="1">
+              <a:lnSpc>
+                <a:spcPct val="90000"/>
+              </a:lnSpc>
+              <a:spcBef>
+                <a:spcPts val="500"/>
+              </a:spcBef>
+              <a:buFont typeface="Arial" panose="020B0604020202020204" pitchFamily="34" charset="0"/>
+              <a:buNone/>
+              <a:defRPr sz="1600" kern="1200">
+                <a:solidFill>
+                  <a:schemeClr val="tx1"/>
+                </a:solidFill>
+                <a:latin typeface="+mn-lt"/>
+                <a:ea typeface="+mn-ea"/>
+                <a:cs typeface="+mn-cs"/>
+              </a:defRPr>
+            </a:lvl7pPr>
+            <a:lvl8pPr marL="3200400" indent="0" algn="ctr" defTabSz="914400" rtl="0" eaLnBrk="1" latinLnBrk="0" hangingPunct="1">
+              <a:lnSpc>
+                <a:spcPct val="90000"/>
+              </a:lnSpc>
+              <a:spcBef>
+                <a:spcPts val="500"/>
+              </a:spcBef>
+              <a:buFont typeface="Arial" panose="020B0604020202020204" pitchFamily="34" charset="0"/>
+              <a:buNone/>
+              <a:defRPr sz="1600" kern="1200">
+                <a:solidFill>
+                  <a:schemeClr val="tx1"/>
+                </a:solidFill>
+                <a:latin typeface="+mn-lt"/>
+                <a:ea typeface="+mn-ea"/>
+                <a:cs typeface="+mn-cs"/>
+              </a:defRPr>
+            </a:lvl8pPr>
+            <a:lvl9pPr marL="3657600" indent="0" algn="ctr" defTabSz="914400" rtl="0" eaLnBrk="1" latinLnBrk="0" hangingPunct="1">
+              <a:lnSpc>
+                <a:spcPct val="90000"/>
+              </a:lnSpc>
+              <a:spcBef>
+                <a:spcPts val="500"/>
+              </a:spcBef>
+              <a:buFont typeface="Arial" panose="020B0604020202020204" pitchFamily="34" charset="0"/>
+              <a:buNone/>
+              <a:defRPr sz="1600" kern="1200">
+                <a:solidFill>
+                  <a:schemeClr val="tx1"/>
+                </a:solidFill>
+                <a:latin typeface="+mn-lt"/>
+                <a:ea typeface="+mn-ea"/>
+                <a:cs typeface="+mn-cs"/>
+              </a:defRPr>
+            </a:lvl9pPr>
+          </a:lstStyle>
+          <a:p>
+            <a:pPr marL="285750" indent="-285750" algn="l">
+              <a:buFont typeface="Arial" panose="020B0604020202020204" pitchFamily="34" charset="0"/>
+              <a:buChar char="•"/>
+            </a:pPr>
+            <a:endParaRPr lang="en-NZ" sz="2000" dirty="0">
+              <a:solidFill>
+                <a:srgbClr val="6E7B80"/>
+              </a:solidFill>
+            </a:endParaRPr>
+          </a:p>
+        </p:txBody>
+      </p:sp>
+      <p:pic>
+        <p:nvPicPr>
+          <p:cNvPr id="8" name="Picture 7">
+            <a:extLst>
+              <a:ext uri="{FF2B5EF4-FFF2-40B4-BE49-F238E27FC236}">
+                <a16:creationId xmlns:a16="http://schemas.microsoft.com/office/drawing/2014/main" id="{7C8CE783-147E-4126-97AD-4BB8FF724D2F}"/>
+              </a:ext>
+            </a:extLst>
+          </p:cNvPr>
+          <p:cNvPicPr>
+            <a:picLocks noChangeAspect="1"/>
+          </p:cNvPicPr>
+          <p:nvPr/>
+        </p:nvPicPr>
+        <p:blipFill>
+          <a:blip r:embed="rId4"/>
+          <a:stretch>
+            <a:fillRect/>
+          </a:stretch>
+        </p:blipFill>
+        <p:spPr>
+          <a:xfrm>
+            <a:off x="2493482" y="2262331"/>
+            <a:ext cx="7350721" cy="2932121"/>
+          </a:xfrm>
+          <a:prstGeom prst="rect">
+            <a:avLst/>
+          </a:prstGeom>
+        </p:spPr>
+      </p:pic>
+    </p:spTree>
+    <p:extLst>
+      <p:ext uri="{BB962C8B-B14F-4D97-AF65-F5344CB8AC3E}">
+        <p14:creationId xmlns:p14="http://schemas.microsoft.com/office/powerpoint/2010/main" val="3429489752"/>
+      </p:ext>
+    </p:extLst>
+  </p:cSld>
+  <p:clrMapOvr>
+    <a:masterClrMapping/>
+  </p:clrMapOvr>
+</p:sld>
+</file>
+
 <file path=ppt/slides/slide4.xml><?xml version="1.0" encoding="utf-8"?>
 <p:sld xmlns:a="http://schemas.openxmlformats.org/drawingml/2006/main" xmlns:r="http://schemas.openxmlformats.org/officeDocument/2006/relationships" xmlns:p="http://schemas.openxmlformats.org/presentationml/2006/main">
   <p:cSld>
@@ -25968,6 +27384,2319 @@
       <p:bldP spid="13" grpId="0" build="p"/>
     </p:bldLst>
   </p:timing>
+</p:sld>
+</file>
+
+<file path=ppt/slides/slide40.xml><?xml version="1.0" encoding="utf-8"?>
+<p:sld xmlns:a="http://schemas.openxmlformats.org/drawingml/2006/main" xmlns:r="http://schemas.openxmlformats.org/officeDocument/2006/relationships" xmlns:p="http://schemas.openxmlformats.org/presentationml/2006/main">
+  <p:cSld>
+    <p:spTree>
+      <p:nvGrpSpPr>
+        <p:cNvPr id="1" name=""/>
+        <p:cNvGrpSpPr/>
+        <p:nvPr/>
+      </p:nvGrpSpPr>
+      <p:grpSpPr>
+        <a:xfrm>
+          <a:off x="0" y="0"/>
+          <a:ext cx="0" cy="0"/>
+          <a:chOff x="0" y="0"/>
+          <a:chExt cx="0" cy="0"/>
+        </a:xfrm>
+      </p:grpSpPr>
+      <p:sp>
+        <p:nvSpPr>
+          <p:cNvPr id="2" name="Title 1">
+            <a:extLst>
+              <a:ext uri="{FF2B5EF4-FFF2-40B4-BE49-F238E27FC236}">
+                <a16:creationId xmlns:a16="http://schemas.microsoft.com/office/drawing/2014/main" id="{966D7C58-E6A9-491B-AB0A-0B64DC8CA38A}"/>
+              </a:ext>
+            </a:extLst>
+          </p:cNvPr>
+          <p:cNvSpPr>
+            <a:spLocks noGrp="1"/>
+          </p:cNvSpPr>
+          <p:nvPr>
+            <p:ph type="ctrTitle"/>
+          </p:nvPr>
+        </p:nvSpPr>
+        <p:spPr>
+          <a:xfrm>
+            <a:off x="425319" y="231248"/>
+            <a:ext cx="11487048" cy="699189"/>
+          </a:xfrm>
+        </p:spPr>
+        <p:txBody>
+          <a:bodyPr>
+            <a:normAutofit/>
+          </a:bodyPr>
+          <a:lstStyle/>
+          <a:p>
+            <a:pPr algn="l"/>
+            <a:r>
+              <a:rPr lang="en-GB" sz="4000" dirty="0" err="1">
+                <a:solidFill>
+                  <a:srgbClr val="2A89C6"/>
+                </a:solidFill>
+                <a:latin typeface="DINPro-CondBold" panose="020B0806020101010102" pitchFamily="34" charset="0"/>
+                <a:cs typeface="DINPro-CondBold" panose="020B0806020101010102" pitchFamily="34" charset="0"/>
+              </a:rPr>
+              <a:t>Nemucod</a:t>
+            </a:r>
+            <a:r>
+              <a:rPr lang="en-GB" sz="4000" dirty="0">
+                <a:solidFill>
+                  <a:srgbClr val="2A89C6"/>
+                </a:solidFill>
+                <a:latin typeface="DINPro-CondBold" panose="020B0806020101010102" pitchFamily="34" charset="0"/>
+                <a:cs typeface="DINPro-CondBold" panose="020B0806020101010102" pitchFamily="34" charset="0"/>
+              </a:rPr>
+              <a:t> v2</a:t>
+            </a:r>
+          </a:p>
+        </p:txBody>
+      </p:sp>
+      <p:sp>
+        <p:nvSpPr>
+          <p:cNvPr id="3" name="Subtitle 2">
+            <a:extLst>
+              <a:ext uri="{FF2B5EF4-FFF2-40B4-BE49-F238E27FC236}">
+                <a16:creationId xmlns:a16="http://schemas.microsoft.com/office/drawing/2014/main" id="{18915AA8-A8A4-4B05-99EE-CC8B2D7EA426}"/>
+              </a:ext>
+            </a:extLst>
+          </p:cNvPr>
+          <p:cNvSpPr>
+            <a:spLocks noGrp="1"/>
+          </p:cNvSpPr>
+          <p:nvPr>
+            <p:ph type="subTitle" idx="1"/>
+          </p:nvPr>
+        </p:nvSpPr>
+        <p:spPr>
+          <a:xfrm>
+            <a:off x="425319" y="6431243"/>
+            <a:ext cx="2259435" cy="321896"/>
+          </a:xfrm>
+        </p:spPr>
+        <p:txBody>
+          <a:bodyPr>
+            <a:normAutofit/>
+          </a:bodyPr>
+          <a:lstStyle/>
+          <a:p>
+            <a:pPr algn="l"/>
+            <a:r>
+              <a:rPr lang="en-NZ" sz="1600" dirty="0">
+                <a:solidFill>
+                  <a:srgbClr val="6E7B80"/>
+                </a:solidFill>
+              </a:rPr>
+              <a:t>www.emsisoft.com</a:t>
+            </a:r>
+          </a:p>
+        </p:txBody>
+      </p:sp>
+      <p:pic>
+        <p:nvPicPr>
+          <p:cNvPr id="5" name="Picture 4">
+            <a:extLst>
+              <a:ext uri="{FF2B5EF4-FFF2-40B4-BE49-F238E27FC236}">
+                <a16:creationId xmlns:a16="http://schemas.microsoft.com/office/drawing/2014/main" id="{F434360A-A163-4B55-8A94-E94BE8D0CC19}"/>
+              </a:ext>
+            </a:extLst>
+          </p:cNvPr>
+          <p:cNvPicPr>
+            <a:picLocks noChangeAspect="1"/>
+          </p:cNvPicPr>
+          <p:nvPr/>
+        </p:nvPicPr>
+        <p:blipFill>
+          <a:blip r:embed="rId2">
+            <a:extLst>
+              <a:ext uri="{28A0092B-C50C-407E-A947-70E740481C1C}">
+                <a14:useLocalDpi xmlns:a14="http://schemas.microsoft.com/office/drawing/2010/main" val="0"/>
+              </a:ext>
+            </a:extLst>
+          </a:blip>
+          <a:stretch>
+            <a:fillRect/>
+          </a:stretch>
+        </p:blipFill>
+        <p:spPr>
+          <a:xfrm>
+            <a:off x="10846965" y="6499338"/>
+            <a:ext cx="919716" cy="194191"/>
+          </a:xfrm>
+          <a:prstGeom prst="rect">
+            <a:avLst/>
+          </a:prstGeom>
+        </p:spPr>
+      </p:pic>
+      <p:pic>
+        <p:nvPicPr>
+          <p:cNvPr id="6" name="Picture 5">
+            <a:extLst>
+              <a:ext uri="{FF2B5EF4-FFF2-40B4-BE49-F238E27FC236}">
+                <a16:creationId xmlns:a16="http://schemas.microsoft.com/office/drawing/2014/main" id="{9F4AC47D-2668-4D2A-8F59-55B0D90C063A}"/>
+              </a:ext>
+            </a:extLst>
+          </p:cNvPr>
+          <p:cNvPicPr>
+            <a:picLocks noChangeAspect="1"/>
+          </p:cNvPicPr>
+          <p:nvPr/>
+        </p:nvPicPr>
+        <p:blipFill>
+          <a:blip r:embed="rId3">
+            <a:extLst>
+              <a:ext uri="{28A0092B-C50C-407E-A947-70E740481C1C}">
+                <a14:useLocalDpi xmlns:a14="http://schemas.microsoft.com/office/drawing/2010/main" val="0"/>
+              </a:ext>
+            </a:extLst>
+          </a:blip>
+          <a:stretch>
+            <a:fillRect/>
+          </a:stretch>
+        </p:blipFill>
+        <p:spPr>
+          <a:xfrm>
+            <a:off x="0" y="980771"/>
+            <a:ext cx="12192000" cy="50034"/>
+          </a:xfrm>
+          <a:prstGeom prst="rect">
+            <a:avLst/>
+          </a:prstGeom>
+        </p:spPr>
+      </p:pic>
+      <p:pic>
+        <p:nvPicPr>
+          <p:cNvPr id="8" name="Picture 7">
+            <a:extLst>
+              <a:ext uri="{FF2B5EF4-FFF2-40B4-BE49-F238E27FC236}">
+                <a16:creationId xmlns:a16="http://schemas.microsoft.com/office/drawing/2014/main" id="{43098F36-0020-42E1-9A0C-B5913DCAA5E4}"/>
+              </a:ext>
+            </a:extLst>
+          </p:cNvPr>
+          <p:cNvPicPr>
+            <a:picLocks noChangeAspect="1"/>
+          </p:cNvPicPr>
+          <p:nvPr/>
+        </p:nvPicPr>
+        <p:blipFill>
+          <a:blip r:embed="rId4"/>
+          <a:stretch>
+            <a:fillRect/>
+          </a:stretch>
+        </p:blipFill>
+        <p:spPr>
+          <a:xfrm>
+            <a:off x="3312488" y="1992443"/>
+            <a:ext cx="5567024" cy="3276426"/>
+          </a:xfrm>
+          <a:prstGeom prst="rect">
+            <a:avLst/>
+          </a:prstGeom>
+        </p:spPr>
+      </p:pic>
+    </p:spTree>
+    <p:extLst>
+      <p:ext uri="{BB962C8B-B14F-4D97-AF65-F5344CB8AC3E}">
+        <p14:creationId xmlns:p14="http://schemas.microsoft.com/office/powerpoint/2010/main" val="2991819688"/>
+      </p:ext>
+    </p:extLst>
+  </p:cSld>
+  <p:clrMapOvr>
+    <a:masterClrMapping/>
+  </p:clrMapOvr>
+</p:sld>
+</file>
+
+<file path=ppt/slides/slide41.xml><?xml version="1.0" encoding="utf-8"?>
+<p:sld xmlns:a="http://schemas.openxmlformats.org/drawingml/2006/main" xmlns:r="http://schemas.openxmlformats.org/officeDocument/2006/relationships" xmlns:p="http://schemas.openxmlformats.org/presentationml/2006/main">
+  <p:cSld>
+    <p:spTree>
+      <p:nvGrpSpPr>
+        <p:cNvPr id="1" name=""/>
+        <p:cNvGrpSpPr/>
+        <p:nvPr/>
+      </p:nvGrpSpPr>
+      <p:grpSpPr>
+        <a:xfrm>
+          <a:off x="0" y="0"/>
+          <a:ext cx="0" cy="0"/>
+          <a:chOff x="0" y="0"/>
+          <a:chExt cx="0" cy="0"/>
+        </a:xfrm>
+      </p:grpSpPr>
+      <p:sp>
+        <p:nvSpPr>
+          <p:cNvPr id="2" name="Title 1">
+            <a:extLst>
+              <a:ext uri="{FF2B5EF4-FFF2-40B4-BE49-F238E27FC236}">
+                <a16:creationId xmlns:a16="http://schemas.microsoft.com/office/drawing/2014/main" id="{966D7C58-E6A9-491B-AB0A-0B64DC8CA38A}"/>
+              </a:ext>
+            </a:extLst>
+          </p:cNvPr>
+          <p:cNvSpPr>
+            <a:spLocks noGrp="1"/>
+          </p:cNvSpPr>
+          <p:nvPr>
+            <p:ph type="ctrTitle"/>
+          </p:nvPr>
+        </p:nvSpPr>
+        <p:spPr>
+          <a:xfrm>
+            <a:off x="425319" y="231248"/>
+            <a:ext cx="11487048" cy="699189"/>
+          </a:xfrm>
+        </p:spPr>
+        <p:txBody>
+          <a:bodyPr>
+            <a:normAutofit/>
+          </a:bodyPr>
+          <a:lstStyle/>
+          <a:p>
+            <a:pPr algn="l"/>
+            <a:r>
+              <a:rPr lang="en-GB" sz="4000" dirty="0">
+                <a:solidFill>
+                  <a:srgbClr val="2A89C6"/>
+                </a:solidFill>
+                <a:latin typeface="DINPro-CondBold" panose="020B0806020101010102" pitchFamily="34" charset="0"/>
+                <a:cs typeface="DINPro-CondBold" panose="020B0806020101010102" pitchFamily="34" charset="0"/>
+              </a:rPr>
+              <a:t>Merry X-Mas</a:t>
+            </a:r>
+          </a:p>
+        </p:txBody>
+      </p:sp>
+      <p:sp>
+        <p:nvSpPr>
+          <p:cNvPr id="3" name="Subtitle 2">
+            <a:extLst>
+              <a:ext uri="{FF2B5EF4-FFF2-40B4-BE49-F238E27FC236}">
+                <a16:creationId xmlns:a16="http://schemas.microsoft.com/office/drawing/2014/main" id="{18915AA8-A8A4-4B05-99EE-CC8B2D7EA426}"/>
+              </a:ext>
+            </a:extLst>
+          </p:cNvPr>
+          <p:cNvSpPr>
+            <a:spLocks noGrp="1"/>
+          </p:cNvSpPr>
+          <p:nvPr>
+            <p:ph type="subTitle" idx="1"/>
+          </p:nvPr>
+        </p:nvSpPr>
+        <p:spPr>
+          <a:xfrm>
+            <a:off x="425319" y="6431243"/>
+            <a:ext cx="2259435" cy="321896"/>
+          </a:xfrm>
+        </p:spPr>
+        <p:txBody>
+          <a:bodyPr>
+            <a:normAutofit/>
+          </a:bodyPr>
+          <a:lstStyle/>
+          <a:p>
+            <a:pPr algn="l"/>
+            <a:r>
+              <a:rPr lang="en-NZ" sz="1600" dirty="0">
+                <a:solidFill>
+                  <a:srgbClr val="6E7B80"/>
+                </a:solidFill>
+              </a:rPr>
+              <a:t>www.emsisoft.com</a:t>
+            </a:r>
+          </a:p>
+        </p:txBody>
+      </p:sp>
+      <p:pic>
+        <p:nvPicPr>
+          <p:cNvPr id="5" name="Picture 4">
+            <a:extLst>
+              <a:ext uri="{FF2B5EF4-FFF2-40B4-BE49-F238E27FC236}">
+                <a16:creationId xmlns:a16="http://schemas.microsoft.com/office/drawing/2014/main" id="{F434360A-A163-4B55-8A94-E94BE8D0CC19}"/>
+              </a:ext>
+            </a:extLst>
+          </p:cNvPr>
+          <p:cNvPicPr>
+            <a:picLocks noChangeAspect="1"/>
+          </p:cNvPicPr>
+          <p:nvPr/>
+        </p:nvPicPr>
+        <p:blipFill>
+          <a:blip r:embed="rId2">
+            <a:extLst>
+              <a:ext uri="{28A0092B-C50C-407E-A947-70E740481C1C}">
+                <a14:useLocalDpi xmlns:a14="http://schemas.microsoft.com/office/drawing/2010/main" val="0"/>
+              </a:ext>
+            </a:extLst>
+          </a:blip>
+          <a:stretch>
+            <a:fillRect/>
+          </a:stretch>
+        </p:blipFill>
+        <p:spPr>
+          <a:xfrm>
+            <a:off x="10846965" y="6499338"/>
+            <a:ext cx="919716" cy="194191"/>
+          </a:xfrm>
+          <a:prstGeom prst="rect">
+            <a:avLst/>
+          </a:prstGeom>
+        </p:spPr>
+      </p:pic>
+      <p:pic>
+        <p:nvPicPr>
+          <p:cNvPr id="6" name="Picture 5">
+            <a:extLst>
+              <a:ext uri="{FF2B5EF4-FFF2-40B4-BE49-F238E27FC236}">
+                <a16:creationId xmlns:a16="http://schemas.microsoft.com/office/drawing/2014/main" id="{9F4AC47D-2668-4D2A-8F59-55B0D90C063A}"/>
+              </a:ext>
+            </a:extLst>
+          </p:cNvPr>
+          <p:cNvPicPr>
+            <a:picLocks noChangeAspect="1"/>
+          </p:cNvPicPr>
+          <p:nvPr/>
+        </p:nvPicPr>
+        <p:blipFill>
+          <a:blip r:embed="rId3">
+            <a:extLst>
+              <a:ext uri="{28A0092B-C50C-407E-A947-70E740481C1C}">
+                <a14:useLocalDpi xmlns:a14="http://schemas.microsoft.com/office/drawing/2010/main" val="0"/>
+              </a:ext>
+            </a:extLst>
+          </a:blip>
+          <a:stretch>
+            <a:fillRect/>
+          </a:stretch>
+        </p:blipFill>
+        <p:spPr>
+          <a:xfrm>
+            <a:off x="0" y="980771"/>
+            <a:ext cx="12192000" cy="50034"/>
+          </a:xfrm>
+          <a:prstGeom prst="rect">
+            <a:avLst/>
+          </a:prstGeom>
+        </p:spPr>
+      </p:pic>
+      <p:pic>
+        <p:nvPicPr>
+          <p:cNvPr id="4" name="Picture 3">
+            <a:extLst>
+              <a:ext uri="{FF2B5EF4-FFF2-40B4-BE49-F238E27FC236}">
+                <a16:creationId xmlns:a16="http://schemas.microsoft.com/office/drawing/2014/main" id="{7676B4F5-B1E5-4C14-83A4-84F06B22C0A5}"/>
+              </a:ext>
+            </a:extLst>
+          </p:cNvPr>
+          <p:cNvPicPr>
+            <a:picLocks noChangeAspect="1"/>
+          </p:cNvPicPr>
+          <p:nvPr/>
+        </p:nvPicPr>
+        <p:blipFill>
+          <a:blip r:embed="rId4"/>
+          <a:stretch>
+            <a:fillRect/>
+          </a:stretch>
+        </p:blipFill>
+        <p:spPr>
+          <a:xfrm>
+            <a:off x="1001319" y="1815520"/>
+            <a:ext cx="10189362" cy="3831008"/>
+          </a:xfrm>
+          <a:prstGeom prst="rect">
+            <a:avLst/>
+          </a:prstGeom>
+        </p:spPr>
+      </p:pic>
+    </p:spTree>
+    <p:extLst>
+      <p:ext uri="{BB962C8B-B14F-4D97-AF65-F5344CB8AC3E}">
+        <p14:creationId xmlns:p14="http://schemas.microsoft.com/office/powerpoint/2010/main" val="3995193072"/>
+      </p:ext>
+    </p:extLst>
+  </p:cSld>
+  <p:clrMapOvr>
+    <a:masterClrMapping/>
+  </p:clrMapOvr>
+</p:sld>
+</file>
+
+<file path=ppt/slides/slide42.xml><?xml version="1.0" encoding="utf-8"?>
+<p:sld xmlns:a="http://schemas.openxmlformats.org/drawingml/2006/main" xmlns:r="http://schemas.openxmlformats.org/officeDocument/2006/relationships" xmlns:p="http://schemas.openxmlformats.org/presentationml/2006/main">
+  <p:cSld>
+    <p:spTree>
+      <p:nvGrpSpPr>
+        <p:cNvPr id="1" name=""/>
+        <p:cNvGrpSpPr/>
+        <p:nvPr/>
+      </p:nvGrpSpPr>
+      <p:grpSpPr>
+        <a:xfrm>
+          <a:off x="0" y="0"/>
+          <a:ext cx="0" cy="0"/>
+          <a:chOff x="0" y="0"/>
+          <a:chExt cx="0" cy="0"/>
+        </a:xfrm>
+      </p:grpSpPr>
+      <p:sp>
+        <p:nvSpPr>
+          <p:cNvPr id="2" name="Title 1">
+            <a:extLst>
+              <a:ext uri="{FF2B5EF4-FFF2-40B4-BE49-F238E27FC236}">
+                <a16:creationId xmlns:a16="http://schemas.microsoft.com/office/drawing/2014/main" id="{966D7C58-E6A9-491B-AB0A-0B64DC8CA38A}"/>
+              </a:ext>
+            </a:extLst>
+          </p:cNvPr>
+          <p:cNvSpPr>
+            <a:spLocks noGrp="1"/>
+          </p:cNvSpPr>
+          <p:nvPr>
+            <p:ph type="ctrTitle"/>
+          </p:nvPr>
+        </p:nvSpPr>
+        <p:spPr>
+          <a:xfrm>
+            <a:off x="425319" y="231248"/>
+            <a:ext cx="11487048" cy="699189"/>
+          </a:xfrm>
+        </p:spPr>
+        <p:txBody>
+          <a:bodyPr>
+            <a:normAutofit/>
+          </a:bodyPr>
+          <a:lstStyle/>
+          <a:p>
+            <a:pPr algn="l"/>
+            <a:r>
+              <a:rPr lang="en-GB" sz="4000" dirty="0">
+                <a:solidFill>
+                  <a:srgbClr val="2A89C6"/>
+                </a:solidFill>
+                <a:latin typeface="DINPro-CondBold" panose="020B0806020101010102" pitchFamily="34" charset="0"/>
+                <a:cs typeface="DINPro-CondBold" panose="020B0806020101010102" pitchFamily="34" charset="0"/>
+              </a:rPr>
+              <a:t>DMA Locker v1</a:t>
+            </a:r>
+          </a:p>
+        </p:txBody>
+      </p:sp>
+      <p:sp>
+        <p:nvSpPr>
+          <p:cNvPr id="3" name="Subtitle 2">
+            <a:extLst>
+              <a:ext uri="{FF2B5EF4-FFF2-40B4-BE49-F238E27FC236}">
+                <a16:creationId xmlns:a16="http://schemas.microsoft.com/office/drawing/2014/main" id="{18915AA8-A8A4-4B05-99EE-CC8B2D7EA426}"/>
+              </a:ext>
+            </a:extLst>
+          </p:cNvPr>
+          <p:cNvSpPr>
+            <a:spLocks noGrp="1"/>
+          </p:cNvSpPr>
+          <p:nvPr>
+            <p:ph type="subTitle" idx="1"/>
+          </p:nvPr>
+        </p:nvSpPr>
+        <p:spPr>
+          <a:xfrm>
+            <a:off x="425319" y="6431243"/>
+            <a:ext cx="2259435" cy="321896"/>
+          </a:xfrm>
+        </p:spPr>
+        <p:txBody>
+          <a:bodyPr>
+            <a:normAutofit/>
+          </a:bodyPr>
+          <a:lstStyle/>
+          <a:p>
+            <a:pPr algn="l"/>
+            <a:r>
+              <a:rPr lang="en-NZ" sz="1600" dirty="0">
+                <a:solidFill>
+                  <a:srgbClr val="6E7B80"/>
+                </a:solidFill>
+              </a:rPr>
+              <a:t>www.emsisoft.com</a:t>
+            </a:r>
+          </a:p>
+        </p:txBody>
+      </p:sp>
+      <p:pic>
+        <p:nvPicPr>
+          <p:cNvPr id="5" name="Picture 4">
+            <a:extLst>
+              <a:ext uri="{FF2B5EF4-FFF2-40B4-BE49-F238E27FC236}">
+                <a16:creationId xmlns:a16="http://schemas.microsoft.com/office/drawing/2014/main" id="{F434360A-A163-4B55-8A94-E94BE8D0CC19}"/>
+              </a:ext>
+            </a:extLst>
+          </p:cNvPr>
+          <p:cNvPicPr>
+            <a:picLocks noChangeAspect="1"/>
+          </p:cNvPicPr>
+          <p:nvPr/>
+        </p:nvPicPr>
+        <p:blipFill>
+          <a:blip r:embed="rId2">
+            <a:extLst>
+              <a:ext uri="{28A0092B-C50C-407E-A947-70E740481C1C}">
+                <a14:useLocalDpi xmlns:a14="http://schemas.microsoft.com/office/drawing/2010/main" val="0"/>
+              </a:ext>
+            </a:extLst>
+          </a:blip>
+          <a:stretch>
+            <a:fillRect/>
+          </a:stretch>
+        </p:blipFill>
+        <p:spPr>
+          <a:xfrm>
+            <a:off x="10846965" y="6499338"/>
+            <a:ext cx="919716" cy="194191"/>
+          </a:xfrm>
+          <a:prstGeom prst="rect">
+            <a:avLst/>
+          </a:prstGeom>
+        </p:spPr>
+      </p:pic>
+      <p:pic>
+        <p:nvPicPr>
+          <p:cNvPr id="6" name="Picture 5">
+            <a:extLst>
+              <a:ext uri="{FF2B5EF4-FFF2-40B4-BE49-F238E27FC236}">
+                <a16:creationId xmlns:a16="http://schemas.microsoft.com/office/drawing/2014/main" id="{9F4AC47D-2668-4D2A-8F59-55B0D90C063A}"/>
+              </a:ext>
+            </a:extLst>
+          </p:cNvPr>
+          <p:cNvPicPr>
+            <a:picLocks noChangeAspect="1"/>
+          </p:cNvPicPr>
+          <p:nvPr/>
+        </p:nvPicPr>
+        <p:blipFill>
+          <a:blip r:embed="rId3">
+            <a:extLst>
+              <a:ext uri="{28A0092B-C50C-407E-A947-70E740481C1C}">
+                <a14:useLocalDpi xmlns:a14="http://schemas.microsoft.com/office/drawing/2010/main" val="0"/>
+              </a:ext>
+            </a:extLst>
+          </a:blip>
+          <a:stretch>
+            <a:fillRect/>
+          </a:stretch>
+        </p:blipFill>
+        <p:spPr>
+          <a:xfrm>
+            <a:off x="0" y="980771"/>
+            <a:ext cx="12192000" cy="50034"/>
+          </a:xfrm>
+          <a:prstGeom prst="rect">
+            <a:avLst/>
+          </a:prstGeom>
+        </p:spPr>
+      </p:pic>
+      <p:grpSp>
+        <p:nvGrpSpPr>
+          <p:cNvPr id="9" name="Group 8">
+            <a:extLst>
+              <a:ext uri="{FF2B5EF4-FFF2-40B4-BE49-F238E27FC236}">
+                <a16:creationId xmlns:a16="http://schemas.microsoft.com/office/drawing/2014/main" id="{CEA33947-8296-403E-9C5F-7FFCC6269B60}"/>
+              </a:ext>
+            </a:extLst>
+          </p:cNvPr>
+          <p:cNvGrpSpPr/>
+          <p:nvPr/>
+        </p:nvGrpSpPr>
+        <p:grpSpPr>
+          <a:xfrm>
+            <a:off x="2684754" y="1981638"/>
+            <a:ext cx="5915025" cy="3498772"/>
+            <a:chOff x="1555036" y="2367094"/>
+            <a:chExt cx="5915025" cy="3498772"/>
+          </a:xfrm>
+        </p:grpSpPr>
+        <p:pic>
+          <p:nvPicPr>
+            <p:cNvPr id="7" name="Picture 6">
+              <a:extLst>
+                <a:ext uri="{FF2B5EF4-FFF2-40B4-BE49-F238E27FC236}">
+                  <a16:creationId xmlns:a16="http://schemas.microsoft.com/office/drawing/2014/main" id="{21D87445-2596-4C16-8C65-722A9ADF2425}"/>
+                </a:ext>
+              </a:extLst>
+            </p:cNvPr>
+            <p:cNvPicPr>
+              <a:picLocks noChangeAspect="1"/>
+            </p:cNvPicPr>
+            <p:nvPr/>
+          </p:nvPicPr>
+          <p:blipFill>
+            <a:blip r:embed="rId4"/>
+            <a:stretch>
+              <a:fillRect/>
+            </a:stretch>
+          </p:blipFill>
+          <p:spPr>
+            <a:xfrm>
+              <a:off x="1555036" y="2367094"/>
+              <a:ext cx="4219575" cy="2819400"/>
+            </a:xfrm>
+            <a:prstGeom prst="rect">
+              <a:avLst/>
+            </a:prstGeom>
+          </p:spPr>
+        </p:pic>
+        <p:pic>
+          <p:nvPicPr>
+            <p:cNvPr id="8" name="Picture 7">
+              <a:extLst>
+                <a:ext uri="{FF2B5EF4-FFF2-40B4-BE49-F238E27FC236}">
+                  <a16:creationId xmlns:a16="http://schemas.microsoft.com/office/drawing/2014/main" id="{D7F98804-C06E-431F-BDDE-C005B7A14911}"/>
+                </a:ext>
+              </a:extLst>
+            </p:cNvPr>
+            <p:cNvPicPr>
+              <a:picLocks noChangeAspect="1"/>
+            </p:cNvPicPr>
+            <p:nvPr/>
+          </p:nvPicPr>
+          <p:blipFill>
+            <a:blip r:embed="rId5"/>
+            <a:stretch>
+              <a:fillRect/>
+            </a:stretch>
+          </p:blipFill>
+          <p:spPr>
+            <a:xfrm>
+              <a:off x="1555036" y="5199116"/>
+              <a:ext cx="5915025" cy="666750"/>
+            </a:xfrm>
+            <a:prstGeom prst="rect">
+              <a:avLst/>
+            </a:prstGeom>
+          </p:spPr>
+        </p:pic>
+      </p:grpSp>
+    </p:spTree>
+    <p:extLst>
+      <p:ext uri="{BB962C8B-B14F-4D97-AF65-F5344CB8AC3E}">
+        <p14:creationId xmlns:p14="http://schemas.microsoft.com/office/powerpoint/2010/main" val="775755532"/>
+      </p:ext>
+    </p:extLst>
+  </p:cSld>
+  <p:clrMapOvr>
+    <a:masterClrMapping/>
+  </p:clrMapOvr>
+</p:sld>
+</file>
+
+<file path=ppt/slides/slide43.xml><?xml version="1.0" encoding="utf-8"?>
+<p:sld xmlns:a="http://schemas.openxmlformats.org/drawingml/2006/main" xmlns:r="http://schemas.openxmlformats.org/officeDocument/2006/relationships" xmlns:p="http://schemas.openxmlformats.org/presentationml/2006/main">
+  <p:cSld>
+    <p:spTree>
+      <p:nvGrpSpPr>
+        <p:cNvPr id="1" name=""/>
+        <p:cNvGrpSpPr/>
+        <p:nvPr/>
+      </p:nvGrpSpPr>
+      <p:grpSpPr>
+        <a:xfrm>
+          <a:off x="0" y="0"/>
+          <a:ext cx="0" cy="0"/>
+          <a:chOff x="0" y="0"/>
+          <a:chExt cx="0" cy="0"/>
+        </a:xfrm>
+      </p:grpSpPr>
+      <p:sp>
+        <p:nvSpPr>
+          <p:cNvPr id="2" name="Title 1">
+            <a:extLst>
+              <a:ext uri="{FF2B5EF4-FFF2-40B4-BE49-F238E27FC236}">
+                <a16:creationId xmlns:a16="http://schemas.microsoft.com/office/drawing/2014/main" id="{966D7C58-E6A9-491B-AB0A-0B64DC8CA38A}"/>
+              </a:ext>
+            </a:extLst>
+          </p:cNvPr>
+          <p:cNvSpPr>
+            <a:spLocks noGrp="1"/>
+          </p:cNvSpPr>
+          <p:nvPr>
+            <p:ph type="ctrTitle"/>
+          </p:nvPr>
+        </p:nvSpPr>
+        <p:spPr>
+          <a:xfrm>
+            <a:off x="425319" y="231248"/>
+            <a:ext cx="11487048" cy="699189"/>
+          </a:xfrm>
+        </p:spPr>
+        <p:txBody>
+          <a:bodyPr>
+            <a:normAutofit/>
+          </a:bodyPr>
+          <a:lstStyle/>
+          <a:p>
+            <a:pPr algn="l"/>
+            <a:r>
+              <a:rPr lang="en-GB" sz="4000" dirty="0" err="1">
+                <a:solidFill>
+                  <a:srgbClr val="2A89C6"/>
+                </a:solidFill>
+                <a:latin typeface="DINPro-CondBold" panose="020B0806020101010102" pitchFamily="34" charset="0"/>
+                <a:cs typeface="DINPro-CondBold" panose="020B0806020101010102" pitchFamily="34" charset="0"/>
+              </a:rPr>
+              <a:t>CryptoHost</a:t>
+            </a:r>
+            <a:endParaRPr lang="en-GB" sz="4000" dirty="0">
+              <a:solidFill>
+                <a:srgbClr val="2A89C6"/>
+              </a:solidFill>
+              <a:latin typeface="DINPro-CondBold" panose="020B0806020101010102" pitchFamily="34" charset="0"/>
+              <a:cs typeface="DINPro-CondBold" panose="020B0806020101010102" pitchFamily="34" charset="0"/>
+            </a:endParaRPr>
+          </a:p>
+        </p:txBody>
+      </p:sp>
+      <p:sp>
+        <p:nvSpPr>
+          <p:cNvPr id="3" name="Subtitle 2">
+            <a:extLst>
+              <a:ext uri="{FF2B5EF4-FFF2-40B4-BE49-F238E27FC236}">
+                <a16:creationId xmlns:a16="http://schemas.microsoft.com/office/drawing/2014/main" id="{18915AA8-A8A4-4B05-99EE-CC8B2D7EA426}"/>
+              </a:ext>
+            </a:extLst>
+          </p:cNvPr>
+          <p:cNvSpPr>
+            <a:spLocks noGrp="1"/>
+          </p:cNvSpPr>
+          <p:nvPr>
+            <p:ph type="subTitle" idx="1"/>
+          </p:nvPr>
+        </p:nvSpPr>
+        <p:spPr>
+          <a:xfrm>
+            <a:off x="425319" y="6431243"/>
+            <a:ext cx="2259435" cy="321896"/>
+          </a:xfrm>
+        </p:spPr>
+        <p:txBody>
+          <a:bodyPr>
+            <a:normAutofit/>
+          </a:bodyPr>
+          <a:lstStyle/>
+          <a:p>
+            <a:pPr algn="l"/>
+            <a:r>
+              <a:rPr lang="en-NZ" sz="1600" dirty="0">
+                <a:solidFill>
+                  <a:srgbClr val="6E7B80"/>
+                </a:solidFill>
+              </a:rPr>
+              <a:t>www.emsisoft.com</a:t>
+            </a:r>
+          </a:p>
+        </p:txBody>
+      </p:sp>
+      <p:pic>
+        <p:nvPicPr>
+          <p:cNvPr id="5" name="Picture 4">
+            <a:extLst>
+              <a:ext uri="{FF2B5EF4-FFF2-40B4-BE49-F238E27FC236}">
+                <a16:creationId xmlns:a16="http://schemas.microsoft.com/office/drawing/2014/main" id="{F434360A-A163-4B55-8A94-E94BE8D0CC19}"/>
+              </a:ext>
+            </a:extLst>
+          </p:cNvPr>
+          <p:cNvPicPr>
+            <a:picLocks noChangeAspect="1"/>
+          </p:cNvPicPr>
+          <p:nvPr/>
+        </p:nvPicPr>
+        <p:blipFill>
+          <a:blip r:embed="rId2">
+            <a:extLst>
+              <a:ext uri="{28A0092B-C50C-407E-A947-70E740481C1C}">
+                <a14:useLocalDpi xmlns:a14="http://schemas.microsoft.com/office/drawing/2010/main" val="0"/>
+              </a:ext>
+            </a:extLst>
+          </a:blip>
+          <a:stretch>
+            <a:fillRect/>
+          </a:stretch>
+        </p:blipFill>
+        <p:spPr>
+          <a:xfrm>
+            <a:off x="10846965" y="6499338"/>
+            <a:ext cx="919716" cy="194191"/>
+          </a:xfrm>
+          <a:prstGeom prst="rect">
+            <a:avLst/>
+          </a:prstGeom>
+        </p:spPr>
+      </p:pic>
+      <p:pic>
+        <p:nvPicPr>
+          <p:cNvPr id="6" name="Picture 5">
+            <a:extLst>
+              <a:ext uri="{FF2B5EF4-FFF2-40B4-BE49-F238E27FC236}">
+                <a16:creationId xmlns:a16="http://schemas.microsoft.com/office/drawing/2014/main" id="{9F4AC47D-2668-4D2A-8F59-55B0D90C063A}"/>
+              </a:ext>
+            </a:extLst>
+          </p:cNvPr>
+          <p:cNvPicPr>
+            <a:picLocks noChangeAspect="1"/>
+          </p:cNvPicPr>
+          <p:nvPr/>
+        </p:nvPicPr>
+        <p:blipFill>
+          <a:blip r:embed="rId3">
+            <a:extLst>
+              <a:ext uri="{28A0092B-C50C-407E-A947-70E740481C1C}">
+                <a14:useLocalDpi xmlns:a14="http://schemas.microsoft.com/office/drawing/2010/main" val="0"/>
+              </a:ext>
+            </a:extLst>
+          </a:blip>
+          <a:stretch>
+            <a:fillRect/>
+          </a:stretch>
+        </p:blipFill>
+        <p:spPr>
+          <a:xfrm>
+            <a:off x="0" y="980771"/>
+            <a:ext cx="12192000" cy="50034"/>
+          </a:xfrm>
+          <a:prstGeom prst="rect">
+            <a:avLst/>
+          </a:prstGeom>
+        </p:spPr>
+      </p:pic>
+      <p:pic>
+        <p:nvPicPr>
+          <p:cNvPr id="10" name="Picture 9">
+            <a:extLst>
+              <a:ext uri="{FF2B5EF4-FFF2-40B4-BE49-F238E27FC236}">
+                <a16:creationId xmlns:a16="http://schemas.microsoft.com/office/drawing/2014/main" id="{44C9C974-64D0-422C-BDE9-9A339DC7FA56}"/>
+              </a:ext>
+            </a:extLst>
+          </p:cNvPr>
+          <p:cNvPicPr>
+            <a:picLocks noChangeAspect="1"/>
+          </p:cNvPicPr>
+          <p:nvPr/>
+        </p:nvPicPr>
+        <p:blipFill>
+          <a:blip r:embed="rId4"/>
+          <a:stretch>
+            <a:fillRect/>
+          </a:stretch>
+        </p:blipFill>
+        <p:spPr>
+          <a:xfrm>
+            <a:off x="3244668" y="2595562"/>
+            <a:ext cx="5848350" cy="1666875"/>
+          </a:xfrm>
+          <a:prstGeom prst="rect">
+            <a:avLst/>
+          </a:prstGeom>
+        </p:spPr>
+      </p:pic>
+    </p:spTree>
+    <p:extLst>
+      <p:ext uri="{BB962C8B-B14F-4D97-AF65-F5344CB8AC3E}">
+        <p14:creationId xmlns:p14="http://schemas.microsoft.com/office/powerpoint/2010/main" val="1739161987"/>
+      </p:ext>
+    </p:extLst>
+  </p:cSld>
+  <p:clrMapOvr>
+    <a:masterClrMapping/>
+  </p:clrMapOvr>
+</p:sld>
+</file>
+
+<file path=ppt/slides/slide44.xml><?xml version="1.0" encoding="utf-8"?>
+<p:sld xmlns:a="http://schemas.openxmlformats.org/drawingml/2006/main" xmlns:r="http://schemas.openxmlformats.org/officeDocument/2006/relationships" xmlns:p="http://schemas.openxmlformats.org/presentationml/2006/main">
+  <p:cSld>
+    <p:spTree>
+      <p:nvGrpSpPr>
+        <p:cNvPr id="1" name=""/>
+        <p:cNvGrpSpPr/>
+        <p:nvPr/>
+      </p:nvGrpSpPr>
+      <p:grpSpPr>
+        <a:xfrm>
+          <a:off x="0" y="0"/>
+          <a:ext cx="0" cy="0"/>
+          <a:chOff x="0" y="0"/>
+          <a:chExt cx="0" cy="0"/>
+        </a:xfrm>
+      </p:grpSpPr>
+      <p:sp>
+        <p:nvSpPr>
+          <p:cNvPr id="2" name="Title 1">
+            <a:extLst>
+              <a:ext uri="{FF2B5EF4-FFF2-40B4-BE49-F238E27FC236}">
+                <a16:creationId xmlns:a16="http://schemas.microsoft.com/office/drawing/2014/main" id="{966D7C58-E6A9-491B-AB0A-0B64DC8CA38A}"/>
+              </a:ext>
+            </a:extLst>
+          </p:cNvPr>
+          <p:cNvSpPr>
+            <a:spLocks noGrp="1"/>
+          </p:cNvSpPr>
+          <p:nvPr>
+            <p:ph type="ctrTitle"/>
+          </p:nvPr>
+        </p:nvSpPr>
+        <p:spPr>
+          <a:xfrm>
+            <a:off x="425319" y="231248"/>
+            <a:ext cx="11487048" cy="699189"/>
+          </a:xfrm>
+        </p:spPr>
+        <p:txBody>
+          <a:bodyPr>
+            <a:normAutofit/>
+          </a:bodyPr>
+          <a:lstStyle/>
+          <a:p>
+            <a:pPr algn="l"/>
+            <a:r>
+              <a:rPr lang="en-GB" sz="4000" dirty="0">
+                <a:solidFill>
+                  <a:srgbClr val="2A89C6"/>
+                </a:solidFill>
+                <a:latin typeface="DINPro-CondBold" panose="020B0806020101010102" pitchFamily="34" charset="0"/>
+                <a:cs typeface="DINPro-CondBold" panose="020B0806020101010102" pitchFamily="34" charset="0"/>
+              </a:rPr>
+              <a:t>DMA Locker v2</a:t>
+            </a:r>
+          </a:p>
+        </p:txBody>
+      </p:sp>
+      <p:sp>
+        <p:nvSpPr>
+          <p:cNvPr id="3" name="Subtitle 2">
+            <a:extLst>
+              <a:ext uri="{FF2B5EF4-FFF2-40B4-BE49-F238E27FC236}">
+                <a16:creationId xmlns:a16="http://schemas.microsoft.com/office/drawing/2014/main" id="{18915AA8-A8A4-4B05-99EE-CC8B2D7EA426}"/>
+              </a:ext>
+            </a:extLst>
+          </p:cNvPr>
+          <p:cNvSpPr>
+            <a:spLocks noGrp="1"/>
+          </p:cNvSpPr>
+          <p:nvPr>
+            <p:ph type="subTitle" idx="1"/>
+          </p:nvPr>
+        </p:nvSpPr>
+        <p:spPr>
+          <a:xfrm>
+            <a:off x="425319" y="6431243"/>
+            <a:ext cx="2259435" cy="321896"/>
+          </a:xfrm>
+        </p:spPr>
+        <p:txBody>
+          <a:bodyPr>
+            <a:normAutofit/>
+          </a:bodyPr>
+          <a:lstStyle/>
+          <a:p>
+            <a:pPr algn="l"/>
+            <a:r>
+              <a:rPr lang="en-NZ" sz="1600" dirty="0">
+                <a:solidFill>
+                  <a:srgbClr val="6E7B80"/>
+                </a:solidFill>
+              </a:rPr>
+              <a:t>www.emsisoft.com</a:t>
+            </a:r>
+          </a:p>
+        </p:txBody>
+      </p:sp>
+      <p:pic>
+        <p:nvPicPr>
+          <p:cNvPr id="5" name="Picture 4">
+            <a:extLst>
+              <a:ext uri="{FF2B5EF4-FFF2-40B4-BE49-F238E27FC236}">
+                <a16:creationId xmlns:a16="http://schemas.microsoft.com/office/drawing/2014/main" id="{F434360A-A163-4B55-8A94-E94BE8D0CC19}"/>
+              </a:ext>
+            </a:extLst>
+          </p:cNvPr>
+          <p:cNvPicPr>
+            <a:picLocks noChangeAspect="1"/>
+          </p:cNvPicPr>
+          <p:nvPr/>
+        </p:nvPicPr>
+        <p:blipFill>
+          <a:blip r:embed="rId2">
+            <a:extLst>
+              <a:ext uri="{28A0092B-C50C-407E-A947-70E740481C1C}">
+                <a14:useLocalDpi xmlns:a14="http://schemas.microsoft.com/office/drawing/2010/main" val="0"/>
+              </a:ext>
+            </a:extLst>
+          </a:blip>
+          <a:stretch>
+            <a:fillRect/>
+          </a:stretch>
+        </p:blipFill>
+        <p:spPr>
+          <a:xfrm>
+            <a:off x="10846965" y="6499338"/>
+            <a:ext cx="919716" cy="194191"/>
+          </a:xfrm>
+          <a:prstGeom prst="rect">
+            <a:avLst/>
+          </a:prstGeom>
+        </p:spPr>
+      </p:pic>
+      <p:pic>
+        <p:nvPicPr>
+          <p:cNvPr id="6" name="Picture 5">
+            <a:extLst>
+              <a:ext uri="{FF2B5EF4-FFF2-40B4-BE49-F238E27FC236}">
+                <a16:creationId xmlns:a16="http://schemas.microsoft.com/office/drawing/2014/main" id="{9F4AC47D-2668-4D2A-8F59-55B0D90C063A}"/>
+              </a:ext>
+            </a:extLst>
+          </p:cNvPr>
+          <p:cNvPicPr>
+            <a:picLocks noChangeAspect="1"/>
+          </p:cNvPicPr>
+          <p:nvPr/>
+        </p:nvPicPr>
+        <p:blipFill>
+          <a:blip r:embed="rId3">
+            <a:extLst>
+              <a:ext uri="{28A0092B-C50C-407E-A947-70E740481C1C}">
+                <a14:useLocalDpi xmlns:a14="http://schemas.microsoft.com/office/drawing/2010/main" val="0"/>
+              </a:ext>
+            </a:extLst>
+          </a:blip>
+          <a:stretch>
+            <a:fillRect/>
+          </a:stretch>
+        </p:blipFill>
+        <p:spPr>
+          <a:xfrm>
+            <a:off x="0" y="980771"/>
+            <a:ext cx="12192000" cy="50034"/>
+          </a:xfrm>
+          <a:prstGeom prst="rect">
+            <a:avLst/>
+          </a:prstGeom>
+        </p:spPr>
+      </p:pic>
+      <p:pic>
+        <p:nvPicPr>
+          <p:cNvPr id="7" name="Picture 6">
+            <a:extLst>
+              <a:ext uri="{FF2B5EF4-FFF2-40B4-BE49-F238E27FC236}">
+                <a16:creationId xmlns:a16="http://schemas.microsoft.com/office/drawing/2014/main" id="{7C3F9D5A-42B8-4854-8CB7-1F22097D158A}"/>
+              </a:ext>
+            </a:extLst>
+          </p:cNvPr>
+          <p:cNvPicPr>
+            <a:picLocks noChangeAspect="1"/>
+          </p:cNvPicPr>
+          <p:nvPr/>
+        </p:nvPicPr>
+        <p:blipFill>
+          <a:blip r:embed="rId4"/>
+          <a:stretch>
+            <a:fillRect/>
+          </a:stretch>
+        </p:blipFill>
+        <p:spPr>
+          <a:xfrm>
+            <a:off x="4133850" y="1852612"/>
+            <a:ext cx="3924300" cy="3152775"/>
+          </a:xfrm>
+          <a:prstGeom prst="rect">
+            <a:avLst/>
+          </a:prstGeom>
+        </p:spPr>
+      </p:pic>
+    </p:spTree>
+    <p:extLst>
+      <p:ext uri="{BB962C8B-B14F-4D97-AF65-F5344CB8AC3E}">
+        <p14:creationId xmlns:p14="http://schemas.microsoft.com/office/powerpoint/2010/main" val="3162561954"/>
+      </p:ext>
+    </p:extLst>
+  </p:cSld>
+  <p:clrMapOvr>
+    <a:masterClrMapping/>
+  </p:clrMapOvr>
+</p:sld>
+</file>
+
+<file path=ppt/slides/slide45.xml><?xml version="1.0" encoding="utf-8"?>
+<p:sld xmlns:a="http://schemas.openxmlformats.org/drawingml/2006/main" xmlns:r="http://schemas.openxmlformats.org/officeDocument/2006/relationships" xmlns:p="http://schemas.openxmlformats.org/presentationml/2006/main">
+  <p:cSld>
+    <p:spTree>
+      <p:nvGrpSpPr>
+        <p:cNvPr id="1" name=""/>
+        <p:cNvGrpSpPr/>
+        <p:nvPr/>
+      </p:nvGrpSpPr>
+      <p:grpSpPr>
+        <a:xfrm>
+          <a:off x="0" y="0"/>
+          <a:ext cx="0" cy="0"/>
+          <a:chOff x="0" y="0"/>
+          <a:chExt cx="0" cy="0"/>
+        </a:xfrm>
+      </p:grpSpPr>
+      <p:sp>
+        <p:nvSpPr>
+          <p:cNvPr id="2" name="Title 1">
+            <a:extLst>
+              <a:ext uri="{FF2B5EF4-FFF2-40B4-BE49-F238E27FC236}">
+                <a16:creationId xmlns:a16="http://schemas.microsoft.com/office/drawing/2014/main" id="{966D7C58-E6A9-491B-AB0A-0B64DC8CA38A}"/>
+              </a:ext>
+            </a:extLst>
+          </p:cNvPr>
+          <p:cNvSpPr>
+            <a:spLocks noGrp="1"/>
+          </p:cNvSpPr>
+          <p:nvPr>
+            <p:ph type="ctrTitle"/>
+          </p:nvPr>
+        </p:nvSpPr>
+        <p:spPr>
+          <a:xfrm>
+            <a:off x="425319" y="231248"/>
+            <a:ext cx="11487048" cy="699189"/>
+          </a:xfrm>
+        </p:spPr>
+        <p:txBody>
+          <a:bodyPr>
+            <a:normAutofit/>
+          </a:bodyPr>
+          <a:lstStyle/>
+          <a:p>
+            <a:pPr algn="l"/>
+            <a:r>
+              <a:rPr lang="en-GB" sz="4000" dirty="0">
+                <a:solidFill>
+                  <a:srgbClr val="2A89C6"/>
+                </a:solidFill>
+                <a:latin typeface="DINPro-CondBold" panose="020B0806020101010102" pitchFamily="34" charset="0"/>
+                <a:cs typeface="DINPro-CondBold" panose="020B0806020101010102" pitchFamily="34" charset="0"/>
+              </a:rPr>
+              <a:t>DMA Locker v3</a:t>
+            </a:r>
+          </a:p>
+        </p:txBody>
+      </p:sp>
+      <p:sp>
+        <p:nvSpPr>
+          <p:cNvPr id="3" name="Subtitle 2">
+            <a:extLst>
+              <a:ext uri="{FF2B5EF4-FFF2-40B4-BE49-F238E27FC236}">
+                <a16:creationId xmlns:a16="http://schemas.microsoft.com/office/drawing/2014/main" id="{18915AA8-A8A4-4B05-99EE-CC8B2D7EA426}"/>
+              </a:ext>
+            </a:extLst>
+          </p:cNvPr>
+          <p:cNvSpPr>
+            <a:spLocks noGrp="1"/>
+          </p:cNvSpPr>
+          <p:nvPr>
+            <p:ph type="subTitle" idx="1"/>
+          </p:nvPr>
+        </p:nvSpPr>
+        <p:spPr>
+          <a:xfrm>
+            <a:off x="425319" y="6431243"/>
+            <a:ext cx="2259435" cy="321896"/>
+          </a:xfrm>
+        </p:spPr>
+        <p:txBody>
+          <a:bodyPr>
+            <a:normAutofit/>
+          </a:bodyPr>
+          <a:lstStyle/>
+          <a:p>
+            <a:pPr algn="l"/>
+            <a:r>
+              <a:rPr lang="en-NZ" sz="1600" dirty="0">
+                <a:solidFill>
+                  <a:srgbClr val="6E7B80"/>
+                </a:solidFill>
+              </a:rPr>
+              <a:t>www.emsisoft.com</a:t>
+            </a:r>
+          </a:p>
+        </p:txBody>
+      </p:sp>
+      <p:pic>
+        <p:nvPicPr>
+          <p:cNvPr id="5" name="Picture 4">
+            <a:extLst>
+              <a:ext uri="{FF2B5EF4-FFF2-40B4-BE49-F238E27FC236}">
+                <a16:creationId xmlns:a16="http://schemas.microsoft.com/office/drawing/2014/main" id="{F434360A-A163-4B55-8A94-E94BE8D0CC19}"/>
+              </a:ext>
+            </a:extLst>
+          </p:cNvPr>
+          <p:cNvPicPr>
+            <a:picLocks noChangeAspect="1"/>
+          </p:cNvPicPr>
+          <p:nvPr/>
+        </p:nvPicPr>
+        <p:blipFill>
+          <a:blip r:embed="rId2">
+            <a:extLst>
+              <a:ext uri="{28A0092B-C50C-407E-A947-70E740481C1C}">
+                <a14:useLocalDpi xmlns:a14="http://schemas.microsoft.com/office/drawing/2010/main" val="0"/>
+              </a:ext>
+            </a:extLst>
+          </a:blip>
+          <a:stretch>
+            <a:fillRect/>
+          </a:stretch>
+        </p:blipFill>
+        <p:spPr>
+          <a:xfrm>
+            <a:off x="10846965" y="6499338"/>
+            <a:ext cx="919716" cy="194191"/>
+          </a:xfrm>
+          <a:prstGeom prst="rect">
+            <a:avLst/>
+          </a:prstGeom>
+        </p:spPr>
+      </p:pic>
+      <p:pic>
+        <p:nvPicPr>
+          <p:cNvPr id="6" name="Picture 5">
+            <a:extLst>
+              <a:ext uri="{FF2B5EF4-FFF2-40B4-BE49-F238E27FC236}">
+                <a16:creationId xmlns:a16="http://schemas.microsoft.com/office/drawing/2014/main" id="{9F4AC47D-2668-4D2A-8F59-55B0D90C063A}"/>
+              </a:ext>
+            </a:extLst>
+          </p:cNvPr>
+          <p:cNvPicPr>
+            <a:picLocks noChangeAspect="1"/>
+          </p:cNvPicPr>
+          <p:nvPr/>
+        </p:nvPicPr>
+        <p:blipFill>
+          <a:blip r:embed="rId3">
+            <a:extLst>
+              <a:ext uri="{28A0092B-C50C-407E-A947-70E740481C1C}">
+                <a14:useLocalDpi xmlns:a14="http://schemas.microsoft.com/office/drawing/2010/main" val="0"/>
+              </a:ext>
+            </a:extLst>
+          </a:blip>
+          <a:stretch>
+            <a:fillRect/>
+          </a:stretch>
+        </p:blipFill>
+        <p:spPr>
+          <a:xfrm>
+            <a:off x="0" y="980771"/>
+            <a:ext cx="12192000" cy="50034"/>
+          </a:xfrm>
+          <a:prstGeom prst="rect">
+            <a:avLst/>
+          </a:prstGeom>
+        </p:spPr>
+      </p:pic>
+      <p:pic>
+        <p:nvPicPr>
+          <p:cNvPr id="8" name="Picture 7">
+            <a:extLst>
+              <a:ext uri="{FF2B5EF4-FFF2-40B4-BE49-F238E27FC236}">
+                <a16:creationId xmlns:a16="http://schemas.microsoft.com/office/drawing/2014/main" id="{6F0991C7-24BE-42F5-8411-FB6C6BF056E2}"/>
+              </a:ext>
+            </a:extLst>
+          </p:cNvPr>
+          <p:cNvPicPr>
+            <a:picLocks noChangeAspect="1"/>
+          </p:cNvPicPr>
+          <p:nvPr/>
+        </p:nvPicPr>
+        <p:blipFill>
+          <a:blip r:embed="rId4"/>
+          <a:stretch>
+            <a:fillRect/>
+          </a:stretch>
+        </p:blipFill>
+        <p:spPr>
+          <a:xfrm>
+            <a:off x="2289773" y="1707545"/>
+            <a:ext cx="7758140" cy="4046957"/>
+          </a:xfrm>
+          <a:prstGeom prst="rect">
+            <a:avLst/>
+          </a:prstGeom>
+        </p:spPr>
+      </p:pic>
+    </p:spTree>
+    <p:extLst>
+      <p:ext uri="{BB962C8B-B14F-4D97-AF65-F5344CB8AC3E}">
+        <p14:creationId xmlns:p14="http://schemas.microsoft.com/office/powerpoint/2010/main" val="3392001884"/>
+      </p:ext>
+    </p:extLst>
+  </p:cSld>
+  <p:clrMapOvr>
+    <a:masterClrMapping/>
+  </p:clrMapOvr>
+</p:sld>
+</file>
+
+<file path=ppt/slides/slide46.xml><?xml version="1.0" encoding="utf-8"?>
+<p:sld xmlns:a="http://schemas.openxmlformats.org/drawingml/2006/main" xmlns:r="http://schemas.openxmlformats.org/officeDocument/2006/relationships" xmlns:p="http://schemas.openxmlformats.org/presentationml/2006/main">
+  <p:cSld>
+    <p:spTree>
+      <p:nvGrpSpPr>
+        <p:cNvPr id="1" name=""/>
+        <p:cNvGrpSpPr/>
+        <p:nvPr/>
+      </p:nvGrpSpPr>
+      <p:grpSpPr>
+        <a:xfrm>
+          <a:off x="0" y="0"/>
+          <a:ext cx="0" cy="0"/>
+          <a:chOff x="0" y="0"/>
+          <a:chExt cx="0" cy="0"/>
+        </a:xfrm>
+      </p:grpSpPr>
+      <p:sp>
+        <p:nvSpPr>
+          <p:cNvPr id="2" name="Title 1">
+            <a:extLst>
+              <a:ext uri="{FF2B5EF4-FFF2-40B4-BE49-F238E27FC236}">
+                <a16:creationId xmlns:a16="http://schemas.microsoft.com/office/drawing/2014/main" id="{966D7C58-E6A9-491B-AB0A-0B64DC8CA38A}"/>
+              </a:ext>
+            </a:extLst>
+          </p:cNvPr>
+          <p:cNvSpPr>
+            <a:spLocks noGrp="1"/>
+          </p:cNvSpPr>
+          <p:nvPr>
+            <p:ph type="ctrTitle"/>
+          </p:nvPr>
+        </p:nvSpPr>
+        <p:spPr>
+          <a:xfrm>
+            <a:off x="425319" y="231248"/>
+            <a:ext cx="11487048" cy="699189"/>
+          </a:xfrm>
+        </p:spPr>
+        <p:txBody>
+          <a:bodyPr>
+            <a:normAutofit/>
+          </a:bodyPr>
+          <a:lstStyle/>
+          <a:p>
+            <a:pPr algn="l"/>
+            <a:r>
+              <a:rPr lang="en-GB" sz="4000" dirty="0" err="1">
+                <a:solidFill>
+                  <a:srgbClr val="2A89C6"/>
+                </a:solidFill>
+                <a:latin typeface="DINPro-CondBold" panose="020B0806020101010102" pitchFamily="34" charset="0"/>
+                <a:cs typeface="DINPro-CondBold" panose="020B0806020101010102" pitchFamily="34" charset="0"/>
+              </a:rPr>
+              <a:t>CryptoDefense</a:t>
+            </a:r>
+            <a:endParaRPr lang="en-GB" sz="4000" dirty="0">
+              <a:solidFill>
+                <a:srgbClr val="2A89C6"/>
+              </a:solidFill>
+              <a:latin typeface="DINPro-CondBold" panose="020B0806020101010102" pitchFamily="34" charset="0"/>
+              <a:cs typeface="DINPro-CondBold" panose="020B0806020101010102" pitchFamily="34" charset="0"/>
+            </a:endParaRPr>
+          </a:p>
+        </p:txBody>
+      </p:sp>
+      <p:sp>
+        <p:nvSpPr>
+          <p:cNvPr id="3" name="Subtitle 2">
+            <a:extLst>
+              <a:ext uri="{FF2B5EF4-FFF2-40B4-BE49-F238E27FC236}">
+                <a16:creationId xmlns:a16="http://schemas.microsoft.com/office/drawing/2014/main" id="{18915AA8-A8A4-4B05-99EE-CC8B2D7EA426}"/>
+              </a:ext>
+            </a:extLst>
+          </p:cNvPr>
+          <p:cNvSpPr>
+            <a:spLocks noGrp="1"/>
+          </p:cNvSpPr>
+          <p:nvPr>
+            <p:ph type="subTitle" idx="1"/>
+          </p:nvPr>
+        </p:nvSpPr>
+        <p:spPr>
+          <a:xfrm>
+            <a:off x="425319" y="6431243"/>
+            <a:ext cx="2259435" cy="321896"/>
+          </a:xfrm>
+        </p:spPr>
+        <p:txBody>
+          <a:bodyPr>
+            <a:normAutofit/>
+          </a:bodyPr>
+          <a:lstStyle/>
+          <a:p>
+            <a:pPr algn="l"/>
+            <a:r>
+              <a:rPr lang="en-NZ" sz="1600" dirty="0">
+                <a:solidFill>
+                  <a:srgbClr val="6E7B80"/>
+                </a:solidFill>
+              </a:rPr>
+              <a:t>www.emsisoft.com</a:t>
+            </a:r>
+          </a:p>
+        </p:txBody>
+      </p:sp>
+      <p:pic>
+        <p:nvPicPr>
+          <p:cNvPr id="5" name="Picture 4">
+            <a:extLst>
+              <a:ext uri="{FF2B5EF4-FFF2-40B4-BE49-F238E27FC236}">
+                <a16:creationId xmlns:a16="http://schemas.microsoft.com/office/drawing/2014/main" id="{F434360A-A163-4B55-8A94-E94BE8D0CC19}"/>
+              </a:ext>
+            </a:extLst>
+          </p:cNvPr>
+          <p:cNvPicPr>
+            <a:picLocks noChangeAspect="1"/>
+          </p:cNvPicPr>
+          <p:nvPr/>
+        </p:nvPicPr>
+        <p:blipFill>
+          <a:blip r:embed="rId2">
+            <a:extLst>
+              <a:ext uri="{28A0092B-C50C-407E-A947-70E740481C1C}">
+                <a14:useLocalDpi xmlns:a14="http://schemas.microsoft.com/office/drawing/2010/main" val="0"/>
+              </a:ext>
+            </a:extLst>
+          </a:blip>
+          <a:stretch>
+            <a:fillRect/>
+          </a:stretch>
+        </p:blipFill>
+        <p:spPr>
+          <a:xfrm>
+            <a:off x="10846965" y="6499338"/>
+            <a:ext cx="919716" cy="194191"/>
+          </a:xfrm>
+          <a:prstGeom prst="rect">
+            <a:avLst/>
+          </a:prstGeom>
+        </p:spPr>
+      </p:pic>
+      <p:pic>
+        <p:nvPicPr>
+          <p:cNvPr id="6" name="Picture 5">
+            <a:extLst>
+              <a:ext uri="{FF2B5EF4-FFF2-40B4-BE49-F238E27FC236}">
+                <a16:creationId xmlns:a16="http://schemas.microsoft.com/office/drawing/2014/main" id="{9F4AC47D-2668-4D2A-8F59-55B0D90C063A}"/>
+              </a:ext>
+            </a:extLst>
+          </p:cNvPr>
+          <p:cNvPicPr>
+            <a:picLocks noChangeAspect="1"/>
+          </p:cNvPicPr>
+          <p:nvPr/>
+        </p:nvPicPr>
+        <p:blipFill>
+          <a:blip r:embed="rId3">
+            <a:extLst>
+              <a:ext uri="{28A0092B-C50C-407E-A947-70E740481C1C}">
+                <a14:useLocalDpi xmlns:a14="http://schemas.microsoft.com/office/drawing/2010/main" val="0"/>
+              </a:ext>
+            </a:extLst>
+          </a:blip>
+          <a:stretch>
+            <a:fillRect/>
+          </a:stretch>
+        </p:blipFill>
+        <p:spPr>
+          <a:xfrm>
+            <a:off x="0" y="980771"/>
+            <a:ext cx="12192000" cy="50034"/>
+          </a:xfrm>
+          <a:prstGeom prst="rect">
+            <a:avLst/>
+          </a:prstGeom>
+        </p:spPr>
+      </p:pic>
+      <p:pic>
+        <p:nvPicPr>
+          <p:cNvPr id="7" name="Picture 6">
+            <a:extLst>
+              <a:ext uri="{FF2B5EF4-FFF2-40B4-BE49-F238E27FC236}">
+                <a16:creationId xmlns:a16="http://schemas.microsoft.com/office/drawing/2014/main" id="{98AB3F6C-732D-480E-A96C-169AC4E1244C}"/>
+              </a:ext>
+            </a:extLst>
+          </p:cNvPr>
+          <p:cNvPicPr>
+            <a:picLocks noChangeAspect="1"/>
+          </p:cNvPicPr>
+          <p:nvPr/>
+        </p:nvPicPr>
+        <p:blipFill>
+          <a:blip r:embed="rId4"/>
+          <a:stretch>
+            <a:fillRect/>
+          </a:stretch>
+        </p:blipFill>
+        <p:spPr>
+          <a:xfrm>
+            <a:off x="1975697" y="1304641"/>
+            <a:ext cx="8386289" cy="1417038"/>
+          </a:xfrm>
+          <a:prstGeom prst="rect">
+            <a:avLst/>
+          </a:prstGeom>
+        </p:spPr>
+      </p:pic>
+      <p:pic>
+        <p:nvPicPr>
+          <p:cNvPr id="9" name="Picture 8">
+            <a:extLst>
+              <a:ext uri="{FF2B5EF4-FFF2-40B4-BE49-F238E27FC236}">
+                <a16:creationId xmlns:a16="http://schemas.microsoft.com/office/drawing/2014/main" id="{616A55DD-7488-4D2B-9C0A-DAD576AAB217}"/>
+              </a:ext>
+            </a:extLst>
+          </p:cNvPr>
+          <p:cNvPicPr>
+            <a:picLocks noChangeAspect="1"/>
+          </p:cNvPicPr>
+          <p:nvPr/>
+        </p:nvPicPr>
+        <p:blipFill>
+          <a:blip r:embed="rId5"/>
+          <a:stretch>
+            <a:fillRect/>
+          </a:stretch>
+        </p:blipFill>
+        <p:spPr>
+          <a:xfrm>
+            <a:off x="1506355" y="2721679"/>
+            <a:ext cx="9324975" cy="3533775"/>
+          </a:xfrm>
+          <a:prstGeom prst="rect">
+            <a:avLst/>
+          </a:prstGeom>
+        </p:spPr>
+      </p:pic>
+    </p:spTree>
+    <p:extLst>
+      <p:ext uri="{BB962C8B-B14F-4D97-AF65-F5344CB8AC3E}">
+        <p14:creationId xmlns:p14="http://schemas.microsoft.com/office/powerpoint/2010/main" val="3924386771"/>
+      </p:ext>
+    </p:extLst>
+  </p:cSld>
+  <p:clrMapOvr>
+    <a:masterClrMapping/>
+  </p:clrMapOvr>
+</p:sld>
+</file>
+
+<file path=ppt/slides/slide47.xml><?xml version="1.0" encoding="utf-8"?>
+<p:sld xmlns:a="http://schemas.openxmlformats.org/drawingml/2006/main" xmlns:r="http://schemas.openxmlformats.org/officeDocument/2006/relationships" xmlns:p="http://schemas.openxmlformats.org/presentationml/2006/main">
+  <p:cSld>
+    <p:spTree>
+      <p:nvGrpSpPr>
+        <p:cNvPr id="1" name=""/>
+        <p:cNvGrpSpPr/>
+        <p:nvPr/>
+      </p:nvGrpSpPr>
+      <p:grpSpPr>
+        <a:xfrm>
+          <a:off x="0" y="0"/>
+          <a:ext cx="0" cy="0"/>
+          <a:chOff x="0" y="0"/>
+          <a:chExt cx="0" cy="0"/>
+        </a:xfrm>
+      </p:grpSpPr>
+      <p:sp>
+        <p:nvSpPr>
+          <p:cNvPr id="2" name="Title 1">
+            <a:extLst>
+              <a:ext uri="{FF2B5EF4-FFF2-40B4-BE49-F238E27FC236}">
+                <a16:creationId xmlns:a16="http://schemas.microsoft.com/office/drawing/2014/main" id="{966D7C58-E6A9-491B-AB0A-0B64DC8CA38A}"/>
+              </a:ext>
+            </a:extLst>
+          </p:cNvPr>
+          <p:cNvSpPr>
+            <a:spLocks noGrp="1"/>
+          </p:cNvSpPr>
+          <p:nvPr>
+            <p:ph type="ctrTitle"/>
+          </p:nvPr>
+        </p:nvSpPr>
+        <p:spPr>
+          <a:xfrm>
+            <a:off x="425319" y="231248"/>
+            <a:ext cx="11487048" cy="699189"/>
+          </a:xfrm>
+        </p:spPr>
+        <p:txBody>
+          <a:bodyPr>
+            <a:normAutofit/>
+          </a:bodyPr>
+          <a:lstStyle/>
+          <a:p>
+            <a:pPr algn="l"/>
+            <a:r>
+              <a:rPr lang="en-GB" sz="4000" dirty="0" err="1">
+                <a:solidFill>
+                  <a:srgbClr val="2A89C6"/>
+                </a:solidFill>
+                <a:latin typeface="DINPro-CondBold" panose="020B0806020101010102" pitchFamily="34" charset="0"/>
+                <a:cs typeface="DINPro-CondBold" panose="020B0806020101010102" pitchFamily="34" charset="0"/>
+              </a:rPr>
+              <a:t>MegaLocker</a:t>
+            </a:r>
+            <a:endParaRPr lang="en-GB" sz="4000" dirty="0">
+              <a:solidFill>
+                <a:srgbClr val="2A89C6"/>
+              </a:solidFill>
+              <a:latin typeface="DINPro-CondBold" panose="020B0806020101010102" pitchFamily="34" charset="0"/>
+              <a:cs typeface="DINPro-CondBold" panose="020B0806020101010102" pitchFamily="34" charset="0"/>
+            </a:endParaRPr>
+          </a:p>
+        </p:txBody>
+      </p:sp>
+      <p:sp>
+        <p:nvSpPr>
+          <p:cNvPr id="3" name="Subtitle 2">
+            <a:extLst>
+              <a:ext uri="{FF2B5EF4-FFF2-40B4-BE49-F238E27FC236}">
+                <a16:creationId xmlns:a16="http://schemas.microsoft.com/office/drawing/2014/main" id="{18915AA8-A8A4-4B05-99EE-CC8B2D7EA426}"/>
+              </a:ext>
+            </a:extLst>
+          </p:cNvPr>
+          <p:cNvSpPr>
+            <a:spLocks noGrp="1"/>
+          </p:cNvSpPr>
+          <p:nvPr>
+            <p:ph type="subTitle" idx="1"/>
+          </p:nvPr>
+        </p:nvSpPr>
+        <p:spPr>
+          <a:xfrm>
+            <a:off x="425319" y="6431243"/>
+            <a:ext cx="2259435" cy="321896"/>
+          </a:xfrm>
+        </p:spPr>
+        <p:txBody>
+          <a:bodyPr>
+            <a:normAutofit/>
+          </a:bodyPr>
+          <a:lstStyle/>
+          <a:p>
+            <a:pPr algn="l"/>
+            <a:r>
+              <a:rPr lang="en-NZ" sz="1600" dirty="0">
+                <a:solidFill>
+                  <a:srgbClr val="6E7B80"/>
+                </a:solidFill>
+              </a:rPr>
+              <a:t>www.emsisoft.com</a:t>
+            </a:r>
+          </a:p>
+        </p:txBody>
+      </p:sp>
+      <p:pic>
+        <p:nvPicPr>
+          <p:cNvPr id="5" name="Picture 4">
+            <a:extLst>
+              <a:ext uri="{FF2B5EF4-FFF2-40B4-BE49-F238E27FC236}">
+                <a16:creationId xmlns:a16="http://schemas.microsoft.com/office/drawing/2014/main" id="{F434360A-A163-4B55-8A94-E94BE8D0CC19}"/>
+              </a:ext>
+            </a:extLst>
+          </p:cNvPr>
+          <p:cNvPicPr>
+            <a:picLocks noChangeAspect="1"/>
+          </p:cNvPicPr>
+          <p:nvPr/>
+        </p:nvPicPr>
+        <p:blipFill>
+          <a:blip r:embed="rId2">
+            <a:extLst>
+              <a:ext uri="{28A0092B-C50C-407E-A947-70E740481C1C}">
+                <a14:useLocalDpi xmlns:a14="http://schemas.microsoft.com/office/drawing/2010/main" val="0"/>
+              </a:ext>
+            </a:extLst>
+          </a:blip>
+          <a:stretch>
+            <a:fillRect/>
+          </a:stretch>
+        </p:blipFill>
+        <p:spPr>
+          <a:xfrm>
+            <a:off x="10846965" y="6499338"/>
+            <a:ext cx="919716" cy="194191"/>
+          </a:xfrm>
+          <a:prstGeom prst="rect">
+            <a:avLst/>
+          </a:prstGeom>
+        </p:spPr>
+      </p:pic>
+      <p:pic>
+        <p:nvPicPr>
+          <p:cNvPr id="6" name="Picture 5">
+            <a:extLst>
+              <a:ext uri="{FF2B5EF4-FFF2-40B4-BE49-F238E27FC236}">
+                <a16:creationId xmlns:a16="http://schemas.microsoft.com/office/drawing/2014/main" id="{9F4AC47D-2668-4D2A-8F59-55B0D90C063A}"/>
+              </a:ext>
+            </a:extLst>
+          </p:cNvPr>
+          <p:cNvPicPr>
+            <a:picLocks noChangeAspect="1"/>
+          </p:cNvPicPr>
+          <p:nvPr/>
+        </p:nvPicPr>
+        <p:blipFill>
+          <a:blip r:embed="rId3">
+            <a:extLst>
+              <a:ext uri="{28A0092B-C50C-407E-A947-70E740481C1C}">
+                <a14:useLocalDpi xmlns:a14="http://schemas.microsoft.com/office/drawing/2010/main" val="0"/>
+              </a:ext>
+            </a:extLst>
+          </a:blip>
+          <a:stretch>
+            <a:fillRect/>
+          </a:stretch>
+        </p:blipFill>
+        <p:spPr>
+          <a:xfrm>
+            <a:off x="0" y="980771"/>
+            <a:ext cx="12192000" cy="50034"/>
+          </a:xfrm>
+          <a:prstGeom prst="rect">
+            <a:avLst/>
+          </a:prstGeom>
+        </p:spPr>
+      </p:pic>
+      <p:pic>
+        <p:nvPicPr>
+          <p:cNvPr id="8" name="Picture 7">
+            <a:extLst>
+              <a:ext uri="{FF2B5EF4-FFF2-40B4-BE49-F238E27FC236}">
+                <a16:creationId xmlns:a16="http://schemas.microsoft.com/office/drawing/2014/main" id="{05D54DC8-56F1-43CF-A79B-891CF9C4B679}"/>
+              </a:ext>
+            </a:extLst>
+          </p:cNvPr>
+          <p:cNvPicPr>
+            <a:picLocks noChangeAspect="1"/>
+          </p:cNvPicPr>
+          <p:nvPr/>
+        </p:nvPicPr>
+        <p:blipFill>
+          <a:blip r:embed="rId4"/>
+          <a:stretch>
+            <a:fillRect/>
+          </a:stretch>
+        </p:blipFill>
+        <p:spPr>
+          <a:xfrm>
+            <a:off x="3490818" y="1381848"/>
+            <a:ext cx="5356049" cy="3096113"/>
+          </a:xfrm>
+          <a:prstGeom prst="rect">
+            <a:avLst/>
+          </a:prstGeom>
+        </p:spPr>
+      </p:pic>
+      <p:pic>
+        <p:nvPicPr>
+          <p:cNvPr id="10" name="Picture 9">
+            <a:extLst>
+              <a:ext uri="{FF2B5EF4-FFF2-40B4-BE49-F238E27FC236}">
+                <a16:creationId xmlns:a16="http://schemas.microsoft.com/office/drawing/2014/main" id="{1CD533AF-B059-4A83-B806-EC4393BD49EB}"/>
+              </a:ext>
+            </a:extLst>
+          </p:cNvPr>
+          <p:cNvPicPr>
+            <a:picLocks noChangeAspect="1"/>
+          </p:cNvPicPr>
+          <p:nvPr/>
+        </p:nvPicPr>
+        <p:blipFill>
+          <a:blip r:embed="rId5"/>
+          <a:stretch>
+            <a:fillRect/>
+          </a:stretch>
+        </p:blipFill>
+        <p:spPr>
+          <a:xfrm>
+            <a:off x="2630377" y="4542128"/>
+            <a:ext cx="7076930" cy="1605000"/>
+          </a:xfrm>
+          <a:prstGeom prst="rect">
+            <a:avLst/>
+          </a:prstGeom>
+        </p:spPr>
+      </p:pic>
+    </p:spTree>
+    <p:extLst>
+      <p:ext uri="{BB962C8B-B14F-4D97-AF65-F5344CB8AC3E}">
+        <p14:creationId xmlns:p14="http://schemas.microsoft.com/office/powerpoint/2010/main" val="4092045904"/>
+      </p:ext>
+    </p:extLst>
+  </p:cSld>
+  <p:clrMapOvr>
+    <a:masterClrMapping/>
+  </p:clrMapOvr>
+</p:sld>
+</file>
+
+<file path=ppt/slides/slide48.xml><?xml version="1.0" encoding="utf-8"?>
+<p:sld xmlns:a="http://schemas.openxmlformats.org/drawingml/2006/main" xmlns:r="http://schemas.openxmlformats.org/officeDocument/2006/relationships" xmlns:p="http://schemas.openxmlformats.org/presentationml/2006/main">
+  <p:cSld>
+    <p:spTree>
+      <p:nvGrpSpPr>
+        <p:cNvPr id="1" name=""/>
+        <p:cNvGrpSpPr/>
+        <p:nvPr/>
+      </p:nvGrpSpPr>
+      <p:grpSpPr>
+        <a:xfrm>
+          <a:off x="0" y="0"/>
+          <a:ext cx="0" cy="0"/>
+          <a:chOff x="0" y="0"/>
+          <a:chExt cx="0" cy="0"/>
+        </a:xfrm>
+      </p:grpSpPr>
+      <p:sp>
+        <p:nvSpPr>
+          <p:cNvPr id="2" name="Title 1">
+            <a:extLst>
+              <a:ext uri="{FF2B5EF4-FFF2-40B4-BE49-F238E27FC236}">
+                <a16:creationId xmlns:a16="http://schemas.microsoft.com/office/drawing/2014/main" id="{966D7C58-E6A9-491B-AB0A-0B64DC8CA38A}"/>
+              </a:ext>
+            </a:extLst>
+          </p:cNvPr>
+          <p:cNvSpPr>
+            <a:spLocks noGrp="1"/>
+          </p:cNvSpPr>
+          <p:nvPr>
+            <p:ph type="ctrTitle"/>
+          </p:nvPr>
+        </p:nvSpPr>
+        <p:spPr>
+          <a:xfrm>
+            <a:off x="425319" y="231248"/>
+            <a:ext cx="11487048" cy="699189"/>
+          </a:xfrm>
+        </p:spPr>
+        <p:txBody>
+          <a:bodyPr>
+            <a:normAutofit/>
+          </a:bodyPr>
+          <a:lstStyle/>
+          <a:p>
+            <a:pPr algn="l"/>
+            <a:r>
+              <a:rPr lang="en-GB" sz="4000" dirty="0" err="1">
+                <a:solidFill>
+                  <a:srgbClr val="2A89C6"/>
+                </a:solidFill>
+                <a:latin typeface="DINPro-CondBold" panose="020B0806020101010102" pitchFamily="34" charset="0"/>
+                <a:cs typeface="DINPro-CondBold" panose="020B0806020101010102" pitchFamily="34" charset="0"/>
+              </a:rPr>
+              <a:t>Spora</a:t>
+            </a:r>
+            <a:endParaRPr lang="en-GB" sz="4000" dirty="0">
+              <a:solidFill>
+                <a:srgbClr val="2A89C6"/>
+              </a:solidFill>
+              <a:latin typeface="DINPro-CondBold" panose="020B0806020101010102" pitchFamily="34" charset="0"/>
+              <a:cs typeface="DINPro-CondBold" panose="020B0806020101010102" pitchFamily="34" charset="0"/>
+            </a:endParaRPr>
+          </a:p>
+        </p:txBody>
+      </p:sp>
+      <p:sp>
+        <p:nvSpPr>
+          <p:cNvPr id="3" name="Subtitle 2">
+            <a:extLst>
+              <a:ext uri="{FF2B5EF4-FFF2-40B4-BE49-F238E27FC236}">
+                <a16:creationId xmlns:a16="http://schemas.microsoft.com/office/drawing/2014/main" id="{18915AA8-A8A4-4B05-99EE-CC8B2D7EA426}"/>
+              </a:ext>
+            </a:extLst>
+          </p:cNvPr>
+          <p:cNvSpPr>
+            <a:spLocks noGrp="1"/>
+          </p:cNvSpPr>
+          <p:nvPr>
+            <p:ph type="subTitle" idx="1"/>
+          </p:nvPr>
+        </p:nvSpPr>
+        <p:spPr>
+          <a:xfrm>
+            <a:off x="425319" y="6431243"/>
+            <a:ext cx="2259435" cy="321896"/>
+          </a:xfrm>
+        </p:spPr>
+        <p:txBody>
+          <a:bodyPr>
+            <a:normAutofit/>
+          </a:bodyPr>
+          <a:lstStyle/>
+          <a:p>
+            <a:pPr algn="l"/>
+            <a:r>
+              <a:rPr lang="en-NZ" sz="1600" dirty="0">
+                <a:solidFill>
+                  <a:srgbClr val="6E7B80"/>
+                </a:solidFill>
+              </a:rPr>
+              <a:t>www.emsisoft.com</a:t>
+            </a:r>
+          </a:p>
+        </p:txBody>
+      </p:sp>
+      <p:pic>
+        <p:nvPicPr>
+          <p:cNvPr id="5" name="Picture 4">
+            <a:extLst>
+              <a:ext uri="{FF2B5EF4-FFF2-40B4-BE49-F238E27FC236}">
+                <a16:creationId xmlns:a16="http://schemas.microsoft.com/office/drawing/2014/main" id="{F434360A-A163-4B55-8A94-E94BE8D0CC19}"/>
+              </a:ext>
+            </a:extLst>
+          </p:cNvPr>
+          <p:cNvPicPr>
+            <a:picLocks noChangeAspect="1"/>
+          </p:cNvPicPr>
+          <p:nvPr/>
+        </p:nvPicPr>
+        <p:blipFill>
+          <a:blip r:embed="rId2">
+            <a:extLst>
+              <a:ext uri="{28A0092B-C50C-407E-A947-70E740481C1C}">
+                <a14:useLocalDpi xmlns:a14="http://schemas.microsoft.com/office/drawing/2010/main" val="0"/>
+              </a:ext>
+            </a:extLst>
+          </a:blip>
+          <a:stretch>
+            <a:fillRect/>
+          </a:stretch>
+        </p:blipFill>
+        <p:spPr>
+          <a:xfrm>
+            <a:off x="10846965" y="6499338"/>
+            <a:ext cx="919716" cy="194191"/>
+          </a:xfrm>
+          <a:prstGeom prst="rect">
+            <a:avLst/>
+          </a:prstGeom>
+        </p:spPr>
+      </p:pic>
+      <p:pic>
+        <p:nvPicPr>
+          <p:cNvPr id="6" name="Picture 5">
+            <a:extLst>
+              <a:ext uri="{FF2B5EF4-FFF2-40B4-BE49-F238E27FC236}">
+                <a16:creationId xmlns:a16="http://schemas.microsoft.com/office/drawing/2014/main" id="{9F4AC47D-2668-4D2A-8F59-55B0D90C063A}"/>
+              </a:ext>
+            </a:extLst>
+          </p:cNvPr>
+          <p:cNvPicPr>
+            <a:picLocks noChangeAspect="1"/>
+          </p:cNvPicPr>
+          <p:nvPr/>
+        </p:nvPicPr>
+        <p:blipFill>
+          <a:blip r:embed="rId3">
+            <a:extLst>
+              <a:ext uri="{28A0092B-C50C-407E-A947-70E740481C1C}">
+                <a14:useLocalDpi xmlns:a14="http://schemas.microsoft.com/office/drawing/2010/main" val="0"/>
+              </a:ext>
+            </a:extLst>
+          </a:blip>
+          <a:stretch>
+            <a:fillRect/>
+          </a:stretch>
+        </p:blipFill>
+        <p:spPr>
+          <a:xfrm>
+            <a:off x="0" y="980771"/>
+            <a:ext cx="12192000" cy="50034"/>
+          </a:xfrm>
+          <a:prstGeom prst="rect">
+            <a:avLst/>
+          </a:prstGeom>
+        </p:spPr>
+      </p:pic>
+      <p:pic>
+        <p:nvPicPr>
+          <p:cNvPr id="9" name="Picture 6" descr="https://blog.emsisoft.com/wp-content/uploads/2017/01/VuuUblX.png">
+            <a:extLst>
+              <a:ext uri="{FF2B5EF4-FFF2-40B4-BE49-F238E27FC236}">
+                <a16:creationId xmlns:a16="http://schemas.microsoft.com/office/drawing/2014/main" id="{25A2D08C-5E06-4AE9-B34B-10D06C97A9E8}"/>
+              </a:ext>
+            </a:extLst>
+          </p:cNvPr>
+          <p:cNvPicPr>
+            <a:picLocks noChangeAspect="1" noChangeArrowheads="1"/>
+          </p:cNvPicPr>
+          <p:nvPr/>
+        </p:nvPicPr>
+        <p:blipFill>
+          <a:blip r:embed="rId4">
+            <a:extLst>
+              <a:ext uri="{28A0092B-C50C-407E-A947-70E740481C1C}">
+                <a14:useLocalDpi xmlns:a14="http://schemas.microsoft.com/office/drawing/2010/main" val="0"/>
+              </a:ext>
+            </a:extLst>
+          </a:blip>
+          <a:srcRect/>
+          <a:stretch>
+            <a:fillRect/>
+          </a:stretch>
+        </p:blipFill>
+        <p:spPr bwMode="auto">
+          <a:xfrm>
+            <a:off x="1596545" y="1744308"/>
+            <a:ext cx="8998910" cy="3973432"/>
+          </a:xfrm>
+          <a:prstGeom prst="rect">
+            <a:avLst/>
+          </a:prstGeom>
+          <a:noFill/>
+          <a:extLst>
+            <a:ext uri="{909E8E84-426E-40DD-AFC4-6F175D3DCCD1}">
+              <a14:hiddenFill xmlns:a14="http://schemas.microsoft.com/office/drawing/2010/main">
+                <a:solidFill>
+                  <a:srgbClr val="FFFFFF"/>
+                </a:solidFill>
+              </a14:hiddenFill>
+            </a:ext>
+          </a:extLst>
+        </p:spPr>
+      </p:pic>
+    </p:spTree>
+    <p:extLst>
+      <p:ext uri="{BB962C8B-B14F-4D97-AF65-F5344CB8AC3E}">
+        <p14:creationId xmlns:p14="http://schemas.microsoft.com/office/powerpoint/2010/main" val="2596367864"/>
+      </p:ext>
+    </p:extLst>
+  </p:cSld>
+  <p:clrMapOvr>
+    <a:masterClrMapping/>
+  </p:clrMapOvr>
+</p:sld>
+</file>
+
+<file path=ppt/slides/slide49.xml><?xml version="1.0" encoding="utf-8"?>
+<p:sld xmlns:a="http://schemas.openxmlformats.org/drawingml/2006/main" xmlns:r="http://schemas.openxmlformats.org/officeDocument/2006/relationships" xmlns:p="http://schemas.openxmlformats.org/presentationml/2006/main">
+  <p:cSld>
+    <p:spTree>
+      <p:nvGrpSpPr>
+        <p:cNvPr id="1" name=""/>
+        <p:cNvGrpSpPr/>
+        <p:nvPr/>
+      </p:nvGrpSpPr>
+      <p:grpSpPr>
+        <a:xfrm>
+          <a:off x="0" y="0"/>
+          <a:ext cx="0" cy="0"/>
+          <a:chOff x="0" y="0"/>
+          <a:chExt cx="0" cy="0"/>
+        </a:xfrm>
+      </p:grpSpPr>
+      <p:sp>
+        <p:nvSpPr>
+          <p:cNvPr id="2" name="Title 1">
+            <a:extLst>
+              <a:ext uri="{FF2B5EF4-FFF2-40B4-BE49-F238E27FC236}">
+                <a16:creationId xmlns:a16="http://schemas.microsoft.com/office/drawing/2014/main" id="{966D7C58-E6A9-491B-AB0A-0B64DC8CA38A}"/>
+              </a:ext>
+            </a:extLst>
+          </p:cNvPr>
+          <p:cNvSpPr>
+            <a:spLocks noGrp="1"/>
+          </p:cNvSpPr>
+          <p:nvPr>
+            <p:ph type="ctrTitle"/>
+          </p:nvPr>
+        </p:nvSpPr>
+        <p:spPr>
+          <a:xfrm>
+            <a:off x="425319" y="231248"/>
+            <a:ext cx="11487048" cy="699189"/>
+          </a:xfrm>
+        </p:spPr>
+        <p:txBody>
+          <a:bodyPr>
+            <a:normAutofit/>
+          </a:bodyPr>
+          <a:lstStyle/>
+          <a:p>
+            <a:pPr algn="l"/>
+            <a:r>
+              <a:rPr lang="en-GB" sz="4000" dirty="0" err="1">
+                <a:solidFill>
+                  <a:srgbClr val="2A89C6"/>
+                </a:solidFill>
+                <a:latin typeface="DINPro-CondBold" panose="020B0806020101010102" pitchFamily="34" charset="0"/>
+                <a:cs typeface="DINPro-CondBold" panose="020B0806020101010102" pitchFamily="34" charset="0"/>
+              </a:rPr>
+              <a:t>Spora</a:t>
+            </a:r>
+            <a:endParaRPr lang="en-GB" sz="4000" dirty="0">
+              <a:solidFill>
+                <a:srgbClr val="2A89C6"/>
+              </a:solidFill>
+              <a:latin typeface="DINPro-CondBold" panose="020B0806020101010102" pitchFamily="34" charset="0"/>
+              <a:cs typeface="DINPro-CondBold" panose="020B0806020101010102" pitchFamily="34" charset="0"/>
+            </a:endParaRPr>
+          </a:p>
+        </p:txBody>
+      </p:sp>
+      <p:sp>
+        <p:nvSpPr>
+          <p:cNvPr id="3" name="Subtitle 2">
+            <a:extLst>
+              <a:ext uri="{FF2B5EF4-FFF2-40B4-BE49-F238E27FC236}">
+                <a16:creationId xmlns:a16="http://schemas.microsoft.com/office/drawing/2014/main" id="{18915AA8-A8A4-4B05-99EE-CC8B2D7EA426}"/>
+              </a:ext>
+            </a:extLst>
+          </p:cNvPr>
+          <p:cNvSpPr>
+            <a:spLocks noGrp="1"/>
+          </p:cNvSpPr>
+          <p:nvPr>
+            <p:ph type="subTitle" idx="1"/>
+          </p:nvPr>
+        </p:nvSpPr>
+        <p:spPr>
+          <a:xfrm>
+            <a:off x="425319" y="6431243"/>
+            <a:ext cx="2259435" cy="321896"/>
+          </a:xfrm>
+        </p:spPr>
+        <p:txBody>
+          <a:bodyPr>
+            <a:normAutofit/>
+          </a:bodyPr>
+          <a:lstStyle/>
+          <a:p>
+            <a:pPr algn="l"/>
+            <a:r>
+              <a:rPr lang="en-NZ" sz="1600" dirty="0">
+                <a:solidFill>
+                  <a:srgbClr val="6E7B80"/>
+                </a:solidFill>
+              </a:rPr>
+              <a:t>www.emsisoft.com</a:t>
+            </a:r>
+          </a:p>
+        </p:txBody>
+      </p:sp>
+      <p:pic>
+        <p:nvPicPr>
+          <p:cNvPr id="5" name="Picture 4">
+            <a:extLst>
+              <a:ext uri="{FF2B5EF4-FFF2-40B4-BE49-F238E27FC236}">
+                <a16:creationId xmlns:a16="http://schemas.microsoft.com/office/drawing/2014/main" id="{F434360A-A163-4B55-8A94-E94BE8D0CC19}"/>
+              </a:ext>
+            </a:extLst>
+          </p:cNvPr>
+          <p:cNvPicPr>
+            <a:picLocks noChangeAspect="1"/>
+          </p:cNvPicPr>
+          <p:nvPr/>
+        </p:nvPicPr>
+        <p:blipFill>
+          <a:blip r:embed="rId2">
+            <a:extLst>
+              <a:ext uri="{28A0092B-C50C-407E-A947-70E740481C1C}">
+                <a14:useLocalDpi xmlns:a14="http://schemas.microsoft.com/office/drawing/2010/main" val="0"/>
+              </a:ext>
+            </a:extLst>
+          </a:blip>
+          <a:stretch>
+            <a:fillRect/>
+          </a:stretch>
+        </p:blipFill>
+        <p:spPr>
+          <a:xfrm>
+            <a:off x="10846965" y="6499338"/>
+            <a:ext cx="919716" cy="194191"/>
+          </a:xfrm>
+          <a:prstGeom prst="rect">
+            <a:avLst/>
+          </a:prstGeom>
+        </p:spPr>
+      </p:pic>
+      <p:pic>
+        <p:nvPicPr>
+          <p:cNvPr id="6" name="Picture 5">
+            <a:extLst>
+              <a:ext uri="{FF2B5EF4-FFF2-40B4-BE49-F238E27FC236}">
+                <a16:creationId xmlns:a16="http://schemas.microsoft.com/office/drawing/2014/main" id="{9F4AC47D-2668-4D2A-8F59-55B0D90C063A}"/>
+              </a:ext>
+            </a:extLst>
+          </p:cNvPr>
+          <p:cNvPicPr>
+            <a:picLocks noChangeAspect="1"/>
+          </p:cNvPicPr>
+          <p:nvPr/>
+        </p:nvPicPr>
+        <p:blipFill>
+          <a:blip r:embed="rId3">
+            <a:extLst>
+              <a:ext uri="{28A0092B-C50C-407E-A947-70E740481C1C}">
+                <a14:useLocalDpi xmlns:a14="http://schemas.microsoft.com/office/drawing/2010/main" val="0"/>
+              </a:ext>
+            </a:extLst>
+          </a:blip>
+          <a:stretch>
+            <a:fillRect/>
+          </a:stretch>
+        </p:blipFill>
+        <p:spPr>
+          <a:xfrm>
+            <a:off x="0" y="980771"/>
+            <a:ext cx="12192000" cy="50034"/>
+          </a:xfrm>
+          <a:prstGeom prst="rect">
+            <a:avLst/>
+          </a:prstGeom>
+        </p:spPr>
+      </p:pic>
+      <p:pic>
+        <p:nvPicPr>
+          <p:cNvPr id="7" name="Picture 6">
+            <a:extLst>
+              <a:ext uri="{FF2B5EF4-FFF2-40B4-BE49-F238E27FC236}">
+                <a16:creationId xmlns:a16="http://schemas.microsoft.com/office/drawing/2014/main" id="{18FF4D9E-2B7A-4DD3-BB9C-E86A4B671FCE}"/>
+              </a:ext>
+            </a:extLst>
+          </p:cNvPr>
+          <p:cNvPicPr>
+            <a:picLocks noChangeAspect="1"/>
+          </p:cNvPicPr>
+          <p:nvPr/>
+        </p:nvPicPr>
+        <p:blipFill>
+          <a:blip r:embed="rId4"/>
+          <a:stretch>
+            <a:fillRect/>
+          </a:stretch>
+        </p:blipFill>
+        <p:spPr>
+          <a:xfrm>
+            <a:off x="2838767" y="1735362"/>
+            <a:ext cx="6514466" cy="3387275"/>
+          </a:xfrm>
+          <a:prstGeom prst="rect">
+            <a:avLst/>
+          </a:prstGeom>
+        </p:spPr>
+      </p:pic>
+    </p:spTree>
+    <p:extLst>
+      <p:ext uri="{BB962C8B-B14F-4D97-AF65-F5344CB8AC3E}">
+        <p14:creationId xmlns:p14="http://schemas.microsoft.com/office/powerpoint/2010/main" val="1175399955"/>
+      </p:ext>
+    </p:extLst>
+  </p:cSld>
+  <p:clrMapOvr>
+    <a:masterClrMapping/>
+  </p:clrMapOvr>
 </p:sld>
 </file>
 
@@ -27079,6 +30808,232 @@
       <p:bldP spid="13" grpId="0" build="p"/>
     </p:bldLst>
   </p:timing>
+</p:sld>
+</file>
+
+<file path=ppt/slides/slide50.xml><?xml version="1.0" encoding="utf-8"?>
+<p:sld xmlns:a="http://schemas.openxmlformats.org/drawingml/2006/main" xmlns:r="http://schemas.openxmlformats.org/officeDocument/2006/relationships" xmlns:p="http://schemas.openxmlformats.org/presentationml/2006/main">
+  <p:cSld>
+    <p:spTree>
+      <p:nvGrpSpPr>
+        <p:cNvPr id="1" name=""/>
+        <p:cNvGrpSpPr/>
+        <p:nvPr/>
+      </p:nvGrpSpPr>
+      <p:grpSpPr>
+        <a:xfrm>
+          <a:off x="0" y="0"/>
+          <a:ext cx="0" cy="0"/>
+          <a:chOff x="0" y="0"/>
+          <a:chExt cx="0" cy="0"/>
+        </a:xfrm>
+      </p:grpSpPr>
+      <p:sp>
+        <p:nvSpPr>
+          <p:cNvPr id="2" name="Title 1">
+            <a:extLst>
+              <a:ext uri="{FF2B5EF4-FFF2-40B4-BE49-F238E27FC236}">
+                <a16:creationId xmlns:a16="http://schemas.microsoft.com/office/drawing/2014/main" id="{966D7C58-E6A9-491B-AB0A-0B64DC8CA38A}"/>
+              </a:ext>
+            </a:extLst>
+          </p:cNvPr>
+          <p:cNvSpPr>
+            <a:spLocks noGrp="1"/>
+          </p:cNvSpPr>
+          <p:nvPr>
+            <p:ph type="ctrTitle"/>
+          </p:nvPr>
+        </p:nvSpPr>
+        <p:spPr>
+          <a:xfrm>
+            <a:off x="425319" y="231248"/>
+            <a:ext cx="11487048" cy="699189"/>
+          </a:xfrm>
+        </p:spPr>
+        <p:txBody>
+          <a:bodyPr>
+            <a:normAutofit/>
+          </a:bodyPr>
+          <a:lstStyle/>
+          <a:p>
+            <a:pPr algn="l"/>
+            <a:r>
+              <a:rPr lang="en-GB" sz="4000">
+                <a:solidFill>
+                  <a:srgbClr val="2A89C6"/>
+                </a:solidFill>
+                <a:latin typeface="DINPro-CondBold" panose="020B0806020101010102" pitchFamily="34" charset="0"/>
+                <a:cs typeface="DINPro-CondBold" panose="020B0806020101010102" pitchFamily="34" charset="0"/>
+              </a:rPr>
+              <a:t>Spora</a:t>
+            </a:r>
+            <a:endParaRPr lang="en-GB" sz="4000" dirty="0">
+              <a:solidFill>
+                <a:srgbClr val="2A89C6"/>
+              </a:solidFill>
+              <a:latin typeface="DINPro-CondBold" panose="020B0806020101010102" pitchFamily="34" charset="0"/>
+              <a:cs typeface="DINPro-CondBold" panose="020B0806020101010102" pitchFamily="34" charset="0"/>
+            </a:endParaRPr>
+          </a:p>
+        </p:txBody>
+      </p:sp>
+      <p:sp>
+        <p:nvSpPr>
+          <p:cNvPr id="3" name="Subtitle 2">
+            <a:extLst>
+              <a:ext uri="{FF2B5EF4-FFF2-40B4-BE49-F238E27FC236}">
+                <a16:creationId xmlns:a16="http://schemas.microsoft.com/office/drawing/2014/main" id="{18915AA8-A8A4-4B05-99EE-CC8B2D7EA426}"/>
+              </a:ext>
+            </a:extLst>
+          </p:cNvPr>
+          <p:cNvSpPr>
+            <a:spLocks noGrp="1"/>
+          </p:cNvSpPr>
+          <p:nvPr>
+            <p:ph type="subTitle" idx="1"/>
+          </p:nvPr>
+        </p:nvSpPr>
+        <p:spPr>
+          <a:xfrm>
+            <a:off x="425319" y="6431243"/>
+            <a:ext cx="2259435" cy="321896"/>
+          </a:xfrm>
+        </p:spPr>
+        <p:txBody>
+          <a:bodyPr>
+            <a:normAutofit/>
+          </a:bodyPr>
+          <a:lstStyle/>
+          <a:p>
+            <a:pPr algn="l"/>
+            <a:r>
+              <a:rPr lang="en-NZ" sz="1600">
+                <a:solidFill>
+                  <a:srgbClr val="6E7B80"/>
+                </a:solidFill>
+              </a:rPr>
+              <a:t>www.emsisoft.com</a:t>
+            </a:r>
+            <a:endParaRPr lang="en-NZ" sz="1600" dirty="0">
+              <a:solidFill>
+                <a:srgbClr val="6E7B80"/>
+              </a:solidFill>
+            </a:endParaRPr>
+          </a:p>
+        </p:txBody>
+      </p:sp>
+      <p:pic>
+        <p:nvPicPr>
+          <p:cNvPr id="5" name="Picture 4">
+            <a:extLst>
+              <a:ext uri="{FF2B5EF4-FFF2-40B4-BE49-F238E27FC236}">
+                <a16:creationId xmlns:a16="http://schemas.microsoft.com/office/drawing/2014/main" id="{F434360A-A163-4B55-8A94-E94BE8D0CC19}"/>
+              </a:ext>
+            </a:extLst>
+          </p:cNvPr>
+          <p:cNvPicPr>
+            <a:picLocks noChangeAspect="1"/>
+          </p:cNvPicPr>
+          <p:nvPr/>
+        </p:nvPicPr>
+        <p:blipFill>
+          <a:blip r:embed="rId2">
+            <a:extLst>
+              <a:ext uri="{28A0092B-C50C-407E-A947-70E740481C1C}">
+                <a14:useLocalDpi xmlns:a14="http://schemas.microsoft.com/office/drawing/2010/main" val="0"/>
+              </a:ext>
+            </a:extLst>
+          </a:blip>
+          <a:stretch>
+            <a:fillRect/>
+          </a:stretch>
+        </p:blipFill>
+        <p:spPr>
+          <a:xfrm>
+            <a:off x="10846965" y="6499338"/>
+            <a:ext cx="919716" cy="194191"/>
+          </a:xfrm>
+          <a:prstGeom prst="rect">
+            <a:avLst/>
+          </a:prstGeom>
+        </p:spPr>
+      </p:pic>
+      <p:pic>
+        <p:nvPicPr>
+          <p:cNvPr id="6" name="Picture 5">
+            <a:extLst>
+              <a:ext uri="{FF2B5EF4-FFF2-40B4-BE49-F238E27FC236}">
+                <a16:creationId xmlns:a16="http://schemas.microsoft.com/office/drawing/2014/main" id="{9F4AC47D-2668-4D2A-8F59-55B0D90C063A}"/>
+              </a:ext>
+            </a:extLst>
+          </p:cNvPr>
+          <p:cNvPicPr>
+            <a:picLocks noChangeAspect="1"/>
+          </p:cNvPicPr>
+          <p:nvPr/>
+        </p:nvPicPr>
+        <p:blipFill>
+          <a:blip r:embed="rId3">
+            <a:extLst>
+              <a:ext uri="{28A0092B-C50C-407E-A947-70E740481C1C}">
+                <a14:useLocalDpi xmlns:a14="http://schemas.microsoft.com/office/drawing/2010/main" val="0"/>
+              </a:ext>
+            </a:extLst>
+          </a:blip>
+          <a:stretch>
+            <a:fillRect/>
+          </a:stretch>
+        </p:blipFill>
+        <p:spPr>
+          <a:xfrm>
+            <a:off x="0" y="980771"/>
+            <a:ext cx="12192000" cy="50034"/>
+          </a:xfrm>
+          <a:prstGeom prst="rect">
+            <a:avLst/>
+          </a:prstGeom>
+        </p:spPr>
+      </p:pic>
+      <p:pic>
+        <p:nvPicPr>
+          <p:cNvPr id="8" name="Picture 7">
+            <a:extLst>
+              <a:ext uri="{FF2B5EF4-FFF2-40B4-BE49-F238E27FC236}">
+                <a16:creationId xmlns:a16="http://schemas.microsoft.com/office/drawing/2014/main" id="{1CB03D8D-E746-432B-896D-9AB67A13D0B6}"/>
+              </a:ext>
+            </a:extLst>
+          </p:cNvPr>
+          <p:cNvPicPr>
+            <a:picLocks noChangeAspect="1"/>
+          </p:cNvPicPr>
+          <p:nvPr/>
+        </p:nvPicPr>
+        <p:blipFill>
+          <a:blip r:embed="rId4"/>
+          <a:stretch>
+            <a:fillRect/>
+          </a:stretch>
+        </p:blipFill>
+        <p:spPr>
+          <a:xfrm>
+            <a:off x="1824037" y="2259411"/>
+            <a:ext cx="8543925" cy="2943225"/>
+          </a:xfrm>
+          <a:prstGeom prst="rect">
+            <a:avLst/>
+          </a:prstGeom>
+        </p:spPr>
+      </p:pic>
+    </p:spTree>
+    <p:extLst>
+      <p:ext uri="{BB962C8B-B14F-4D97-AF65-F5344CB8AC3E}">
+        <p14:creationId xmlns:p14="http://schemas.microsoft.com/office/powerpoint/2010/main" val="3674930845"/>
+      </p:ext>
+    </p:extLst>
+  </p:cSld>
+  <p:clrMapOvr>
+    <a:masterClrMapping/>
+  </p:clrMapOvr>
 </p:sld>
 </file>
 
@@ -31882,6 +35837,12 @@
 </file>
 
 <file path=customXml/item1.xml><?xml version="1.0" encoding="utf-8"?>
+<p:properties xmlns:p="http://schemas.microsoft.com/office/2006/metadata/properties" xmlns:xsi="http://www.w3.org/2001/XMLSchema-instance" xmlns:pc="http://schemas.microsoft.com/office/infopath/2007/PartnerControls">
+  <documentManagement/>
+</p:properties>
+</file>
+
+<file path=customXml/item2.xml><?xml version="1.0" encoding="utf-8"?>
 <ct:contentTypeSchema xmlns:ct="http://schemas.microsoft.com/office/2006/metadata/contentType" xmlns:ma="http://schemas.microsoft.com/office/2006/metadata/properties/metaAttributes" ct:_="" ma:_="" ma:contentTypeName="Document" ma:contentTypeID="0x0101008251AA4E2B38C84FA150A2BBD6A00DAC" ma:contentTypeVersion="2" ma:contentTypeDescription="Create a new document." ma:contentTypeScope="" ma:versionID="dad994991844708e0d246ae4a584a4b8">
   <xsd:schema xmlns:xsd="http://www.w3.org/2001/XMLSchema" xmlns:xs="http://www.w3.org/2001/XMLSchema" xmlns:p="http://schemas.microsoft.com/office/2006/metadata/properties" xmlns:ns3="2fcacc2e-afce-4a15-8a2e-4adf7efc80f7" targetNamespace="http://schemas.microsoft.com/office/2006/metadata/properties" ma:root="true" ma:fieldsID="22a7ac8ea9023e74e066d3906c3f550b" ns3:_="">
     <xsd:import namespace="2fcacc2e-afce-4a15-8a2e-4adf7efc80f7"/>
@@ -32013,12 +35974,6 @@
 </ct:contentTypeSchema>
 </file>
 
-<file path=customXml/item2.xml><?xml version="1.0" encoding="utf-8"?>
-<p:properties xmlns:p="http://schemas.microsoft.com/office/2006/metadata/properties" xmlns:xsi="http://www.w3.org/2001/XMLSchema-instance" xmlns:pc="http://schemas.microsoft.com/office/infopath/2007/PartnerControls">
-  <documentManagement/>
-</p:properties>
-</file>
-
 <file path=customXml/item3.xml><?xml version="1.0" encoding="utf-8"?>
 <?mso-contentType ?>
 <FormTemplates xmlns="http://schemas.microsoft.com/sharepoint/v3/contenttype/forms">
@@ -32029,6 +35984,15 @@
 </file>
 
 <file path=customXml/itemProps1.xml><?xml version="1.0" encoding="utf-8"?>
+<ds:datastoreItem xmlns:ds="http://schemas.openxmlformats.org/officeDocument/2006/customXml" ds:itemID="{DCFE3EAC-34FF-4227-8FA5-D50B77269847}">
+  <ds:schemaRefs>
+    <ds:schemaRef ds:uri="http://schemas.microsoft.com/office/2006/metadata/properties"/>
+    <ds:schemaRef ds:uri="http://schemas.microsoft.com/office/infopath/2007/PartnerControls"/>
+  </ds:schemaRefs>
+</ds:datastoreItem>
+</file>
+
+<file path=customXml/itemProps2.xml><?xml version="1.0" encoding="utf-8"?>
 <ds:datastoreItem xmlns:ds="http://schemas.openxmlformats.org/officeDocument/2006/customXml" ds:itemID="{320D40A7-67A7-4910-945B-E771C366D8D0}">
   <ds:schemaRefs>
     <ds:schemaRef ds:uri="http://schemas.microsoft.com/office/2006/metadata/contentType"/>
@@ -32046,22 +36010,6 @@
 </ds:datastoreItem>
 </file>
 
-<file path=customXml/itemProps2.xml><?xml version="1.0" encoding="utf-8"?>
-<ds:datastoreItem xmlns:ds="http://schemas.openxmlformats.org/officeDocument/2006/customXml" ds:itemID="{DCFE3EAC-34FF-4227-8FA5-D50B77269847}">
-  <ds:schemaRefs>
-    <ds:schemaRef ds:uri="http://schemas.microsoft.com/office/infopath/2007/PartnerControls"/>
-    <ds:schemaRef ds:uri="http://purl.org/dc/terms/"/>
-    <ds:schemaRef ds:uri="http://schemas.microsoft.com/office/2006/documentManagement/types"/>
-    <ds:schemaRef ds:uri="http://schemas.microsoft.com/office/2006/metadata/properties"/>
-    <ds:schemaRef ds:uri="http://purl.org/dc/elements/1.1/"/>
-    <ds:schemaRef ds:uri="http://purl.org/dc/dcmitype/"/>
-    <ds:schemaRef ds:uri="http://schemas.openxmlformats.org/package/2006/metadata/core-properties"/>
-    <ds:schemaRef ds:uri="2fcacc2e-afce-4a15-8a2e-4adf7efc80f7"/>
-    <ds:schemaRef ds:uri="http://www.w3.org/XML/1998/namespace"/>
-  </ds:schemaRefs>
-</ds:datastoreItem>
-</file>
-
 <file path=customXml/itemProps3.xml><?xml version="1.0" encoding="utf-8"?>
 <ds:datastoreItem xmlns:ds="http://schemas.openxmlformats.org/officeDocument/2006/customXml" ds:itemID="{B1297B32-2E73-48A3-8381-A3D9A9D2D610}">
   <ds:schemaRefs>

--- a/oxford/Oxford_2019.pptx
+++ b/oxford/Oxford_2019.pptx
@@ -164,7 +164,7 @@
 <file path=ppt/revisionInfo.xml><?xml version="1.0" encoding="utf-8"?>
 <p1510:revInfo xmlns:a="http://schemas.openxmlformats.org/drawingml/2006/main" xmlns:r="http://schemas.openxmlformats.org/officeDocument/2006/relationships" xmlns:p1510="http://schemas.microsoft.com/office/powerpoint/2015/10/main">
   <p1510:revLst>
-    <p1510:client id="{D2CBAF8C-0DC0-434D-AC50-CC354D962A53}" v="11393" dt="2019-11-01T09:35:16.080"/>
+    <p1510:client id="{D2CBAF8C-0DC0-434D-AC50-CC354D962A53}" v="11481" dt="2019-11-01T11:20:22.530"/>
   </p1510:revLst>
 </p1510:revInfo>
 </file>
@@ -174,7 +174,7 @@
   <pc:docChgLst>
     <pc:chgData name="Fabian Wosar" userId="f59eda9b-2093-4b17-b2e8-c9fbc41c9cab" providerId="ADAL" clId="{D2CBAF8C-0DC0-434D-AC50-CC354D962A53}"/>
     <pc:docChg chg="undo custSel mod addSld delSld modSld sldOrd">
-      <pc:chgData name="Fabian Wosar" userId="f59eda9b-2093-4b17-b2e8-c9fbc41c9cab" providerId="ADAL" clId="{D2CBAF8C-0DC0-434D-AC50-CC354D962A53}" dt="2019-11-01T09:36:06.735" v="13169" actId="26606"/>
+      <pc:chgData name="Fabian Wosar" userId="f59eda9b-2093-4b17-b2e8-c9fbc41c9cab" providerId="ADAL" clId="{D2CBAF8C-0DC0-434D-AC50-CC354D962A53}" dt="2019-11-01T11:20:22.530" v="13269" actId="20577"/>
       <pc:docMkLst>
         <pc:docMk/>
       </pc:docMkLst>
@@ -209,13 +209,13 @@
         </pc:sldMkLst>
       </pc:sldChg>
       <pc:sldChg chg="addSp modSp modAnim">
-        <pc:chgData name="Fabian Wosar" userId="f59eda9b-2093-4b17-b2e8-c9fbc41c9cab" providerId="ADAL" clId="{D2CBAF8C-0DC0-434D-AC50-CC354D962A53}" dt="2019-11-01T00:51:27.111" v="11874" actId="20577"/>
+        <pc:chgData name="Fabian Wosar" userId="f59eda9b-2093-4b17-b2e8-c9fbc41c9cab" providerId="ADAL" clId="{D2CBAF8C-0DC0-434D-AC50-CC354D962A53}" dt="2019-11-01T11:13:27.108" v="13176" actId="20577"/>
         <pc:sldMkLst>
           <pc:docMk/>
           <pc:sldMk cId="1668622825" sldId="262"/>
         </pc:sldMkLst>
         <pc:spChg chg="mod">
-          <ac:chgData name="Fabian Wosar" userId="f59eda9b-2093-4b17-b2e8-c9fbc41c9cab" providerId="ADAL" clId="{D2CBAF8C-0DC0-434D-AC50-CC354D962A53}" dt="2019-11-01T00:51:27.111" v="11874" actId="20577"/>
+          <ac:chgData name="Fabian Wosar" userId="f59eda9b-2093-4b17-b2e8-c9fbc41c9cab" providerId="ADAL" clId="{D2CBAF8C-0DC0-434D-AC50-CC354D962A53}" dt="2019-11-01T11:13:27.108" v="13176" actId="20577"/>
           <ac:spMkLst>
             <pc:docMk/>
             <pc:sldMk cId="1668622825" sldId="262"/>
@@ -657,13 +657,13 @@
         </pc:picChg>
       </pc:sldChg>
       <pc:sldChg chg="modSp add modAnim">
-        <pc:chgData name="Fabian Wosar" userId="f59eda9b-2093-4b17-b2e8-c9fbc41c9cab" providerId="ADAL" clId="{D2CBAF8C-0DC0-434D-AC50-CC354D962A53}" dt="2019-10-31T22:59:44.103" v="3622" actId="20577"/>
+        <pc:chgData name="Fabian Wosar" userId="f59eda9b-2093-4b17-b2e8-c9fbc41c9cab" providerId="ADAL" clId="{D2CBAF8C-0DC0-434D-AC50-CC354D962A53}" dt="2019-11-01T11:15:27.455" v="13226" actId="255"/>
         <pc:sldMkLst>
           <pc:docMk/>
           <pc:sldMk cId="188589314" sldId="311"/>
         </pc:sldMkLst>
         <pc:spChg chg="mod">
-          <ac:chgData name="Fabian Wosar" userId="f59eda9b-2093-4b17-b2e8-c9fbc41c9cab" providerId="ADAL" clId="{D2CBAF8C-0DC0-434D-AC50-CC354D962A53}" dt="2019-10-31T22:36:24.939" v="1752" actId="20577"/>
+          <ac:chgData name="Fabian Wosar" userId="f59eda9b-2093-4b17-b2e8-c9fbc41c9cab" providerId="ADAL" clId="{D2CBAF8C-0DC0-434D-AC50-CC354D962A53}" dt="2019-11-01T11:14:03.540" v="13188" actId="20577"/>
           <ac:spMkLst>
             <pc:docMk/>
             <pc:sldMk cId="188589314" sldId="311"/>
@@ -671,7 +671,7 @@
           </ac:spMkLst>
         </pc:spChg>
         <pc:spChg chg="mod">
-          <ac:chgData name="Fabian Wosar" userId="f59eda9b-2093-4b17-b2e8-c9fbc41c9cab" providerId="ADAL" clId="{D2CBAF8C-0DC0-434D-AC50-CC354D962A53}" dt="2019-10-31T22:59:44.103" v="3622" actId="20577"/>
+          <ac:chgData name="Fabian Wosar" userId="f59eda9b-2093-4b17-b2e8-c9fbc41c9cab" providerId="ADAL" clId="{D2CBAF8C-0DC0-434D-AC50-CC354D962A53}" dt="2019-11-01T11:15:27.455" v="13226" actId="255"/>
           <ac:spMkLst>
             <pc:docMk/>
             <pc:sldMk cId="188589314" sldId="311"/>
@@ -952,7 +952,7 @@
         </pc:picChg>
       </pc:sldChg>
       <pc:sldChg chg="modSp add modAnim">
-        <pc:chgData name="Fabian Wosar" userId="f59eda9b-2093-4b17-b2e8-c9fbc41c9cab" providerId="ADAL" clId="{D2CBAF8C-0DC0-434D-AC50-CC354D962A53}" dt="2019-10-31T23:30:17.062" v="6447" actId="20577"/>
+        <pc:chgData name="Fabian Wosar" userId="f59eda9b-2093-4b17-b2e8-c9fbc41c9cab" providerId="ADAL" clId="{D2CBAF8C-0DC0-434D-AC50-CC354D962A53}" dt="2019-11-01T11:16:27.810" v="13249" actId="20577"/>
         <pc:sldMkLst>
           <pc:docMk/>
           <pc:sldMk cId="3431260339" sldId="320"/>
@@ -966,7 +966,7 @@
           </ac:spMkLst>
         </pc:spChg>
         <pc:spChg chg="mod">
-          <ac:chgData name="Fabian Wosar" userId="f59eda9b-2093-4b17-b2e8-c9fbc41c9cab" providerId="ADAL" clId="{D2CBAF8C-0DC0-434D-AC50-CC354D962A53}" dt="2019-10-31T23:30:17.062" v="6447" actId="20577"/>
+          <ac:chgData name="Fabian Wosar" userId="f59eda9b-2093-4b17-b2e8-c9fbc41c9cab" providerId="ADAL" clId="{D2CBAF8C-0DC0-434D-AC50-CC354D962A53}" dt="2019-11-01T11:16:27.810" v="13249" actId="20577"/>
           <ac:spMkLst>
             <pc:docMk/>
             <pc:sldMk cId="3431260339" sldId="320"/>
@@ -1191,13 +1191,13 @@
         </pc:picChg>
       </pc:sldChg>
       <pc:sldChg chg="modSp add modAnim">
-        <pc:chgData name="Fabian Wosar" userId="f59eda9b-2093-4b17-b2e8-c9fbc41c9cab" providerId="ADAL" clId="{D2CBAF8C-0DC0-434D-AC50-CC354D962A53}" dt="2019-11-01T00:27:42.472" v="8257"/>
+        <pc:chgData name="Fabian Wosar" userId="f59eda9b-2093-4b17-b2e8-c9fbc41c9cab" providerId="ADAL" clId="{D2CBAF8C-0DC0-434D-AC50-CC354D962A53}" dt="2019-11-01T11:20:22.530" v="13269" actId="20577"/>
         <pc:sldMkLst>
           <pc:docMk/>
           <pc:sldMk cId="2021341078" sldId="329"/>
         </pc:sldMkLst>
         <pc:spChg chg="mod">
-          <ac:chgData name="Fabian Wosar" userId="f59eda9b-2093-4b17-b2e8-c9fbc41c9cab" providerId="ADAL" clId="{D2CBAF8C-0DC0-434D-AC50-CC354D962A53}" dt="2019-11-01T00:05:22.724" v="8218" actId="20577"/>
+          <ac:chgData name="Fabian Wosar" userId="f59eda9b-2093-4b17-b2e8-c9fbc41c9cab" providerId="ADAL" clId="{D2CBAF8C-0DC0-434D-AC50-CC354D962A53}" dt="2019-11-01T11:20:22.530" v="13269" actId="20577"/>
           <ac:spMkLst>
             <pc:docMk/>
             <pc:sldMk cId="2021341078" sldId="329"/>
@@ -7146,7 +7146,7 @@
                 <a:latin typeface="DINPro-CondBold" panose="020B0806020101010102" pitchFamily="34" charset="0"/>
                 <a:cs typeface="DINPro-CondBold" panose="020B0806020101010102" pitchFamily="34" charset="0"/>
               </a:rPr>
-              <a:t>What do we want to know?</a:t>
+              <a:t>What are we after?</a:t>
             </a:r>
           </a:p>
         </p:txBody>
@@ -7465,24 +7465,13 @@
                   <a:srgbClr val="6E7B80"/>
                 </a:solidFill>
               </a:rPr>
-              <a:t>We aren’t interested in everything there is to know about the malware, we are looking for particular information, that can help us decrypt it, so our goals are</a:t>
+              <a:t>We aren’t interested in everything there is to know about the malware</a:t>
             </a:r>
           </a:p>
           <a:p>
             <a:pPr marL="285750" indent="-285750" algn="l">
               <a:buFont typeface="Arial" panose="020B0604020202020204" pitchFamily="34" charset="0"/>
               <a:buChar char="•"/>
-            </a:pPr>
-            <a:endParaRPr lang="en-NZ" sz="2000" dirty="0">
-              <a:solidFill>
-                <a:srgbClr val="6E7B80"/>
-              </a:solidFill>
-            </a:endParaRPr>
-          </a:p>
-          <a:p>
-            <a:pPr marL="457200" indent="-457200" algn="l">
-              <a:buFont typeface="+mj-lt"/>
-              <a:buAutoNum type="arabicPeriod"/>
             </a:pPr>
             <a:r>
               <a:rPr lang="en-NZ" sz="2000" dirty="0">
@@ -7490,13 +7479,13 @@
                   <a:srgbClr val="6E7B80"/>
                 </a:solidFill>
               </a:rPr>
-              <a:t>Figure out what type of encryption is being used and the file format of encrypted files</a:t>
+              <a:t>We are looking for particular information that can help us decrypt it</a:t>
             </a:r>
           </a:p>
           <a:p>
-            <a:pPr marL="457200" indent="-457200" algn="l">
-              <a:buFont typeface="+mj-lt"/>
-              <a:buAutoNum type="arabicPeriod"/>
+            <a:pPr marL="285750" indent="-285750" algn="l">
+              <a:buFont typeface="Arial" panose="020B0604020202020204" pitchFamily="34" charset="0"/>
+              <a:buChar char="•"/>
             </a:pPr>
             <a:r>
               <a:rPr lang="en-NZ" sz="2000" dirty="0">
@@ -7504,13 +7493,13 @@
                   <a:srgbClr val="6E7B80"/>
                 </a:solidFill>
               </a:rPr>
-              <a:t>Figure out how exactly files are encrypted and how the key material involved is being generated</a:t>
+              <a:t>Figure out what type of encryption is being used and the file format of encrypted files</a:t>
             </a:r>
           </a:p>
           <a:p>
-            <a:pPr marL="457200" indent="-457200" algn="l">
-              <a:buFont typeface="+mj-lt"/>
-              <a:buAutoNum type="arabicPeriod"/>
+            <a:pPr marL="285750" indent="-285750" algn="l">
+              <a:buFont typeface="Arial" panose="020B0604020202020204" pitchFamily="34" charset="0"/>
+              <a:buChar char="•"/>
             </a:pPr>
             <a:r>
               <a:rPr lang="en-NZ" sz="2000" dirty="0">
@@ -7518,13 +7507,27 @@
                   <a:srgbClr val="6E7B80"/>
                 </a:solidFill>
               </a:rPr>
+              <a:t>Figure out how exactly files are encrypted and how the key material involved is being generated</a:t>
+            </a:r>
+          </a:p>
+          <a:p>
+            <a:pPr marL="285750" indent="-285750" algn="l">
+              <a:buFont typeface="Arial" panose="020B0604020202020204" pitchFamily="34" charset="0"/>
+              <a:buChar char="•"/>
+            </a:pPr>
+            <a:r>
+              <a:rPr lang="en-NZ" sz="2000" dirty="0">
+                <a:solidFill>
+                  <a:srgbClr val="6E7B80"/>
+                </a:solidFill>
+              </a:rPr>
               <a:t>Look for flaws that could allow us to break the encryption</a:t>
             </a:r>
           </a:p>
           <a:p>
-            <a:pPr marL="457200" indent="-457200" algn="l">
-              <a:buFont typeface="+mj-lt"/>
-              <a:buAutoNum type="arabicPeriod"/>
+            <a:pPr marL="285750" indent="-285750" algn="l">
+              <a:buFont typeface="Arial" panose="020B0604020202020204" pitchFamily="34" charset="0"/>
+              <a:buChar char="•"/>
             </a:pPr>
             <a:r>
               <a:rPr lang="en-NZ" sz="2000" dirty="0">
@@ -7644,7 +7647,7 @@
                                         <p:tgtEl>
                                           <p:spTgt spid="13">
                                             <p:txEl>
-                                              <p:pRg st="2" end="2"/>
+                                              <p:pRg st="1" end="1"/>
                                             </p:txEl>
                                           </p:spTgt>
                                         </p:tgtEl>
@@ -7662,7 +7665,7 @@
                                         <p:tgtEl>
                                           <p:spTgt spid="13">
                                             <p:txEl>
-                                              <p:pRg st="2" end="2"/>
+                                              <p:pRg st="1" end="1"/>
                                             </p:txEl>
                                           </p:spTgt>
                                         </p:tgtEl>
@@ -7705,7 +7708,7 @@
                                         <p:tgtEl>
                                           <p:spTgt spid="13">
                                             <p:txEl>
-                                              <p:pRg st="3" end="3"/>
+                                              <p:pRg st="2" end="2"/>
                                             </p:txEl>
                                           </p:spTgt>
                                         </p:tgtEl>
@@ -7723,7 +7726,7 @@
                                         <p:tgtEl>
                                           <p:spTgt spid="13">
                                             <p:txEl>
-                                              <p:pRg st="3" end="3"/>
+                                              <p:pRg st="2" end="2"/>
                                             </p:txEl>
                                           </p:spTgt>
                                         </p:tgtEl>
@@ -7766,7 +7769,7 @@
                                         <p:tgtEl>
                                           <p:spTgt spid="13">
                                             <p:txEl>
-                                              <p:pRg st="4" end="4"/>
+                                              <p:pRg st="3" end="3"/>
                                             </p:txEl>
                                           </p:spTgt>
                                         </p:tgtEl>
@@ -7784,7 +7787,7 @@
                                         <p:tgtEl>
                                           <p:spTgt spid="13">
                                             <p:txEl>
-                                              <p:pRg st="4" end="4"/>
+                                              <p:pRg st="3" end="3"/>
                                             </p:txEl>
                                           </p:spTgt>
                                         </p:tgtEl>
@@ -7827,6 +7830,67 @@
                                         <p:tgtEl>
                                           <p:spTgt spid="13">
                                             <p:txEl>
+                                              <p:pRg st="4" end="4"/>
+                                            </p:txEl>
+                                          </p:spTgt>
+                                        </p:tgtEl>
+                                        <p:attrNameLst>
+                                          <p:attrName>style.visibility</p:attrName>
+                                        </p:attrNameLst>
+                                      </p:cBhvr>
+                                      <p:to>
+                                        <p:strVal val="visible"/>
+                                      </p:to>
+                                    </p:set>
+                                    <p:animEffect transition="in" filter="fade">
+                                      <p:cBhvr>
+                                        <p:cTn id="27" dur="500"/>
+                                        <p:tgtEl>
+                                          <p:spTgt spid="13">
+                                            <p:txEl>
+                                              <p:pRg st="4" end="4"/>
+                                            </p:txEl>
+                                          </p:spTgt>
+                                        </p:tgtEl>
+                                      </p:cBhvr>
+                                    </p:animEffect>
+                                  </p:childTnLst>
+                                </p:cTn>
+                              </p:par>
+                            </p:childTnLst>
+                          </p:cTn>
+                        </p:par>
+                      </p:childTnLst>
+                    </p:cTn>
+                  </p:par>
+                  <p:par>
+                    <p:cTn id="28" fill="hold">
+                      <p:stCondLst>
+                        <p:cond delay="indefinite"/>
+                      </p:stCondLst>
+                      <p:childTnLst>
+                        <p:par>
+                          <p:cTn id="29" fill="hold">
+                            <p:stCondLst>
+                              <p:cond delay="0"/>
+                            </p:stCondLst>
+                            <p:childTnLst>
+                              <p:par>
+                                <p:cTn id="30" presetID="10" presetClass="entr" presetSubtype="0" fill="hold" grpId="0" nodeType="clickEffect">
+                                  <p:stCondLst>
+                                    <p:cond delay="0"/>
+                                  </p:stCondLst>
+                                  <p:childTnLst>
+                                    <p:set>
+                                      <p:cBhvr>
+                                        <p:cTn id="31" dur="1" fill="hold">
+                                          <p:stCondLst>
+                                            <p:cond delay="0"/>
+                                          </p:stCondLst>
+                                        </p:cTn>
+                                        <p:tgtEl>
+                                          <p:spTgt spid="13">
+                                            <p:txEl>
                                               <p:pRg st="5" end="5"/>
                                             </p:txEl>
                                           </p:spTgt>
@@ -7841,7 +7905,7 @@
                                     </p:set>
                                     <p:animEffect transition="in" filter="fade">
                                       <p:cBhvr>
-                                        <p:cTn id="27" dur="500"/>
+                                        <p:cTn id="32" dur="500"/>
                                         <p:tgtEl>
                                           <p:spTgt spid="13">
                                             <p:txEl>
@@ -12720,23 +12784,7 @@
                   <a:srgbClr val="6E7B80"/>
                 </a:solidFill>
               </a:rPr>
-              <a:t>CTO at Emsisoft, which is a New Zealand </a:t>
-            </a:r>
-            <a:r>
-              <a:rPr lang="en-NZ" sz="2000" dirty="0" err="1">
-                <a:solidFill>
-                  <a:srgbClr val="6E7B80"/>
-                </a:solidFill>
-              </a:rPr>
-              <a:t>anti-malware</a:t>
-            </a:r>
-            <a:r>
-              <a:rPr lang="en-NZ" sz="2000" dirty="0">
-                <a:solidFill>
-                  <a:srgbClr val="6E7B80"/>
-                </a:solidFill>
-              </a:rPr>
-              <a:t> vendor</a:t>
+              <a:t>CTO at Emsisoft, which is a New Zealand anti-malware vendor</a:t>
             </a:r>
           </a:p>
           <a:p>
@@ -12764,7 +12812,7 @@
                   <a:srgbClr val="6E7B80"/>
                 </a:solidFill>
               </a:rPr>
-              <a:t>Adopted two adorable little cats</a:t>
+              <a:t>Rescued two adorable little cats</a:t>
             </a:r>
           </a:p>
           <a:p>
@@ -12778,7 +12826,7 @@
                   <a:srgbClr val="6E7B80"/>
                 </a:solidFill>
               </a:rPr>
-              <a:t>The work of me and my team that cost ransomware groups over a billion US dollars</a:t>
+              <a:t>The work of my team and I has cost ransomware groups over a billion US dollars</a:t>
             </a:r>
           </a:p>
           <a:p>
@@ -13533,21 +13581,8 @@
                   <a:srgbClr val="6E7B80"/>
                 </a:solidFill>
               </a:rPr>
-              <a:t>Looking</a:t>
+              <a:t>Looking at the Import Address Table in particular can give even more information about what a file may do</a:t>
             </a:r>
-            <a:r>
-              <a:rPr lang="en-NZ" sz="1800" dirty="0">
-                <a:solidFill>
-                  <a:srgbClr val="6E7B80"/>
-                </a:solidFill>
-              </a:rPr>
-              <a:t> at the Import Address Table in particular can give even more information about what a file may do</a:t>
-            </a:r>
-            <a:endParaRPr lang="en-NZ" sz="1200" dirty="0">
-              <a:solidFill>
-                <a:srgbClr val="6E7B80"/>
-              </a:solidFill>
-            </a:endParaRPr>
           </a:p>
           <a:p>
             <a:pPr marL="171450" indent="-171450" algn="l">
@@ -14996,7 +15031,7 @@
                   <a:srgbClr val="6E7B80"/>
                 </a:solidFill>
               </a:rPr>
-              <a:t>To become a good reverse engineer, you want to build heuristics in your mind to come up with rough ideas and assumptions what code does, then use the disassembly to prove or disprove those assumptions or ideas</a:t>
+              <a:t>To become a good reverse engineer, you want to build heuristics in your mind to come up with rough ideas and assumptions what code does, then use the disassembly/decompiled code to prove or disprove those assumptions or ideas</a:t>
             </a:r>
           </a:p>
           <a:p>
@@ -15010,7 +15045,7 @@
                   <a:srgbClr val="6E7B80"/>
                 </a:solidFill>
               </a:rPr>
-              <a:t>Sometimes it’s unfortunately necessary to really go through the code instruction by instruction though unfortunately, especially at the beginning</a:t>
+              <a:t>Sometimes it’s unfortunately necessary to really go through the code instruction by instruction though, this is especially common at the beginning</a:t>
             </a:r>
           </a:p>
         </p:txBody>
@@ -19224,7 +19259,7 @@
                   <a:srgbClr val="6E7B80"/>
                 </a:solidFill>
               </a:rPr>
-              <a:t>Nonce is always 0, key doesn’t change</a:t>
+              <a:t>Nonce is constant in our code, key doesn’t change</a:t>
             </a:r>
           </a:p>
           <a:p>
@@ -30319,7 +30354,7 @@
                   <a:srgbClr val="6E7B80"/>
                 </a:solidFill>
               </a:rPr>
-              <a:t>Data encrypting ransomware: What we are talking about</a:t>
+              <a:t>Data encrypting ransomware: What we are talking about today</a:t>
             </a:r>
           </a:p>
           <a:p>
@@ -35837,12 +35872,21 @@
 </file>
 
 <file path=customXml/item1.xml><?xml version="1.0" encoding="utf-8"?>
+<?mso-contentType ?>
+<FormTemplates xmlns="http://schemas.microsoft.com/sharepoint/v3/contenttype/forms">
+  <Display>DocumentLibraryForm</Display>
+  <Edit>DocumentLibraryForm</Edit>
+  <New>DocumentLibraryForm</New>
+</FormTemplates>
+</file>
+
+<file path=customXml/item2.xml><?xml version="1.0" encoding="utf-8"?>
 <p:properties xmlns:p="http://schemas.microsoft.com/office/2006/metadata/properties" xmlns:xsi="http://www.w3.org/2001/XMLSchema-instance" xmlns:pc="http://schemas.microsoft.com/office/infopath/2007/PartnerControls">
   <documentManagement/>
 </p:properties>
 </file>
 
-<file path=customXml/item2.xml><?xml version="1.0" encoding="utf-8"?>
+<file path=customXml/item3.xml><?xml version="1.0" encoding="utf-8"?>
 <ct:contentTypeSchema xmlns:ct="http://schemas.microsoft.com/office/2006/metadata/contentType" xmlns:ma="http://schemas.microsoft.com/office/2006/metadata/properties/metaAttributes" ct:_="" ma:_="" ma:contentTypeName="Document" ma:contentTypeID="0x0101008251AA4E2B38C84FA150A2BBD6A00DAC" ma:contentTypeVersion="2" ma:contentTypeDescription="Create a new document." ma:contentTypeScope="" ma:versionID="dad994991844708e0d246ae4a584a4b8">
   <xsd:schema xmlns:xsd="http://www.w3.org/2001/XMLSchema" xmlns:xs="http://www.w3.org/2001/XMLSchema" xmlns:p="http://schemas.microsoft.com/office/2006/metadata/properties" xmlns:ns3="2fcacc2e-afce-4a15-8a2e-4adf7efc80f7" targetNamespace="http://schemas.microsoft.com/office/2006/metadata/properties" ma:root="true" ma:fieldsID="22a7ac8ea9023e74e066d3906c3f550b" ns3:_="">
     <xsd:import namespace="2fcacc2e-afce-4a15-8a2e-4adf7efc80f7"/>
@@ -35974,16 +36018,15 @@
 </ct:contentTypeSchema>
 </file>
 
-<file path=customXml/item3.xml><?xml version="1.0" encoding="utf-8"?>
-<?mso-contentType ?>
-<FormTemplates xmlns="http://schemas.microsoft.com/sharepoint/v3/contenttype/forms">
-  <Display>DocumentLibraryForm</Display>
-  <Edit>DocumentLibraryForm</Edit>
-  <New>DocumentLibraryForm</New>
-</FormTemplates>
+<file path=customXml/itemProps1.xml><?xml version="1.0" encoding="utf-8"?>
+<ds:datastoreItem xmlns:ds="http://schemas.openxmlformats.org/officeDocument/2006/customXml" ds:itemID="{B1297B32-2E73-48A3-8381-A3D9A9D2D610}">
+  <ds:schemaRefs>
+    <ds:schemaRef ds:uri="http://schemas.microsoft.com/sharepoint/v3/contenttype/forms"/>
+  </ds:schemaRefs>
+</ds:datastoreItem>
 </file>
 
-<file path=customXml/itemProps1.xml><?xml version="1.0" encoding="utf-8"?>
+<file path=customXml/itemProps2.xml><?xml version="1.0" encoding="utf-8"?>
 <ds:datastoreItem xmlns:ds="http://schemas.openxmlformats.org/officeDocument/2006/customXml" ds:itemID="{DCFE3EAC-34FF-4227-8FA5-D50B77269847}">
   <ds:schemaRefs>
     <ds:schemaRef ds:uri="http://schemas.microsoft.com/office/2006/metadata/properties"/>
@@ -35992,7 +36035,7 @@
 </ds:datastoreItem>
 </file>
 
-<file path=customXml/itemProps2.xml><?xml version="1.0" encoding="utf-8"?>
+<file path=customXml/itemProps3.xml><?xml version="1.0" encoding="utf-8"?>
 <ds:datastoreItem xmlns:ds="http://schemas.openxmlformats.org/officeDocument/2006/customXml" ds:itemID="{320D40A7-67A7-4910-945B-E771C366D8D0}">
   <ds:schemaRefs>
     <ds:schemaRef ds:uri="http://schemas.microsoft.com/office/2006/metadata/contentType"/>
@@ -36008,12 +36051,4 @@
     <ds:schemaRef ds:uri="http://schemas.microsoft.com/internal/obd"/>
   </ds:schemaRefs>
 </ds:datastoreItem>
-</file>
-
-<file path=customXml/itemProps3.xml><?xml version="1.0" encoding="utf-8"?>
-<ds:datastoreItem xmlns:ds="http://schemas.openxmlformats.org/officeDocument/2006/customXml" ds:itemID="{B1297B32-2E73-48A3-8381-A3D9A9D2D610}">
-  <ds:schemaRefs>
-    <ds:schemaRef ds:uri="http://schemas.microsoft.com/sharepoint/v3/contenttype/forms"/>
-  </ds:schemaRefs>
-</ds:datastoreItem>
 </file>
--- a/oxford/Oxford_2019.pptx
+++ b/oxford/Oxford_2019.pptx
@@ -164,7 +164,7 @@
 <file path=ppt/revisionInfo.xml><?xml version="1.0" encoding="utf-8"?>
 <p1510:revInfo xmlns:a="http://schemas.openxmlformats.org/drawingml/2006/main" xmlns:r="http://schemas.openxmlformats.org/officeDocument/2006/relationships" xmlns:p1510="http://schemas.microsoft.com/office/powerpoint/2015/10/main">
   <p1510:revLst>
-    <p1510:client id="{D2CBAF8C-0DC0-434D-AC50-CC354D962A53}" v="11481" dt="2019-11-01T11:20:22.530"/>
+    <p1510:client id="{D2CBAF8C-0DC0-434D-AC50-CC354D962A53}" v="11482" dt="2019-11-01T12:14:28.127"/>
   </p1510:revLst>
 </p1510:revInfo>
 </file>
@@ -174,12 +174,12 @@
   <pc:docChgLst>
     <pc:chgData name="Fabian Wosar" userId="f59eda9b-2093-4b17-b2e8-c9fbc41c9cab" providerId="ADAL" clId="{D2CBAF8C-0DC0-434D-AC50-CC354D962A53}"/>
     <pc:docChg chg="undo custSel mod addSld delSld modSld sldOrd">
-      <pc:chgData name="Fabian Wosar" userId="f59eda9b-2093-4b17-b2e8-c9fbc41c9cab" providerId="ADAL" clId="{D2CBAF8C-0DC0-434D-AC50-CC354D962A53}" dt="2019-11-01T11:20:22.530" v="13269" actId="20577"/>
+      <pc:chgData name="Fabian Wosar" userId="f59eda9b-2093-4b17-b2e8-c9fbc41c9cab" providerId="ADAL" clId="{D2CBAF8C-0DC0-434D-AC50-CC354D962A53}" dt="2019-11-01T12:14:48.887" v="13276" actId="1076"/>
       <pc:docMkLst>
         <pc:docMk/>
       </pc:docMkLst>
-      <pc:sldChg chg="modSp">
-        <pc:chgData name="Fabian Wosar" userId="f59eda9b-2093-4b17-b2e8-c9fbc41c9cab" providerId="ADAL" clId="{D2CBAF8C-0DC0-434D-AC50-CC354D962A53}" dt="2019-10-31T17:25:48.713" v="193" actId="20577"/>
+      <pc:sldChg chg="addSp modSp">
+        <pc:chgData name="Fabian Wosar" userId="f59eda9b-2093-4b17-b2e8-c9fbc41c9cab" providerId="ADAL" clId="{D2CBAF8C-0DC0-434D-AC50-CC354D962A53}" dt="2019-11-01T12:14:48.887" v="13276" actId="1076"/>
         <pc:sldMkLst>
           <pc:docMk/>
           <pc:sldMk cId="3798771929" sldId="256"/>
@@ -200,6 +200,14 @@
             <ac:spMk id="3" creationId="{18915AA8-A8A4-4B05-99EE-CC8B2D7EA426}"/>
           </ac:spMkLst>
         </pc:spChg>
+        <pc:picChg chg="add mod">
+          <ac:chgData name="Fabian Wosar" userId="f59eda9b-2093-4b17-b2e8-c9fbc41c9cab" providerId="ADAL" clId="{D2CBAF8C-0DC0-434D-AC50-CC354D962A53}" dt="2019-11-01T12:14:48.887" v="13276" actId="1076"/>
+          <ac:picMkLst>
+            <pc:docMk/>
+            <pc:sldMk cId="3798771929" sldId="256"/>
+            <ac:picMk id="7" creationId="{10F006E3-828B-402B-93CF-DDB5A4E103EB}"/>
+          </ac:picMkLst>
+        </pc:picChg>
       </pc:sldChg>
       <pc:sldChg chg="del">
         <pc:chgData name="Fabian Wosar" userId="f59eda9b-2093-4b17-b2e8-c9fbc41c9cab" providerId="ADAL" clId="{D2CBAF8C-0DC0-434D-AC50-CC354D962A53}" dt="2019-10-31T17:29:50.284" v="605" actId="2696"/>
@@ -5261,6 +5269,42 @@
           </a:p>
         </p:txBody>
       </p:sp>
+      <p:pic>
+        <p:nvPicPr>
+          <p:cNvPr id="7" name="Picture 6" descr="A close up of a sign&#10;&#10;Description automatically generated">
+            <a:extLst>
+              <a:ext uri="{FF2B5EF4-FFF2-40B4-BE49-F238E27FC236}">
+                <a16:creationId xmlns:a16="http://schemas.microsoft.com/office/drawing/2014/main" id="{10F006E3-828B-402B-93CF-DDB5A4E103EB}"/>
+              </a:ext>
+            </a:extLst>
+          </p:cNvPr>
+          <p:cNvPicPr>
+            <a:picLocks noChangeAspect="1"/>
+          </p:cNvPicPr>
+          <p:nvPr/>
+        </p:nvPicPr>
+        <p:blipFill>
+          <a:blip r:embed="rId3">
+            <a:extLst>
+              <a:ext uri="{28A0092B-C50C-407E-A947-70E740481C1C}">
+                <a14:useLocalDpi xmlns:a14="http://schemas.microsoft.com/office/drawing/2010/main" val="0"/>
+              </a:ext>
+            </a:extLst>
+          </a:blip>
+          <a:stretch>
+            <a:fillRect/>
+          </a:stretch>
+        </p:blipFill>
+        <p:spPr>
+          <a:xfrm>
+            <a:off x="9839878" y="4195621"/>
+            <a:ext cx="2352122" cy="2352122"/>
+          </a:xfrm>
+          <a:prstGeom prst="rect">
+            <a:avLst/>
+          </a:prstGeom>
+        </p:spPr>
+      </p:pic>
     </p:spTree>
     <p:extLst>
       <p:ext uri="{BB962C8B-B14F-4D97-AF65-F5344CB8AC3E}">
@@ -35872,21 +35916,12 @@
 </file>
 
 <file path=customXml/item1.xml><?xml version="1.0" encoding="utf-8"?>
-<?mso-contentType ?>
-<FormTemplates xmlns="http://schemas.microsoft.com/sharepoint/v3/contenttype/forms">
-  <Display>DocumentLibraryForm</Display>
-  <Edit>DocumentLibraryForm</Edit>
-  <New>DocumentLibraryForm</New>
-</FormTemplates>
-</file>
-
-<file path=customXml/item2.xml><?xml version="1.0" encoding="utf-8"?>
 <p:properties xmlns:p="http://schemas.microsoft.com/office/2006/metadata/properties" xmlns:xsi="http://www.w3.org/2001/XMLSchema-instance" xmlns:pc="http://schemas.microsoft.com/office/infopath/2007/PartnerControls">
   <documentManagement/>
 </p:properties>
 </file>
 
-<file path=customXml/item3.xml><?xml version="1.0" encoding="utf-8"?>
+<file path=customXml/item2.xml><?xml version="1.0" encoding="utf-8"?>
 <ct:contentTypeSchema xmlns:ct="http://schemas.microsoft.com/office/2006/metadata/contentType" xmlns:ma="http://schemas.microsoft.com/office/2006/metadata/properties/metaAttributes" ct:_="" ma:_="" ma:contentTypeName="Document" ma:contentTypeID="0x0101008251AA4E2B38C84FA150A2BBD6A00DAC" ma:contentTypeVersion="2" ma:contentTypeDescription="Create a new document." ma:contentTypeScope="" ma:versionID="dad994991844708e0d246ae4a584a4b8">
   <xsd:schema xmlns:xsd="http://www.w3.org/2001/XMLSchema" xmlns:xs="http://www.w3.org/2001/XMLSchema" xmlns:p="http://schemas.microsoft.com/office/2006/metadata/properties" xmlns:ns3="2fcacc2e-afce-4a15-8a2e-4adf7efc80f7" targetNamespace="http://schemas.microsoft.com/office/2006/metadata/properties" ma:root="true" ma:fieldsID="22a7ac8ea9023e74e066d3906c3f550b" ns3:_="">
     <xsd:import namespace="2fcacc2e-afce-4a15-8a2e-4adf7efc80f7"/>
@@ -36018,15 +36053,16 @@
 </ct:contentTypeSchema>
 </file>
 
-<file path=customXml/itemProps1.xml><?xml version="1.0" encoding="utf-8"?>
-<ds:datastoreItem xmlns:ds="http://schemas.openxmlformats.org/officeDocument/2006/customXml" ds:itemID="{B1297B32-2E73-48A3-8381-A3D9A9D2D610}">
-  <ds:schemaRefs>
-    <ds:schemaRef ds:uri="http://schemas.microsoft.com/sharepoint/v3/contenttype/forms"/>
-  </ds:schemaRefs>
-</ds:datastoreItem>
+<file path=customXml/item3.xml><?xml version="1.0" encoding="utf-8"?>
+<?mso-contentType ?>
+<FormTemplates xmlns="http://schemas.microsoft.com/sharepoint/v3/contenttype/forms">
+  <Display>DocumentLibraryForm</Display>
+  <Edit>DocumentLibraryForm</Edit>
+  <New>DocumentLibraryForm</New>
+</FormTemplates>
 </file>
 
-<file path=customXml/itemProps2.xml><?xml version="1.0" encoding="utf-8"?>
+<file path=customXml/itemProps1.xml><?xml version="1.0" encoding="utf-8"?>
 <ds:datastoreItem xmlns:ds="http://schemas.openxmlformats.org/officeDocument/2006/customXml" ds:itemID="{DCFE3EAC-34FF-4227-8FA5-D50B77269847}">
   <ds:schemaRefs>
     <ds:schemaRef ds:uri="http://schemas.microsoft.com/office/2006/metadata/properties"/>
@@ -36035,7 +36071,7 @@
 </ds:datastoreItem>
 </file>
 
-<file path=customXml/itemProps3.xml><?xml version="1.0" encoding="utf-8"?>
+<file path=customXml/itemProps2.xml><?xml version="1.0" encoding="utf-8"?>
 <ds:datastoreItem xmlns:ds="http://schemas.openxmlformats.org/officeDocument/2006/customXml" ds:itemID="{320D40A7-67A7-4910-945B-E771C366D8D0}">
   <ds:schemaRefs>
     <ds:schemaRef ds:uri="http://schemas.microsoft.com/office/2006/metadata/contentType"/>
@@ -36051,4 +36087,12 @@
     <ds:schemaRef ds:uri="http://schemas.microsoft.com/internal/obd"/>
   </ds:schemaRefs>
 </ds:datastoreItem>
+</file>
+
+<file path=customXml/itemProps3.xml><?xml version="1.0" encoding="utf-8"?>
+<ds:datastoreItem xmlns:ds="http://schemas.openxmlformats.org/officeDocument/2006/customXml" ds:itemID="{B1297B32-2E73-48A3-8381-A3D9A9D2D610}">
+  <ds:schemaRefs>
+    <ds:schemaRef ds:uri="http://schemas.microsoft.com/sharepoint/v3/contenttype/forms"/>
+  </ds:schemaRefs>
+</ds:datastoreItem>
 </file>